--- a/W6 Project/KanenOnlineShopping.pptx
+++ b/W6 Project/KanenOnlineShopping.pptx
@@ -18,6 +18,7 @@
     <p:sldId id="264" r:id="rId12"/>
     <p:sldId id="265" r:id="rId13"/>
     <p:sldId id="267" r:id="rId14"/>
+    <p:sldId id="268" r:id="rId15"/>
   </p:sldIdLst>
   <p:sldSz cx="9144000" cy="5143500" type="screen16x9"/>
   <p:notesSz cx="6858000" cy="9144000"/>
@@ -153,7 +154,7 @@
     </p:spTree>
     <p:extLst>
       <p:ext uri="{BB962C8B-B14F-4D97-AF65-F5344CB8AC3E}">
-        <p14:creationId xmlns:p14="http://schemas.microsoft.com/office/powerpoint/2010/main" xmlns="" val="2219768511"/>
+        <p14:creationId xmlns="" xmlns:p14="http://schemas.microsoft.com/office/powerpoint/2010/main" val="2219768511"/>
       </p:ext>
     </p:extLst>
   </p:cSld>
@@ -250,7 +251,7 @@
     </p:spTree>
     <p:extLst>
       <p:ext uri="{BB962C8B-B14F-4D97-AF65-F5344CB8AC3E}">
-        <p14:creationId xmlns:p14="http://schemas.microsoft.com/office/powerpoint/2010/main" xmlns="" val="2403535400"/>
+        <p14:creationId xmlns="" xmlns:p14="http://schemas.microsoft.com/office/powerpoint/2010/main" val="2403535400"/>
       </p:ext>
     </p:extLst>
   </p:cSld>
@@ -529,7 +530,7 @@
     </p:spTree>
     <p:extLst>
       <p:ext uri="{BB962C8B-B14F-4D97-AF65-F5344CB8AC3E}">
-        <p14:creationId xmlns:p14="http://schemas.microsoft.com/office/powerpoint/2010/main" xmlns="" val="501824940"/>
+        <p14:creationId xmlns="" xmlns:p14="http://schemas.microsoft.com/office/powerpoint/2010/main" val="501824940"/>
       </p:ext>
     </p:extLst>
   </p:cSld>
@@ -784,7 +785,7 @@
     </p:spTree>
     <p:extLst>
       <p:ext uri="{BB962C8B-B14F-4D97-AF65-F5344CB8AC3E}">
-        <p14:creationId xmlns:p14="http://schemas.microsoft.com/office/powerpoint/2010/main" xmlns="" val="722440911"/>
+        <p14:creationId xmlns="" xmlns:p14="http://schemas.microsoft.com/office/powerpoint/2010/main" val="722440911"/>
       </p:ext>
     </p:extLst>
   </p:cSld>
@@ -956,7 +957,7 @@
     </p:spTree>
     <p:extLst>
       <p:ext uri="{BB962C8B-B14F-4D97-AF65-F5344CB8AC3E}">
-        <p14:creationId xmlns:p14="http://schemas.microsoft.com/office/powerpoint/2010/main" xmlns="" val="2810871693"/>
+        <p14:creationId xmlns="" xmlns:p14="http://schemas.microsoft.com/office/powerpoint/2010/main" val="2810871693"/>
       </p:ext>
     </p:extLst>
   </p:cSld>
@@ -1138,7 +1139,7 @@
     </p:spTree>
     <p:extLst>
       <p:ext uri="{BB962C8B-B14F-4D97-AF65-F5344CB8AC3E}">
-        <p14:creationId xmlns:p14="http://schemas.microsoft.com/office/powerpoint/2010/main" xmlns="" val="4240091250"/>
+        <p14:creationId xmlns="" xmlns:p14="http://schemas.microsoft.com/office/powerpoint/2010/main" val="4240091250"/>
       </p:ext>
     </p:extLst>
   </p:cSld>
@@ -1182,7 +1183,7 @@
     </p:spTree>
     <p:extLst>
       <p:ext uri="{BB962C8B-B14F-4D97-AF65-F5344CB8AC3E}">
-        <p14:creationId xmlns:p14="http://schemas.microsoft.com/office/powerpoint/2010/main" xmlns="" val="2219768511"/>
+        <p14:creationId xmlns="" xmlns:p14="http://schemas.microsoft.com/office/powerpoint/2010/main" val="2219768511"/>
       </p:ext>
     </p:extLst>
   </p:cSld>
@@ -1357,7 +1358,7 @@
     </p:spTree>
     <p:extLst>
       <p:ext uri="{BB962C8B-B14F-4D97-AF65-F5344CB8AC3E}">
-        <p14:creationId xmlns:p14="http://schemas.microsoft.com/office/powerpoint/2010/main" xmlns="" val="1146943780"/>
+        <p14:creationId xmlns="" xmlns:p14="http://schemas.microsoft.com/office/powerpoint/2010/main" val="1146943780"/>
       </p:ext>
     </p:extLst>
   </p:cSld>
@@ -1535,7 +1536,7 @@
     </p:spTree>
     <p:extLst>
       <p:ext uri="{BB962C8B-B14F-4D97-AF65-F5344CB8AC3E}">
-        <p14:creationId xmlns:p14="http://schemas.microsoft.com/office/powerpoint/2010/main" xmlns="" val="922808211"/>
+        <p14:creationId xmlns="" xmlns:p14="http://schemas.microsoft.com/office/powerpoint/2010/main" val="922808211"/>
       </p:ext>
     </p:extLst>
   </p:cSld>
@@ -1713,7 +1714,7 @@
     </p:spTree>
     <p:extLst>
       <p:ext uri="{BB962C8B-B14F-4D97-AF65-F5344CB8AC3E}">
-        <p14:creationId xmlns:p14="http://schemas.microsoft.com/office/powerpoint/2010/main" xmlns="" val="1146943780"/>
+        <p14:creationId xmlns="" xmlns:p14="http://schemas.microsoft.com/office/powerpoint/2010/main" val="1146943780"/>
       </p:ext>
     </p:extLst>
   </p:cSld>
@@ -1891,7 +1892,7 @@
     </p:spTree>
     <p:extLst>
       <p:ext uri="{BB962C8B-B14F-4D97-AF65-F5344CB8AC3E}">
-        <p14:creationId xmlns:p14="http://schemas.microsoft.com/office/powerpoint/2010/main" xmlns="" val="922808211"/>
+        <p14:creationId xmlns="" xmlns:p14="http://schemas.microsoft.com/office/powerpoint/2010/main" val="922808211"/>
       </p:ext>
     </p:extLst>
   </p:cSld>
@@ -2135,7 +2136,7 @@
     </p:spTree>
     <p:extLst>
       <p:ext uri="{BB962C8B-B14F-4D97-AF65-F5344CB8AC3E}">
-        <p14:creationId xmlns:p14="http://schemas.microsoft.com/office/powerpoint/2010/main" xmlns="" val="1895959501"/>
+        <p14:creationId xmlns="" xmlns:p14="http://schemas.microsoft.com/office/powerpoint/2010/main" val="1895959501"/>
       </p:ext>
     </p:extLst>
   </p:cSld>
@@ -2307,7 +2308,7 @@
     </p:spTree>
     <p:extLst>
       <p:ext uri="{BB962C8B-B14F-4D97-AF65-F5344CB8AC3E}">
-        <p14:creationId xmlns:p14="http://schemas.microsoft.com/office/powerpoint/2010/main" xmlns="" val="815133034"/>
+        <p14:creationId xmlns="" xmlns:p14="http://schemas.microsoft.com/office/powerpoint/2010/main" val="815133034"/>
       </p:ext>
     </p:extLst>
   </p:cSld>
@@ -2555,7 +2556,7 @@
     </p:spTree>
     <p:extLst>
       <p:ext uri="{BB962C8B-B14F-4D97-AF65-F5344CB8AC3E}">
-        <p14:creationId xmlns:p14="http://schemas.microsoft.com/office/powerpoint/2010/main" xmlns="" val="1860431105"/>
+        <p14:creationId xmlns="" xmlns:p14="http://schemas.microsoft.com/office/powerpoint/2010/main" val="1860431105"/>
       </p:ext>
     </p:extLst>
   </p:cSld>
@@ -2845,7 +2846,7 @@
     </p:spTree>
     <p:extLst>
       <p:ext uri="{BB962C8B-B14F-4D97-AF65-F5344CB8AC3E}">
-        <p14:creationId xmlns:p14="http://schemas.microsoft.com/office/powerpoint/2010/main" xmlns="" val="3505802917"/>
+        <p14:creationId xmlns="" xmlns:p14="http://schemas.microsoft.com/office/powerpoint/2010/main" val="3505802917"/>
       </p:ext>
     </p:extLst>
   </p:cSld>
@@ -3269,7 +3270,7 @@
     </p:spTree>
     <p:extLst>
       <p:ext uri="{BB962C8B-B14F-4D97-AF65-F5344CB8AC3E}">
-        <p14:creationId xmlns:p14="http://schemas.microsoft.com/office/powerpoint/2010/main" xmlns="" val="3538794029"/>
+        <p14:creationId xmlns="" xmlns:p14="http://schemas.microsoft.com/office/powerpoint/2010/main" val="3538794029"/>
       </p:ext>
     </p:extLst>
   </p:cSld>
@@ -3389,7 +3390,7 @@
     </p:spTree>
     <p:extLst>
       <p:ext uri="{BB962C8B-B14F-4D97-AF65-F5344CB8AC3E}">
-        <p14:creationId xmlns:p14="http://schemas.microsoft.com/office/powerpoint/2010/main" xmlns="" val="1150510990"/>
+        <p14:creationId xmlns="" xmlns:p14="http://schemas.microsoft.com/office/powerpoint/2010/main" val="1150510990"/>
       </p:ext>
     </p:extLst>
   </p:cSld>
@@ -3427,7 +3428,7 @@
     </p:spTree>
     <p:extLst>
       <p:ext uri="{BB962C8B-B14F-4D97-AF65-F5344CB8AC3E}">
-        <p14:creationId xmlns:p14="http://schemas.microsoft.com/office/powerpoint/2010/main" xmlns="" val="4252391796"/>
+        <p14:creationId xmlns="" xmlns:p14="http://schemas.microsoft.com/office/powerpoint/2010/main" val="4252391796"/>
       </p:ext>
     </p:extLst>
   </p:cSld>
@@ -3931,7 +3932,7 @@
     </p:spTree>
     <p:extLst>
       <p:ext uri="{BB962C8B-B14F-4D97-AF65-F5344CB8AC3E}">
-        <p14:creationId xmlns:p14="http://schemas.microsoft.com/office/powerpoint/2010/main" xmlns="" val="2621239905"/>
+        <p14:creationId xmlns="" xmlns:p14="http://schemas.microsoft.com/office/powerpoint/2010/main" val="2621239905"/>
       </p:ext>
     </p:extLst>
   </p:cSld>
@@ -4230,7 +4231,7 @@
     </p:spTree>
     <p:extLst>
       <p:ext uri="{BB962C8B-B14F-4D97-AF65-F5344CB8AC3E}">
-        <p14:creationId xmlns:p14="http://schemas.microsoft.com/office/powerpoint/2010/main" xmlns="" val="4252391796"/>
+        <p14:creationId xmlns="" xmlns:p14="http://schemas.microsoft.com/office/powerpoint/2010/main" val="4252391796"/>
       </p:ext>
     </p:extLst>
   </p:cSld>
@@ -4625,14 +4626,6 @@
               </a:rPr>
               <a:t>Shopping</a:t>
             </a:r>
-            <a:endParaRPr lang="en-US" altLang="ko-KR" sz="3200" b="1" dirty="0" smtClean="0">
-              <a:solidFill>
-                <a:schemeClr val="bg1"/>
-              </a:solidFill>
-              <a:latin typeface="Corbel" pitchFamily="34" charset="0"/>
-              <a:ea typeface="맑은 고딕" pitchFamily="50" charset="-127"/>
-              <a:cs typeface="Arial" pitchFamily="34" charset="0"/>
-            </a:endParaRPr>
           </a:p>
         </p:txBody>
       </p:sp>
@@ -4797,6 +4790,30 @@
               </a:rPr>
               <a:t>Melvin Robert Yu</a:t>
             </a:r>
+          </a:p>
+          <a:p>
+            <a:r>
+              <a:rPr lang="en-US" altLang="ko-KR" sz="2000" b="1" dirty="0" smtClean="0">
+                <a:solidFill>
+                  <a:schemeClr val="bg1"/>
+                </a:solidFill>
+                <a:latin typeface="Corbel" pitchFamily="34" charset="0"/>
+                <a:ea typeface="맑은 고딕" pitchFamily="50" charset="-127"/>
+                <a:cs typeface="Arial" pitchFamily="34" charset="0"/>
+              </a:rPr>
+              <a:t>Sebastian </a:t>
+            </a:r>
+            <a:r>
+              <a:rPr lang="en-US" altLang="ko-KR" sz="2000" b="1" dirty="0" err="1" smtClean="0">
+                <a:solidFill>
+                  <a:schemeClr val="bg1"/>
+                </a:solidFill>
+                <a:latin typeface="Corbel" pitchFamily="34" charset="0"/>
+                <a:ea typeface="맑은 고딕" pitchFamily="50" charset="-127"/>
+                <a:cs typeface="Arial" pitchFamily="34" charset="0"/>
+              </a:rPr>
+              <a:t>Briones</a:t>
+            </a:r>
             <a:endParaRPr lang="en-US" altLang="ko-KR" sz="2000" b="1" dirty="0" smtClean="0">
               <a:solidFill>
                 <a:schemeClr val="bg1"/>
@@ -4807,28 +4824,6 @@
             </a:endParaRPr>
           </a:p>
           <a:p>
-            <a:r>
-              <a:rPr lang="en-US" altLang="ko-KR" sz="2000" b="1" dirty="0" smtClean="0">
-                <a:solidFill>
-                  <a:schemeClr val="bg1"/>
-                </a:solidFill>
-                <a:latin typeface="Corbel" pitchFamily="34" charset="0"/>
-                <a:ea typeface="맑은 고딕" pitchFamily="50" charset="-127"/>
-                <a:cs typeface="Arial" pitchFamily="34" charset="0"/>
-              </a:rPr>
-              <a:t>Sebastian </a:t>
-            </a:r>
-            <a:r>
-              <a:rPr lang="en-US" altLang="ko-KR" sz="2000" b="1" dirty="0" err="1" smtClean="0">
-                <a:solidFill>
-                  <a:schemeClr val="bg1"/>
-                </a:solidFill>
-                <a:latin typeface="Corbel" pitchFamily="34" charset="0"/>
-                <a:ea typeface="맑은 고딕" pitchFamily="50" charset="-127"/>
-                <a:cs typeface="Arial" pitchFamily="34" charset="0"/>
-              </a:rPr>
-              <a:t>Briones</a:t>
-            </a:r>
             <a:endParaRPr lang="en-US" altLang="ko-KR" sz="2000" b="1" dirty="0" smtClean="0">
               <a:solidFill>
                 <a:schemeClr val="bg1"/>
@@ -4838,22 +4833,12 @@
               <a:cs typeface="Arial" pitchFamily="34" charset="0"/>
             </a:endParaRPr>
           </a:p>
-          <a:p>
-            <a:endParaRPr lang="en-US" altLang="ko-KR" sz="2000" b="1" dirty="0" smtClean="0">
-              <a:solidFill>
-                <a:schemeClr val="bg1"/>
-              </a:solidFill>
-              <a:latin typeface="Corbel" pitchFamily="34" charset="0"/>
-              <a:ea typeface="맑은 고딕" pitchFamily="50" charset="-127"/>
-              <a:cs typeface="Arial" pitchFamily="34" charset="0"/>
-            </a:endParaRPr>
-          </a:p>
         </p:txBody>
       </p:sp>
     </p:spTree>
     <p:extLst>
       <p:ext uri="{BB962C8B-B14F-4D97-AF65-F5344CB8AC3E}">
-        <p14:creationId xmlns:p14="http://schemas.microsoft.com/office/powerpoint/2010/main" xmlns="" val="303447833"/>
+        <p14:creationId xmlns="" xmlns:p14="http://schemas.microsoft.com/office/powerpoint/2010/main" val="303447833"/>
       </p:ext>
     </p:extLst>
   </p:cSld>
@@ -4899,8 +4884,8 @@
         </p:nvSpPr>
         <p:spPr>
           <a:xfrm>
-            <a:off x="1619672" y="195486"/>
-            <a:ext cx="7524328" cy="884466"/>
+            <a:off x="1619672" y="411510"/>
+            <a:ext cx="7056784" cy="884466"/>
           </a:xfrm>
         </p:spPr>
         <p:txBody>
@@ -4909,7 +4894,11 @@
           <a:p>
             <a:r>
               <a:rPr lang="en-US" altLang="ko-KR" dirty="0" smtClean="0"/>
-              <a:t>Project Demo</a:t>
+              <a:t>Project </a:t>
+            </a:r>
+            <a:r>
+              <a:rPr lang="en-US" altLang="ko-KR" dirty="0" smtClean="0"/>
+              <a:t>Demonstration</a:t>
             </a:r>
             <a:endParaRPr lang="ko-KR" altLang="en-US" dirty="0"/>
           </a:p>
@@ -4918,7 +4907,7 @@
     </p:spTree>
     <p:extLst>
       <p:ext uri="{BB962C8B-B14F-4D97-AF65-F5344CB8AC3E}">
-        <p14:creationId xmlns:p14="http://schemas.microsoft.com/office/powerpoint/2010/main" xmlns="" val="979107610"/>
+        <p14:creationId xmlns="" xmlns:p14="http://schemas.microsoft.com/office/powerpoint/2010/main" val="979107610"/>
       </p:ext>
     </p:extLst>
   </p:cSld>
@@ -4996,7 +4985,7 @@
         <p:spPr>
           <a:xfrm>
             <a:off x="1475656" y="771550"/>
-            <a:ext cx="3600400" cy="1872208"/>
+            <a:ext cx="3528392" cy="2520280"/>
           </a:xfrm>
         </p:spPr>
         <p:txBody>
@@ -5008,15 +4997,21 @@
               <a:buChar char="•"/>
             </a:pPr>
             <a:r>
-              <a:rPr lang="en-US" altLang="ko-KR" dirty="0" smtClean="0"/>
+              <a:rPr lang="en-US" altLang="ko-KR" sz="1600" dirty="0" smtClean="0">
+                <a:latin typeface="Corbel" pitchFamily="34" charset="0"/>
+              </a:rPr>
               <a:t> </a:t>
             </a:r>
             <a:r>
-              <a:rPr lang="en-US" altLang="ko-KR" dirty="0" err="1" smtClean="0"/>
+              <a:rPr lang="en-US" altLang="ko-KR" sz="1600" dirty="0" err="1" smtClean="0">
+                <a:latin typeface="Corbel" pitchFamily="34" charset="0"/>
+              </a:rPr>
               <a:t>ExtJS</a:t>
             </a:r>
             <a:r>
-              <a:rPr lang="en-US" altLang="ko-KR" dirty="0" smtClean="0"/>
+              <a:rPr lang="en-US" altLang="ko-KR" sz="1600" dirty="0" smtClean="0">
+                <a:latin typeface="Corbel" pitchFamily="34" charset="0"/>
+              </a:rPr>
               <a:t> 4 and Spring Framework</a:t>
             </a:r>
           </a:p>
@@ -5026,12 +5021,10 @@
               <a:buChar char="•"/>
             </a:pPr>
             <a:r>
-              <a:rPr lang="en-US" altLang="ko-KR" dirty="0" smtClean="0"/>
-              <a:t> </a:t>
-            </a:r>
-            <a:r>
-              <a:rPr lang="en-US" altLang="ko-KR" dirty="0" smtClean="0"/>
-              <a:t>Ajax and JSON</a:t>
+              <a:rPr lang="en-US" altLang="ko-KR" sz="1600" dirty="0" smtClean="0">
+                <a:latin typeface="Corbel" pitchFamily="34" charset="0"/>
+              </a:rPr>
+              <a:t> Ajax and JSON</a:t>
             </a:r>
           </a:p>
           <a:p>
@@ -5040,12 +5033,10 @@
               <a:buChar char="•"/>
             </a:pPr>
             <a:r>
-              <a:rPr lang="en-US" altLang="ko-KR" dirty="0" smtClean="0"/>
-              <a:t> </a:t>
-            </a:r>
-            <a:r>
-              <a:rPr lang="en-US" altLang="ko-KR" dirty="0" smtClean="0"/>
-              <a:t>Java Persistence API</a:t>
+              <a:rPr lang="en-US" altLang="ko-KR" sz="1600" dirty="0" smtClean="0">
+                <a:latin typeface="Corbel" pitchFamily="34" charset="0"/>
+              </a:rPr>
+              <a:t> Java Persistence API</a:t>
             </a:r>
           </a:p>
           <a:p>
@@ -5054,12 +5045,10 @@
               <a:buChar char="•"/>
             </a:pPr>
             <a:r>
-              <a:rPr lang="en-US" altLang="ko-KR" dirty="0" smtClean="0"/>
-              <a:t> </a:t>
-            </a:r>
-            <a:r>
-              <a:rPr lang="en-US" altLang="ko-KR" dirty="0" smtClean="0"/>
-              <a:t>Salted password hashing</a:t>
+              <a:rPr lang="en-US" altLang="ko-KR" sz="1600" dirty="0" smtClean="0">
+                <a:latin typeface="Corbel" pitchFamily="34" charset="0"/>
+              </a:rPr>
+              <a:t> Salted password hashing</a:t>
             </a:r>
           </a:p>
           <a:p>
@@ -5068,12 +5057,10 @@
               <a:buChar char="•"/>
             </a:pPr>
             <a:r>
-              <a:rPr lang="en-US" altLang="ko-KR" dirty="0" smtClean="0"/>
-              <a:t> </a:t>
-            </a:r>
-            <a:r>
-              <a:rPr lang="en-US" altLang="ko-KR" dirty="0" smtClean="0"/>
-              <a:t>Spring Interceptor/ Filter</a:t>
+              <a:rPr lang="en-US" altLang="ko-KR" sz="1600" dirty="0" smtClean="0">
+                <a:latin typeface="Corbel" pitchFamily="34" charset="0"/>
+              </a:rPr>
+              <a:t> Spring Interceptor/ Filter</a:t>
             </a:r>
           </a:p>
           <a:p>
@@ -5082,12 +5069,10 @@
               <a:buChar char="•"/>
             </a:pPr>
             <a:r>
-              <a:rPr lang="en-US" altLang="ko-KR" dirty="0" smtClean="0"/>
-              <a:t> </a:t>
-            </a:r>
-            <a:r>
-              <a:rPr lang="en-US" altLang="ko-KR" dirty="0" smtClean="0"/>
-              <a:t>Transaction</a:t>
+              <a:rPr lang="en-US" altLang="ko-KR" sz="1600" dirty="0" smtClean="0">
+                <a:latin typeface="Corbel" pitchFamily="34" charset="0"/>
+              </a:rPr>
+              <a:t> Transaction</a:t>
             </a:r>
           </a:p>
           <a:p>
@@ -5096,12 +5081,10 @@
               <a:buChar char="•"/>
             </a:pPr>
             <a:r>
-              <a:rPr lang="en-US" altLang="ko-KR" dirty="0" smtClean="0"/>
-              <a:t> </a:t>
-            </a:r>
-            <a:r>
-              <a:rPr lang="en-US" altLang="ko-KR" dirty="0" smtClean="0"/>
-              <a:t>Log4J</a:t>
+              <a:rPr lang="en-US" altLang="ko-KR" sz="1600" dirty="0" smtClean="0">
+                <a:latin typeface="Corbel" pitchFamily="34" charset="0"/>
+              </a:rPr>
+              <a:t> Log4J</a:t>
             </a:r>
           </a:p>
           <a:p>
@@ -5126,7 +5109,7 @@
         <p:spPr>
           <a:xfrm>
             <a:off x="4860032" y="771550"/>
-            <a:ext cx="3600400" cy="1872208"/>
+            <a:ext cx="3744416" cy="2520280"/>
           </a:xfrm>
         </p:spPr>
         <p:txBody>
@@ -5138,7 +5121,9 @@
               <a:buChar char="•"/>
             </a:pPr>
             <a:r>
-              <a:rPr lang="en-US" altLang="ko-KR" dirty="0" smtClean="0"/>
+              <a:rPr lang="en-US" altLang="ko-KR" sz="1600" dirty="0" smtClean="0">
+                <a:latin typeface="Corbel" pitchFamily="34" charset="0"/>
+              </a:rPr>
               <a:t> JMS Producer and Consumer</a:t>
             </a:r>
           </a:p>
@@ -5148,14 +5133,20 @@
               <a:buChar char="•"/>
             </a:pPr>
             <a:r>
-              <a:rPr lang="en-US" altLang="ko-KR" dirty="0" smtClean="0"/>
+              <a:rPr lang="en-US" altLang="ko-KR" sz="1600" dirty="0" smtClean="0">
+                <a:latin typeface="Corbel" pitchFamily="34" charset="0"/>
+              </a:rPr>
               <a:t> </a:t>
             </a:r>
             <a:r>
-              <a:rPr lang="en-US" altLang="ko-KR" dirty="0" err="1" smtClean="0"/>
+              <a:rPr lang="en-US" altLang="ko-KR" sz="1600" dirty="0" err="1" smtClean="0">
+                <a:latin typeface="Corbel" pitchFamily="34" charset="0"/>
+              </a:rPr>
               <a:t>JUnit</a:t>
             </a:r>
-            <a:endParaRPr lang="en-US" altLang="ko-KR" dirty="0" smtClean="0"/>
+            <a:endParaRPr lang="en-US" altLang="ko-KR" sz="1600" dirty="0" smtClean="0">
+              <a:latin typeface="Corbel" pitchFamily="34" charset="0"/>
+            </a:endParaRPr>
           </a:p>
           <a:p>
             <a:pPr>
@@ -5163,14 +5154,20 @@
               <a:buChar char="•"/>
             </a:pPr>
             <a:r>
-              <a:rPr lang="en-US" altLang="ko-KR" dirty="0" smtClean="0"/>
+              <a:rPr lang="en-US" altLang="ko-KR" sz="1600" dirty="0" smtClean="0">
+                <a:latin typeface="Corbel" pitchFamily="34" charset="0"/>
+              </a:rPr>
               <a:t> </a:t>
             </a:r>
             <a:r>
-              <a:rPr lang="en-US" altLang="ko-KR" dirty="0" err="1" smtClean="0"/>
+              <a:rPr lang="en-US" altLang="ko-KR" sz="1600" dirty="0" err="1" smtClean="0">
+                <a:latin typeface="Corbel" pitchFamily="34" charset="0"/>
+              </a:rPr>
               <a:t>Webservice</a:t>
             </a:r>
-            <a:endParaRPr lang="en-US" altLang="ko-KR" dirty="0" smtClean="0"/>
+            <a:endParaRPr lang="en-US" altLang="ko-KR" sz="1600" dirty="0" smtClean="0">
+              <a:latin typeface="Corbel" pitchFamily="34" charset="0"/>
+            </a:endParaRPr>
           </a:p>
           <a:p>
             <a:pPr>
@@ -5191,7 +5188,69 @@
     </p:spTree>
     <p:extLst>
       <p:ext uri="{BB962C8B-B14F-4D97-AF65-F5344CB8AC3E}">
-        <p14:creationId xmlns:p14="http://schemas.microsoft.com/office/powerpoint/2010/main" xmlns="" val="979107610"/>
+        <p14:creationId xmlns="" xmlns:p14="http://schemas.microsoft.com/office/powerpoint/2010/main" val="979107610"/>
+      </p:ext>
+    </p:extLst>
+  </p:cSld>
+  <p:clrMapOvr>
+    <a:masterClrMapping/>
+  </p:clrMapOvr>
+</p:sld>
+</file>
+
+<file path=ppt/slides/slide12.xml><?xml version="1.0" encoding="utf-8"?>
+<p:sld xmlns:a="http://schemas.openxmlformats.org/drawingml/2006/main" xmlns:r="http://schemas.openxmlformats.org/officeDocument/2006/relationships" xmlns:p="http://schemas.openxmlformats.org/presentationml/2006/main">
+  <p:cSld>
+    <p:spTree>
+      <p:nvGrpSpPr>
+        <p:cNvPr id="1" name=""/>
+        <p:cNvGrpSpPr/>
+        <p:nvPr/>
+      </p:nvGrpSpPr>
+      <p:grpSpPr>
+        <a:xfrm>
+          <a:off x="0" y="0"/>
+          <a:ext cx="0" cy="0"/>
+          <a:chOff x="0" y="0"/>
+          <a:chExt cx="0" cy="0"/>
+        </a:xfrm>
+      </p:grpSpPr>
+      <p:sp>
+        <p:nvSpPr>
+          <p:cNvPr id="3" name="Title 2"/>
+          <p:cNvSpPr>
+            <a:spLocks noGrp="1"/>
+          </p:cNvSpPr>
+          <p:nvPr>
+            <p:ph type="title"/>
+          </p:nvPr>
+        </p:nvSpPr>
+        <p:spPr>
+          <a:xfrm>
+            <a:off x="1619672" y="51470"/>
+            <a:ext cx="7128792" cy="648072"/>
+          </a:xfrm>
+        </p:spPr>
+        <p:txBody>
+          <a:bodyPr/>
+          <a:lstStyle/>
+          <a:p>
+            <a:r>
+              <a:rPr lang="en-US" altLang="ko-KR" dirty="0" smtClean="0">
+                <a:latin typeface="Corbel" pitchFamily="34" charset="0"/>
+              </a:rPr>
+              <a:t>Q &amp; A</a:t>
+            </a:r>
+            <a:endParaRPr lang="ko-KR" altLang="en-US" dirty="0">
+              <a:latin typeface="Corbel" pitchFamily="34" charset="0"/>
+            </a:endParaRPr>
+          </a:p>
+        </p:txBody>
+      </p:sp>
+    </p:spTree>
+    <p:extLst>
+      <p:ext uri="{BB962C8B-B14F-4D97-AF65-F5344CB8AC3E}">
+        <p14:creationId xmlns="" xmlns:p14="http://schemas.microsoft.com/office/powerpoint/2010/main" val="979107610"/>
       </p:ext>
     </p:extLst>
   </p:cSld>
@@ -5276,11 +5335,7 @@
             </a:pPr>
             <a:r>
               <a:rPr lang="en-US" altLang="ko-KR" dirty="0" smtClean="0"/>
-              <a:t> </a:t>
-            </a:r>
-            <a:r>
-              <a:rPr lang="en-US" altLang="ko-KR" dirty="0" smtClean="0"/>
-              <a:t>Register on the shopping site</a:t>
+              <a:t> Register on the shopping site</a:t>
             </a:r>
           </a:p>
           <a:p>
@@ -5316,11 +5371,7 @@
             </a:pPr>
             <a:r>
               <a:rPr lang="en-US" altLang="ko-KR" dirty="0" smtClean="0"/>
-              <a:t> </a:t>
-            </a:r>
-            <a:r>
-              <a:rPr lang="en-US" altLang="ko-KR" dirty="0" smtClean="0"/>
-              <a:t>View the products</a:t>
+              <a:t> View the products</a:t>
             </a:r>
           </a:p>
           <a:p>
@@ -5330,13 +5381,8 @@
             </a:pPr>
             <a:r>
               <a:rPr lang="en-US" altLang="ko-KR" dirty="0" smtClean="0"/>
-              <a:t> </a:t>
-            </a:r>
-            <a:r>
-              <a:rPr lang="en-US" altLang="ko-KR" dirty="0" smtClean="0"/>
-              <a:t>Search products</a:t>
-            </a:r>
-            <a:endParaRPr lang="en-US" altLang="ko-KR" dirty="0" smtClean="0"/>
+              <a:t> Search products</a:t>
+            </a:r>
           </a:p>
           <a:p>
             <a:pPr>
@@ -5358,14 +5404,7 @@
                 <a:latin typeface="Arial" pitchFamily="34" charset="0"/>
                 <a:cs typeface="Arial" pitchFamily="34" charset="0"/>
               </a:rPr>
-              <a:t> </a:t>
-            </a:r>
-            <a:r>
-              <a:rPr lang="en-US" altLang="ko-KR" dirty="0" smtClean="0">
-                <a:latin typeface="Arial" pitchFamily="34" charset="0"/>
-                <a:cs typeface="Arial" pitchFamily="34" charset="0"/>
-              </a:rPr>
-              <a:t>Give comments to a product</a:t>
+              <a:t> Give comments to a product</a:t>
             </a:r>
           </a:p>
           <a:p>
@@ -5376,13 +5415,8 @@
             </a:pPr>
             <a:r>
               <a:rPr lang="en-US" altLang="ko-KR" dirty="0" smtClean="0"/>
-              <a:t> Can add products to their </a:t>
-            </a:r>
-            <a:r>
-              <a:rPr lang="en-US" altLang="ko-KR" dirty="0" smtClean="0"/>
-              <a:t>wish list</a:t>
-            </a:r>
-            <a:endParaRPr lang="en-US" altLang="ko-KR" dirty="0" smtClean="0"/>
+              <a:t> Can add products to their wish list</a:t>
+            </a:r>
           </a:p>
           <a:p>
             <a:pPr lvl="0">
@@ -5702,20 +5736,7 @@
                 <a:latin typeface="Arial" pitchFamily="34" charset="0"/>
                 <a:cs typeface="Arial" pitchFamily="34" charset="0"/>
               </a:rPr>
-              <a:t> </a:t>
-            </a:r>
-            <a:r>
-              <a:rPr lang="en-US" altLang="ko-KR" sz="1400" dirty="0" smtClean="0">
-                <a:solidFill>
-                  <a:schemeClr val="tx1">
-                    <a:lumMod val="75000"/>
-                    <a:lumOff val="25000"/>
-                  </a:schemeClr>
-                </a:solidFill>
-                <a:latin typeface="Arial" pitchFamily="34" charset="0"/>
-                <a:cs typeface="Arial" pitchFamily="34" charset="0"/>
-              </a:rPr>
-              <a:t>Update the users’ membership types</a:t>
+              <a:t> Update the users’ membership types</a:t>
             </a:r>
           </a:p>
           <a:p>
@@ -5786,20 +5807,7 @@
                 <a:latin typeface="Arial" pitchFamily="34" charset="0"/>
                 <a:cs typeface="Arial" pitchFamily="34" charset="0"/>
               </a:rPr>
-              <a:t> </a:t>
-            </a:r>
-            <a:r>
-              <a:rPr lang="en-US" altLang="ko-KR" sz="1400" dirty="0" smtClean="0">
-                <a:solidFill>
-                  <a:schemeClr val="tx1">
-                    <a:lumMod val="75000"/>
-                    <a:lumOff val="25000"/>
-                  </a:schemeClr>
-                </a:solidFill>
-                <a:latin typeface="Arial" pitchFamily="34" charset="0"/>
-                <a:cs typeface="Arial" pitchFamily="34" charset="0"/>
-              </a:rPr>
-              <a:t>Check count and view “logged in” users</a:t>
+              <a:t> Check count and view “logged in” users</a:t>
             </a:r>
             <a:endParaRPr kumimoji="0" lang="en-US" altLang="ko-KR" sz="1400" b="0" i="0" u="none" strike="noStrike" kern="1200" cap="none" spc="0" normalizeH="0" noProof="0" dirty="0" smtClean="0">
               <a:ln>
@@ -5938,7 +5946,7 @@
     </p:spTree>
     <p:extLst>
       <p:ext uri="{BB962C8B-B14F-4D97-AF65-F5344CB8AC3E}">
-        <p14:creationId xmlns:p14="http://schemas.microsoft.com/office/powerpoint/2010/main" xmlns="" val="2090594489"/>
+        <p14:creationId xmlns="" xmlns:p14="http://schemas.microsoft.com/office/powerpoint/2010/main" val="2090594489"/>
       </p:ext>
     </p:extLst>
   </p:cSld>
@@ -5996,13 +6004,7 @@
               <a:rPr lang="en-US" b="1" dirty="0" smtClean="0">
                 <a:latin typeface="Corbel" pitchFamily="34" charset="0"/>
               </a:rPr>
-              <a:t>Alexis:</a:t>
-            </a:r>
-            <a:r>
-              <a:rPr lang="en-US" b="1" dirty="0" smtClean="0">
-                <a:latin typeface="Corbel" pitchFamily="34" charset="0"/>
-              </a:rPr>
-              <a:t>                                        </a:t>
+              <a:t>Alexis:                                        </a:t>
             </a:r>
             <a:endParaRPr lang="en-US" b="1" dirty="0">
               <a:latin typeface="Corbel" pitchFamily="34" charset="0"/>
@@ -6046,11 +6048,7 @@
             </a:pPr>
             <a:r>
               <a:rPr lang="en-US" altLang="ko-KR" dirty="0" smtClean="0"/>
-              <a:t> </a:t>
-            </a:r>
-            <a:r>
-              <a:rPr lang="en-US" altLang="ko-KR" dirty="0" smtClean="0"/>
-              <a:t>UI Designer</a:t>
+              <a:t> UI Designer</a:t>
             </a:r>
           </a:p>
           <a:p>
@@ -6060,11 +6058,7 @@
             </a:pPr>
             <a:r>
               <a:rPr lang="en-US" altLang="ko-KR" dirty="0" smtClean="0"/>
-              <a:t> </a:t>
-            </a:r>
-            <a:r>
-              <a:rPr lang="en-US" altLang="ko-KR" dirty="0" smtClean="0"/>
-              <a:t>Product details</a:t>
+              <a:t> Product details</a:t>
             </a:r>
           </a:p>
           <a:p>
@@ -6563,20 +6557,7 @@
                 <a:latin typeface="Arial" pitchFamily="34" charset="0"/>
                 <a:cs typeface="Arial" pitchFamily="34" charset="0"/>
               </a:rPr>
-              <a:t> </a:t>
-            </a:r>
-            <a:r>
-              <a:rPr lang="en-US" altLang="ko-KR" sz="1400" dirty="0" smtClean="0">
-                <a:solidFill>
-                  <a:schemeClr val="tx1">
-                    <a:lumMod val="75000"/>
-                    <a:lumOff val="25000"/>
-                  </a:schemeClr>
-                </a:solidFill>
-                <a:latin typeface="Arial" pitchFamily="34" charset="0"/>
-                <a:cs typeface="Arial" pitchFamily="34" charset="0"/>
-              </a:rPr>
-              <a:t>Product - </a:t>
+              <a:t> Product - </a:t>
             </a:r>
             <a:r>
               <a:rPr lang="en-US" altLang="ko-KR" sz="1400" dirty="0" err="1" smtClean="0">
@@ -6830,20 +6811,7 @@
                 <a:latin typeface="Arial" pitchFamily="34" charset="0"/>
                 <a:cs typeface="Arial" pitchFamily="34" charset="0"/>
               </a:rPr>
-              <a:t> </a:t>
-            </a:r>
-            <a:r>
-              <a:rPr lang="en-US" altLang="ko-KR" sz="1400" baseline="0" dirty="0" smtClean="0">
-                <a:solidFill>
-                  <a:schemeClr val="tx1">
-                    <a:lumMod val="75000"/>
-                    <a:lumOff val="25000"/>
-                  </a:schemeClr>
-                </a:solidFill>
-                <a:latin typeface="Arial" pitchFamily="34" charset="0"/>
-                <a:cs typeface="Arial" pitchFamily="34" charset="0"/>
-              </a:rPr>
-              <a:t>Save user cart on logout /</a:t>
+              <a:t> Save user cart on logout /</a:t>
             </a:r>
             <a:r>
               <a:rPr lang="en-US" altLang="ko-KR" sz="1400" dirty="0" smtClean="0">
@@ -6908,27 +6876,7 @@
                 <a:ea typeface="+mn-ea"/>
                 <a:cs typeface="Arial" pitchFamily="34" charset="0"/>
               </a:rPr>
-              <a:t> </a:t>
-            </a:r>
-            <a:r>
-              <a:rPr kumimoji="0" lang="en-US" altLang="ko-KR" sz="1400" b="0" i="0" u="none" strike="noStrike" kern="1200" cap="none" spc="0" normalizeH="0" noProof="0" dirty="0" smtClean="0">
-                <a:ln>
-                  <a:noFill/>
-                </a:ln>
-                <a:solidFill>
-                  <a:schemeClr val="tx1">
-                    <a:lumMod val="75000"/>
-                    <a:lumOff val="25000"/>
-                  </a:schemeClr>
-                </a:solidFill>
-                <a:effectLst/>
-                <a:uLnTx/>
-                <a:uFillTx/>
-                <a:latin typeface="Arial" pitchFamily="34" charset="0"/>
-                <a:ea typeface="+mn-ea"/>
-                <a:cs typeface="Arial" pitchFamily="34" charset="0"/>
-              </a:rPr>
-              <a:t>Membership Type, User and Product </a:t>
+              <a:t> Membership Type, User and Product </a:t>
             </a:r>
             <a:r>
               <a:rPr lang="en-US" altLang="ko-KR" sz="1400" dirty="0" smtClean="0">
@@ -7272,10 +7220,10 @@
                 <a:latin typeface="Arial" pitchFamily="34" charset="0"/>
                 <a:cs typeface="Arial" pitchFamily="34" charset="0"/>
               </a:rPr>
-              <a:t> </a:t>
-            </a:r>
-            <a:r>
-              <a:rPr lang="en-US" altLang="ko-KR" sz="1400" baseline="0" dirty="0" smtClean="0">
+              <a:t> Customer </a:t>
+            </a:r>
+            <a:r>
+              <a:rPr lang="en-US" altLang="ko-KR" sz="1400" baseline="0" dirty="0" err="1" smtClean="0">
                 <a:solidFill>
                   <a:schemeClr val="tx1">
                     <a:lumMod val="75000"/>
@@ -7285,10 +7233,10 @@
                 <a:latin typeface="Arial" pitchFamily="34" charset="0"/>
                 <a:cs typeface="Arial" pitchFamily="34" charset="0"/>
               </a:rPr>
-              <a:t>Customer </a:t>
-            </a:r>
-            <a:r>
-              <a:rPr lang="en-US" altLang="ko-KR" sz="1400" baseline="0" dirty="0" err="1" smtClean="0">
+              <a:t>wishlist</a:t>
+            </a:r>
+            <a:r>
+              <a:rPr lang="en-US" altLang="ko-KR" sz="1400" dirty="0" smtClean="0">
                 <a:solidFill>
                   <a:schemeClr val="tx1">
                     <a:lumMod val="75000"/>
@@ -7298,33 +7246,7 @@
                 <a:latin typeface="Arial" pitchFamily="34" charset="0"/>
                 <a:cs typeface="Arial" pitchFamily="34" charset="0"/>
               </a:rPr>
-              <a:t>wishlist</a:t>
-            </a:r>
-            <a:r>
-              <a:rPr lang="en-US" altLang="ko-KR" sz="1400" dirty="0" smtClean="0">
-                <a:solidFill>
-                  <a:schemeClr val="tx1">
-                    <a:lumMod val="75000"/>
-                    <a:lumOff val="25000"/>
-                  </a:schemeClr>
-                </a:solidFill>
-                <a:latin typeface="Arial" pitchFamily="34" charset="0"/>
-                <a:cs typeface="Arial" pitchFamily="34" charset="0"/>
-              </a:rPr>
-              <a:t> </a:t>
-            </a:r>
-            <a:r>
-              <a:rPr lang="en-US" altLang="ko-KR" sz="1400" dirty="0" smtClean="0">
-                <a:solidFill>
-                  <a:schemeClr val="tx1">
-                    <a:lumMod val="75000"/>
-                    <a:lumOff val="25000"/>
-                  </a:schemeClr>
-                </a:solidFill>
-                <a:latin typeface="Arial" pitchFamily="34" charset="0"/>
-                <a:cs typeface="Arial" pitchFamily="34" charset="0"/>
-              </a:rPr>
-              <a:t>– form, controller and DAO</a:t>
+              <a:t> – form, controller and DAO</a:t>
             </a:r>
             <a:endParaRPr lang="en-US" altLang="ko-KR" sz="1400" baseline="0" dirty="0" smtClean="0">
               <a:solidFill>
@@ -7373,27 +7295,7 @@
                 <a:ea typeface="+mn-ea"/>
                 <a:cs typeface="Arial" pitchFamily="34" charset="0"/>
               </a:rPr>
-              <a:t> </a:t>
-            </a:r>
-            <a:r>
-              <a:rPr kumimoji="0" lang="en-US" altLang="ko-KR" sz="1400" b="0" i="0" u="none" strike="noStrike" kern="1200" cap="none" spc="0" normalizeH="0" noProof="0" dirty="0" smtClean="0">
-                <a:ln>
-                  <a:noFill/>
-                </a:ln>
-                <a:solidFill>
-                  <a:schemeClr val="tx1">
-                    <a:lumMod val="75000"/>
-                    <a:lumOff val="25000"/>
-                  </a:schemeClr>
-                </a:solidFill>
-                <a:effectLst/>
-                <a:uLnTx/>
-                <a:uFillTx/>
-                <a:latin typeface="Arial" pitchFamily="34" charset="0"/>
-                <a:ea typeface="+mn-ea"/>
-                <a:cs typeface="Arial" pitchFamily="34" charset="0"/>
-              </a:rPr>
-              <a:t>Membership Type controller</a:t>
+              <a:t> Membership Type controller</a:t>
             </a:r>
           </a:p>
           <a:p>
@@ -7683,20 +7585,7 @@
                 <a:latin typeface="Arial" pitchFamily="34" charset="0"/>
                 <a:cs typeface="Arial" pitchFamily="34" charset="0"/>
               </a:rPr>
-              <a:t> </a:t>
-            </a:r>
-            <a:r>
-              <a:rPr lang="en-US" altLang="ko-KR" sz="1400" dirty="0" smtClean="0">
-                <a:solidFill>
-                  <a:schemeClr val="tx1">
-                    <a:lumMod val="75000"/>
-                    <a:lumOff val="25000"/>
-                  </a:schemeClr>
-                </a:solidFill>
-                <a:latin typeface="Arial" pitchFamily="34" charset="0"/>
-                <a:cs typeface="Arial" pitchFamily="34" charset="0"/>
-              </a:rPr>
-              <a:t>JMS for consuming membership requests  </a:t>
+              <a:t> JMS for consuming membership requests  </a:t>
             </a:r>
           </a:p>
           <a:p>
@@ -7725,27 +7614,7 @@
                 <a:ea typeface="+mn-ea"/>
                 <a:cs typeface="Arial" pitchFamily="34" charset="0"/>
               </a:rPr>
-              <a:t> </a:t>
-            </a:r>
-            <a:r>
-              <a:rPr kumimoji="0" lang="en-US" altLang="ko-KR" sz="1400" b="0" i="0" u="none" strike="noStrike" kern="1200" cap="none" spc="0" normalizeH="0" noProof="0" dirty="0" smtClean="0">
-                <a:ln>
-                  <a:noFill/>
-                </a:ln>
-                <a:solidFill>
-                  <a:schemeClr val="tx1">
-                    <a:lumMod val="75000"/>
-                    <a:lumOff val="25000"/>
-                  </a:schemeClr>
-                </a:solidFill>
-                <a:effectLst/>
-                <a:uLnTx/>
-                <a:uFillTx/>
-                <a:latin typeface="Arial" pitchFamily="34" charset="0"/>
-                <a:ea typeface="+mn-ea"/>
-                <a:cs typeface="Arial" pitchFamily="34" charset="0"/>
-              </a:rPr>
-              <a:t>All u</a:t>
+              <a:t> All u</a:t>
             </a:r>
             <a:r>
               <a:rPr lang="en-US" altLang="ko-KR" sz="1400" dirty="0" err="1" smtClean="0">
@@ -7793,20 +7662,7 @@
                 <a:latin typeface="Arial" pitchFamily="34" charset="0"/>
                 <a:cs typeface="Arial" pitchFamily="34" charset="0"/>
               </a:rPr>
-              <a:t> </a:t>
-            </a:r>
-            <a:r>
-              <a:rPr lang="en-US" altLang="ko-KR" sz="1400" noProof="0" dirty="0" smtClean="0">
-                <a:solidFill>
-                  <a:schemeClr val="tx1">
-                    <a:lumMod val="75000"/>
-                    <a:lumOff val="25000"/>
-                  </a:schemeClr>
-                </a:solidFill>
-                <a:latin typeface="Arial" pitchFamily="34" charset="0"/>
-                <a:cs typeface="Arial" pitchFamily="34" charset="0"/>
-              </a:rPr>
-              <a:t>View online users form and backend</a:t>
+              <a:t> View online users form and backend</a:t>
             </a:r>
             <a:endParaRPr kumimoji="0" lang="en-US" altLang="ko-KR" sz="1400" b="0" i="0" u="none" strike="noStrike" kern="1200" cap="none" spc="0" normalizeH="0" baseline="0" noProof="0" dirty="0" smtClean="0">
               <a:ln>
@@ -8024,20 +7880,7 @@
                 <a:latin typeface="Arial" pitchFamily="34" charset="0"/>
                 <a:cs typeface="Arial" pitchFamily="34" charset="0"/>
               </a:rPr>
-              <a:t> </a:t>
-            </a:r>
-            <a:r>
-              <a:rPr lang="en-US" altLang="ko-KR" sz="1400" dirty="0" smtClean="0">
-                <a:solidFill>
-                  <a:schemeClr val="tx1">
-                    <a:lumMod val="75000"/>
-                    <a:lumOff val="25000"/>
-                  </a:schemeClr>
-                </a:solidFill>
-                <a:latin typeface="Arial" pitchFamily="34" charset="0"/>
-                <a:cs typeface="Arial" pitchFamily="34" charset="0"/>
-              </a:rPr>
-              <a:t>Add to cart</a:t>
+              <a:t> Add to cart</a:t>
             </a:r>
           </a:p>
           <a:p>
@@ -8329,7 +8172,7 @@
     </p:spTree>
     <p:extLst>
       <p:ext uri="{BB962C8B-B14F-4D97-AF65-F5344CB8AC3E}">
-        <p14:creationId xmlns:p14="http://schemas.microsoft.com/office/powerpoint/2010/main" xmlns="" val="2090594489"/>
+        <p14:creationId xmlns="" xmlns:p14="http://schemas.microsoft.com/office/powerpoint/2010/main" val="2090594489"/>
       </p:ext>
     </p:extLst>
   </p:cSld>
@@ -8425,11 +8268,7 @@
             </a:pPr>
             <a:r>
               <a:rPr lang="en-US" altLang="ko-KR" dirty="0" smtClean="0"/>
-              <a:t> </a:t>
-            </a:r>
-            <a:r>
-              <a:rPr lang="en-US" altLang="ko-KR" dirty="0" smtClean="0"/>
-              <a:t>Update DB and ERD</a:t>
+              <a:t> Update DB and ERD</a:t>
             </a:r>
           </a:p>
           <a:p>
@@ -8595,7 +8434,7 @@
     </p:spTree>
     <p:extLst>
       <p:ext uri="{BB962C8B-B14F-4D97-AF65-F5344CB8AC3E}">
-        <p14:creationId xmlns:p14="http://schemas.microsoft.com/office/powerpoint/2010/main" xmlns="" val="2090594489"/>
+        <p14:creationId xmlns="" xmlns:p14="http://schemas.microsoft.com/office/powerpoint/2010/main" val="2090594489"/>
       </p:ext>
     </p:extLst>
   </p:cSld>
@@ -8629,33 +8468,42 @@
           <a:chExt cx="0" cy="0"/>
         </a:xfrm>
       </p:grpSpPr>
-      <p:sp>
-        <p:nvSpPr>
-          <p:cNvPr id="3" name="Title 2"/>
-          <p:cNvSpPr>
-            <a:spLocks noGrp="1"/>
-          </p:cNvSpPr>
-          <p:nvPr>
-            <p:ph type="title"/>
-          </p:nvPr>
-        </p:nvSpPr>
-        <p:spPr/>
-        <p:txBody>
-          <a:bodyPr/>
-          <a:lstStyle/>
-          <a:p>
-            <a:r>
-              <a:rPr lang="en-US" altLang="ko-KR" dirty="0" smtClean="0"/>
-              <a:t>Use Cases</a:t>
-            </a:r>
-            <a:endParaRPr lang="ko-KR" altLang="en-US" dirty="0"/>
-          </a:p>
-        </p:txBody>
-      </p:sp>
+      <p:pic>
+        <p:nvPicPr>
+          <p:cNvPr id="2050" name="Picture 2"/>
+          <p:cNvPicPr>
+            <a:picLocks noChangeAspect="1" noChangeArrowheads="1"/>
+          </p:cNvPicPr>
+          <p:nvPr/>
+        </p:nvPicPr>
+        <p:blipFill>
+          <a:blip r:embed="rId2" cstate="print"/>
+          <a:srcRect/>
+          <a:stretch>
+            <a:fillRect/>
+          </a:stretch>
+        </p:blipFill>
+        <p:spPr bwMode="auto">
+          <a:xfrm>
+            <a:off x="0" y="195486"/>
+            <a:ext cx="9144000" cy="4659982"/>
+          </a:xfrm>
+          <a:prstGeom prst="rect">
+            <a:avLst/>
+          </a:prstGeom>
+          <a:noFill/>
+          <a:ln w="9525">
+            <a:noFill/>
+            <a:miter lim="800000"/>
+            <a:headEnd/>
+            <a:tailEnd/>
+          </a:ln>
+        </p:spPr>
+      </p:pic>
     </p:spTree>
     <p:extLst>
       <p:ext uri="{BB962C8B-B14F-4D97-AF65-F5344CB8AC3E}">
-        <p14:creationId xmlns:p14="http://schemas.microsoft.com/office/powerpoint/2010/main" xmlns="" val="979107610"/>
+        <p14:creationId xmlns="" xmlns:p14="http://schemas.microsoft.com/office/powerpoint/2010/main" val="979107610"/>
       </p:ext>
     </p:extLst>
   </p:cSld>
@@ -8751,7 +8599,7 @@
     </p:spTree>
     <p:extLst>
       <p:ext uri="{BB962C8B-B14F-4D97-AF65-F5344CB8AC3E}">
-        <p14:creationId xmlns:p14="http://schemas.microsoft.com/office/powerpoint/2010/main" xmlns="" val="2090594489"/>
+        <p14:creationId xmlns="" xmlns:p14="http://schemas.microsoft.com/office/powerpoint/2010/main" val="2090594489"/>
       </p:ext>
     </p:extLst>
   </p:cSld>
@@ -8835,8 +8683,8 @@
         </p:blipFill>
         <p:spPr bwMode="auto">
           <a:xfrm>
-            <a:off x="1660087" y="600268"/>
-            <a:ext cx="5144161" cy="4543232"/>
+            <a:off x="1660087" y="771550"/>
+            <a:ext cx="4950222" cy="4371949"/>
           </a:xfrm>
           <a:prstGeom prst="rect">
             <a:avLst/>
@@ -8847,7 +8695,7 @@
     </p:spTree>
     <p:extLst>
       <p:ext uri="{BB962C8B-B14F-4D97-AF65-F5344CB8AC3E}">
-        <p14:creationId xmlns:p14="http://schemas.microsoft.com/office/powerpoint/2010/main" xmlns="" val="2090594489"/>
+        <p14:creationId xmlns="" xmlns:p14="http://schemas.microsoft.com/office/powerpoint/2010/main" val="2090594489"/>
       </p:ext>
     </p:extLst>
   </p:cSld>
@@ -8891,27 +8739,58 @@
             <p:ph type="title"/>
           </p:nvPr>
         </p:nvSpPr>
-        <p:spPr/>
+        <p:spPr>
+          <a:xfrm>
+            <a:off x="1619672" y="0"/>
+            <a:ext cx="6624736" cy="483518"/>
+          </a:xfrm>
+        </p:spPr>
         <p:txBody>
           <a:bodyPr/>
           <a:lstStyle/>
           <a:p>
             <a:r>
-              <a:rPr lang="en-US" altLang="ko-KR" dirty="0" smtClean="0">
+              <a:rPr lang="en-US" altLang="ko-KR" sz="3000" dirty="0" smtClean="0">
                 <a:latin typeface="Corbel" pitchFamily="34" charset="0"/>
               </a:rPr>
               <a:t>Class Diagram - Entities</a:t>
             </a:r>
-            <a:endParaRPr lang="ko-KR" altLang="en-US" dirty="0">
+            <a:endParaRPr lang="ko-KR" altLang="en-US" sz="3000" dirty="0">
               <a:latin typeface="Corbel" pitchFamily="34" charset="0"/>
             </a:endParaRPr>
           </a:p>
         </p:txBody>
       </p:sp>
+      <p:pic>
+        <p:nvPicPr>
+          <p:cNvPr id="1026" name="Picture 2" descr="D:\My Documents\Group3Projects\W6 Project\uml\class diagrams\Entities.PNG"/>
+          <p:cNvPicPr>
+            <a:picLocks noChangeAspect="1" noChangeArrowheads="1"/>
+          </p:cNvPicPr>
+          <p:nvPr/>
+        </p:nvPicPr>
+        <p:blipFill>
+          <a:blip r:embed="rId2" cstate="print"/>
+          <a:srcRect/>
+          <a:stretch>
+            <a:fillRect/>
+          </a:stretch>
+        </p:blipFill>
+        <p:spPr bwMode="auto">
+          <a:xfrm>
+            <a:off x="611560" y="483518"/>
+            <a:ext cx="8475088" cy="4659983"/>
+          </a:xfrm>
+          <a:prstGeom prst="rect">
+            <a:avLst/>
+          </a:prstGeom>
+          <a:noFill/>
+        </p:spPr>
+      </p:pic>
     </p:spTree>
     <p:extLst>
       <p:ext uri="{BB962C8B-B14F-4D97-AF65-F5344CB8AC3E}">
-        <p14:creationId xmlns:p14="http://schemas.microsoft.com/office/powerpoint/2010/main" xmlns="" val="979107610"/>
+        <p14:creationId xmlns="" xmlns:p14="http://schemas.microsoft.com/office/powerpoint/2010/main" val="979107610"/>
       </p:ext>
     </p:extLst>
   </p:cSld>
@@ -8950,8 +8829,8 @@
         </p:nvSpPr>
         <p:spPr>
           <a:xfrm>
-            <a:off x="1619672" y="123478"/>
-            <a:ext cx="7524328" cy="884466"/>
+            <a:off x="1619672" y="0"/>
+            <a:ext cx="6840760" cy="524426"/>
           </a:xfrm>
         </p:spPr>
         <p:txBody>
@@ -8970,10 +8849,42 @@
           </a:p>
         </p:txBody>
       </p:sp>
+      <p:pic>
+        <p:nvPicPr>
+          <p:cNvPr id="3074" name="Picture 2"/>
+          <p:cNvPicPr>
+            <a:picLocks noChangeAspect="1" noChangeArrowheads="1"/>
+          </p:cNvPicPr>
+          <p:nvPr/>
+        </p:nvPicPr>
+        <p:blipFill>
+          <a:blip r:embed="rId2" cstate="print"/>
+          <a:srcRect/>
+          <a:stretch>
+            <a:fillRect/>
+          </a:stretch>
+        </p:blipFill>
+        <p:spPr bwMode="auto">
+          <a:xfrm>
+            <a:off x="1835696" y="627534"/>
+            <a:ext cx="5832648" cy="4329756"/>
+          </a:xfrm>
+          <a:prstGeom prst="rect">
+            <a:avLst/>
+          </a:prstGeom>
+          <a:noFill/>
+          <a:ln w="9525">
+            <a:noFill/>
+            <a:miter lim="800000"/>
+            <a:headEnd/>
+            <a:tailEnd/>
+          </a:ln>
+        </p:spPr>
+      </p:pic>
     </p:spTree>
     <p:extLst>
       <p:ext uri="{BB962C8B-B14F-4D97-AF65-F5344CB8AC3E}">
-        <p14:creationId xmlns:p14="http://schemas.microsoft.com/office/powerpoint/2010/main" xmlns="" val="979107610"/>
+        <p14:creationId xmlns="" xmlns:p14="http://schemas.microsoft.com/office/powerpoint/2010/main" val="979107610"/>
       </p:ext>
     </p:extLst>
   </p:cSld>

--- a/W6 Project/KanenOnlineShopping.pptx
+++ b/W6 Project/KanenOnlineShopping.pptx
@@ -154,7 +154,7 @@
     </p:spTree>
     <p:extLst>
       <p:ext uri="{BB962C8B-B14F-4D97-AF65-F5344CB8AC3E}">
-        <p14:creationId xmlns="" xmlns:p14="http://schemas.microsoft.com/office/powerpoint/2010/main" val="2219768511"/>
+        <p14:creationId xmlns:p14="http://schemas.microsoft.com/office/powerpoint/2010/main" xmlns="" val="2219768511"/>
       </p:ext>
     </p:extLst>
   </p:cSld>
@@ -199,7 +199,7 @@
             <a:fld id="{63937D59-5EDB-4C39-B697-625748F703B6}" type="datetimeFigureOut">
               <a:rPr lang="en-US" smtClean="0"/>
               <a:pPr/>
-              <a:t>7/28/2016</a:t>
+              <a:t>7/29/2016</a:t>
             </a:fld>
             <a:endParaRPr lang="en-US"/>
           </a:p>
@@ -251,7 +251,7 @@
     </p:spTree>
     <p:extLst>
       <p:ext uri="{BB962C8B-B14F-4D97-AF65-F5344CB8AC3E}">
-        <p14:creationId xmlns="" xmlns:p14="http://schemas.microsoft.com/office/powerpoint/2010/main" val="2403535400"/>
+        <p14:creationId xmlns:p14="http://schemas.microsoft.com/office/powerpoint/2010/main" xmlns="" val="2403535400"/>
       </p:ext>
     </p:extLst>
   </p:cSld>
@@ -478,7 +478,7 @@
             <a:fld id="{63937D59-5EDB-4C39-B697-625748F703B6}" type="datetimeFigureOut">
               <a:rPr lang="en-US" smtClean="0"/>
               <a:pPr/>
-              <a:t>7/28/2016</a:t>
+              <a:t>7/29/2016</a:t>
             </a:fld>
             <a:endParaRPr lang="en-US"/>
           </a:p>
@@ -530,7 +530,7 @@
     </p:spTree>
     <p:extLst>
       <p:ext uri="{BB962C8B-B14F-4D97-AF65-F5344CB8AC3E}">
-        <p14:creationId xmlns="" xmlns:p14="http://schemas.microsoft.com/office/powerpoint/2010/main" val="501824940"/>
+        <p14:creationId xmlns:p14="http://schemas.microsoft.com/office/powerpoint/2010/main" xmlns="" val="501824940"/>
       </p:ext>
     </p:extLst>
   </p:cSld>
@@ -733,7 +733,7 @@
             <a:fld id="{63937D59-5EDB-4C39-B697-625748F703B6}" type="datetimeFigureOut">
               <a:rPr lang="en-US" smtClean="0"/>
               <a:pPr/>
-              <a:t>7/28/2016</a:t>
+              <a:t>7/29/2016</a:t>
             </a:fld>
             <a:endParaRPr lang="en-US"/>
           </a:p>
@@ -785,7 +785,7 @@
     </p:spTree>
     <p:extLst>
       <p:ext uri="{BB962C8B-B14F-4D97-AF65-F5344CB8AC3E}">
-        <p14:creationId xmlns="" xmlns:p14="http://schemas.microsoft.com/office/powerpoint/2010/main" val="722440911"/>
+        <p14:creationId xmlns:p14="http://schemas.microsoft.com/office/powerpoint/2010/main" xmlns="" val="722440911"/>
       </p:ext>
     </p:extLst>
   </p:cSld>
@@ -905,7 +905,7 @@
             <a:fld id="{63937D59-5EDB-4C39-B697-625748F703B6}" type="datetimeFigureOut">
               <a:rPr lang="en-US" smtClean="0"/>
               <a:pPr/>
-              <a:t>7/28/2016</a:t>
+              <a:t>7/29/2016</a:t>
             </a:fld>
             <a:endParaRPr lang="en-US"/>
           </a:p>
@@ -957,7 +957,7 @@
     </p:spTree>
     <p:extLst>
       <p:ext uri="{BB962C8B-B14F-4D97-AF65-F5344CB8AC3E}">
-        <p14:creationId xmlns="" xmlns:p14="http://schemas.microsoft.com/office/powerpoint/2010/main" val="2810871693"/>
+        <p14:creationId xmlns:p14="http://schemas.microsoft.com/office/powerpoint/2010/main" xmlns="" val="2810871693"/>
       </p:ext>
     </p:extLst>
   </p:cSld>
@@ -1087,7 +1087,7 @@
             <a:fld id="{63937D59-5EDB-4C39-B697-625748F703B6}" type="datetimeFigureOut">
               <a:rPr lang="en-US" smtClean="0"/>
               <a:pPr/>
-              <a:t>7/28/2016</a:t>
+              <a:t>7/29/2016</a:t>
             </a:fld>
             <a:endParaRPr lang="en-US"/>
           </a:p>
@@ -1139,7 +1139,7 @@
     </p:spTree>
     <p:extLst>
       <p:ext uri="{BB962C8B-B14F-4D97-AF65-F5344CB8AC3E}">
-        <p14:creationId xmlns="" xmlns:p14="http://schemas.microsoft.com/office/powerpoint/2010/main" val="4240091250"/>
+        <p14:creationId xmlns:p14="http://schemas.microsoft.com/office/powerpoint/2010/main" xmlns="" val="4240091250"/>
       </p:ext>
     </p:extLst>
   </p:cSld>
@@ -1183,7 +1183,7 @@
     </p:spTree>
     <p:extLst>
       <p:ext uri="{BB962C8B-B14F-4D97-AF65-F5344CB8AC3E}">
-        <p14:creationId xmlns="" xmlns:p14="http://schemas.microsoft.com/office/powerpoint/2010/main" val="2219768511"/>
+        <p14:creationId xmlns:p14="http://schemas.microsoft.com/office/powerpoint/2010/main" xmlns="" val="2219768511"/>
       </p:ext>
     </p:extLst>
   </p:cSld>
@@ -1358,7 +1358,7 @@
     </p:spTree>
     <p:extLst>
       <p:ext uri="{BB962C8B-B14F-4D97-AF65-F5344CB8AC3E}">
-        <p14:creationId xmlns="" xmlns:p14="http://schemas.microsoft.com/office/powerpoint/2010/main" val="1146943780"/>
+        <p14:creationId xmlns:p14="http://schemas.microsoft.com/office/powerpoint/2010/main" xmlns="" val="1146943780"/>
       </p:ext>
     </p:extLst>
   </p:cSld>
@@ -1536,7 +1536,7 @@
     </p:spTree>
     <p:extLst>
       <p:ext uri="{BB962C8B-B14F-4D97-AF65-F5344CB8AC3E}">
-        <p14:creationId xmlns="" xmlns:p14="http://schemas.microsoft.com/office/powerpoint/2010/main" val="922808211"/>
+        <p14:creationId xmlns:p14="http://schemas.microsoft.com/office/powerpoint/2010/main" xmlns="" val="922808211"/>
       </p:ext>
     </p:extLst>
   </p:cSld>
@@ -1714,7 +1714,7 @@
     </p:spTree>
     <p:extLst>
       <p:ext uri="{BB962C8B-B14F-4D97-AF65-F5344CB8AC3E}">
-        <p14:creationId xmlns="" xmlns:p14="http://schemas.microsoft.com/office/powerpoint/2010/main" val="1146943780"/>
+        <p14:creationId xmlns:p14="http://schemas.microsoft.com/office/powerpoint/2010/main" xmlns="" val="1146943780"/>
       </p:ext>
     </p:extLst>
   </p:cSld>
@@ -1892,7 +1892,7 @@
     </p:spTree>
     <p:extLst>
       <p:ext uri="{BB962C8B-B14F-4D97-AF65-F5344CB8AC3E}">
-        <p14:creationId xmlns="" xmlns:p14="http://schemas.microsoft.com/office/powerpoint/2010/main" val="922808211"/>
+        <p14:creationId xmlns:p14="http://schemas.microsoft.com/office/powerpoint/2010/main" xmlns="" val="922808211"/>
       </p:ext>
     </p:extLst>
   </p:cSld>
@@ -2084,7 +2084,7 @@
             <a:fld id="{63937D59-5EDB-4C39-B697-625748F703B6}" type="datetimeFigureOut">
               <a:rPr lang="en-US" smtClean="0"/>
               <a:pPr/>
-              <a:t>7/28/2016</a:t>
+              <a:t>7/29/2016</a:t>
             </a:fld>
             <a:endParaRPr lang="en-US"/>
           </a:p>
@@ -2136,7 +2136,7 @@
     </p:spTree>
     <p:extLst>
       <p:ext uri="{BB962C8B-B14F-4D97-AF65-F5344CB8AC3E}">
-        <p14:creationId xmlns="" xmlns:p14="http://schemas.microsoft.com/office/powerpoint/2010/main" val="1895959501"/>
+        <p14:creationId xmlns:p14="http://schemas.microsoft.com/office/powerpoint/2010/main" xmlns="" val="1895959501"/>
       </p:ext>
     </p:extLst>
   </p:cSld>
@@ -2256,7 +2256,7 @@
             <a:fld id="{63937D59-5EDB-4C39-B697-625748F703B6}" type="datetimeFigureOut">
               <a:rPr lang="en-US" smtClean="0"/>
               <a:pPr/>
-              <a:t>7/28/2016</a:t>
+              <a:t>7/29/2016</a:t>
             </a:fld>
             <a:endParaRPr lang="en-US"/>
           </a:p>
@@ -2308,7 +2308,7 @@
     </p:spTree>
     <p:extLst>
       <p:ext uri="{BB962C8B-B14F-4D97-AF65-F5344CB8AC3E}">
-        <p14:creationId xmlns="" xmlns:p14="http://schemas.microsoft.com/office/powerpoint/2010/main" val="815133034"/>
+        <p14:creationId xmlns:p14="http://schemas.microsoft.com/office/powerpoint/2010/main" xmlns="" val="815133034"/>
       </p:ext>
     </p:extLst>
   </p:cSld>
@@ -2504,7 +2504,7 @@
             <a:fld id="{63937D59-5EDB-4C39-B697-625748F703B6}" type="datetimeFigureOut">
               <a:rPr lang="en-US" smtClean="0"/>
               <a:pPr/>
-              <a:t>7/28/2016</a:t>
+              <a:t>7/29/2016</a:t>
             </a:fld>
             <a:endParaRPr lang="en-US"/>
           </a:p>
@@ -2556,7 +2556,7 @@
     </p:spTree>
     <p:extLst>
       <p:ext uri="{BB962C8B-B14F-4D97-AF65-F5344CB8AC3E}">
-        <p14:creationId xmlns="" xmlns:p14="http://schemas.microsoft.com/office/powerpoint/2010/main" val="1860431105"/>
+        <p14:creationId xmlns:p14="http://schemas.microsoft.com/office/powerpoint/2010/main" xmlns="" val="1860431105"/>
       </p:ext>
     </p:extLst>
   </p:cSld>
@@ -2794,7 +2794,7 @@
             <a:fld id="{63937D59-5EDB-4C39-B697-625748F703B6}" type="datetimeFigureOut">
               <a:rPr lang="en-US" smtClean="0"/>
               <a:pPr/>
-              <a:t>7/28/2016</a:t>
+              <a:t>7/29/2016</a:t>
             </a:fld>
             <a:endParaRPr lang="en-US"/>
           </a:p>
@@ -2846,7 +2846,7 @@
     </p:spTree>
     <p:extLst>
       <p:ext uri="{BB962C8B-B14F-4D97-AF65-F5344CB8AC3E}">
-        <p14:creationId xmlns="" xmlns:p14="http://schemas.microsoft.com/office/powerpoint/2010/main" val="3505802917"/>
+        <p14:creationId xmlns:p14="http://schemas.microsoft.com/office/powerpoint/2010/main" xmlns="" val="3505802917"/>
       </p:ext>
     </p:extLst>
   </p:cSld>
@@ -3218,7 +3218,7 @@
             <a:fld id="{63937D59-5EDB-4C39-B697-625748F703B6}" type="datetimeFigureOut">
               <a:rPr lang="en-US" smtClean="0"/>
               <a:pPr/>
-              <a:t>7/28/2016</a:t>
+              <a:t>7/29/2016</a:t>
             </a:fld>
             <a:endParaRPr lang="en-US"/>
           </a:p>
@@ -3270,7 +3270,7 @@
     </p:spTree>
     <p:extLst>
       <p:ext uri="{BB962C8B-B14F-4D97-AF65-F5344CB8AC3E}">
-        <p14:creationId xmlns="" xmlns:p14="http://schemas.microsoft.com/office/powerpoint/2010/main" val="3538794029"/>
+        <p14:creationId xmlns:p14="http://schemas.microsoft.com/office/powerpoint/2010/main" xmlns="" val="3538794029"/>
       </p:ext>
     </p:extLst>
   </p:cSld>
@@ -3338,7 +3338,7 @@
             <a:fld id="{63937D59-5EDB-4C39-B697-625748F703B6}" type="datetimeFigureOut">
               <a:rPr lang="en-US" smtClean="0"/>
               <a:pPr/>
-              <a:t>7/28/2016</a:t>
+              <a:t>7/29/2016</a:t>
             </a:fld>
             <a:endParaRPr lang="en-US"/>
           </a:p>
@@ -3390,7 +3390,7 @@
     </p:spTree>
     <p:extLst>
       <p:ext uri="{BB962C8B-B14F-4D97-AF65-F5344CB8AC3E}">
-        <p14:creationId xmlns="" xmlns:p14="http://schemas.microsoft.com/office/powerpoint/2010/main" val="1150510990"/>
+        <p14:creationId xmlns:p14="http://schemas.microsoft.com/office/powerpoint/2010/main" xmlns="" val="1150510990"/>
       </p:ext>
     </p:extLst>
   </p:cSld>
@@ -3428,7 +3428,7 @@
     </p:spTree>
     <p:extLst>
       <p:ext uri="{BB962C8B-B14F-4D97-AF65-F5344CB8AC3E}">
-        <p14:creationId xmlns="" xmlns:p14="http://schemas.microsoft.com/office/powerpoint/2010/main" val="4252391796"/>
+        <p14:creationId xmlns:p14="http://schemas.microsoft.com/office/powerpoint/2010/main" xmlns="" val="4252391796"/>
       </p:ext>
     </p:extLst>
   </p:cSld>
@@ -3844,7 +3844,7 @@
             <a:fld id="{63937D59-5EDB-4C39-B697-625748F703B6}" type="datetimeFigureOut">
               <a:rPr lang="en-US" smtClean="0"/>
               <a:pPr/>
-              <a:t>7/28/2016</a:t>
+              <a:t>7/29/2016</a:t>
             </a:fld>
             <a:endParaRPr lang="en-US"/>
           </a:p>
@@ -3932,7 +3932,7 @@
     </p:spTree>
     <p:extLst>
       <p:ext uri="{BB962C8B-B14F-4D97-AF65-F5344CB8AC3E}">
-        <p14:creationId xmlns="" xmlns:p14="http://schemas.microsoft.com/office/powerpoint/2010/main" val="2621239905"/>
+        <p14:creationId xmlns:p14="http://schemas.microsoft.com/office/powerpoint/2010/main" xmlns="" val="2621239905"/>
       </p:ext>
     </p:extLst>
   </p:cSld>
@@ -4231,7 +4231,7 @@
     </p:spTree>
     <p:extLst>
       <p:ext uri="{BB962C8B-B14F-4D97-AF65-F5344CB8AC3E}">
-        <p14:creationId xmlns="" xmlns:p14="http://schemas.microsoft.com/office/powerpoint/2010/main" val="4252391796"/>
+        <p14:creationId xmlns:p14="http://schemas.microsoft.com/office/powerpoint/2010/main" xmlns="" val="4252391796"/>
       </p:ext>
     </p:extLst>
   </p:cSld>
@@ -4838,7 +4838,7 @@
     </p:spTree>
     <p:extLst>
       <p:ext uri="{BB962C8B-B14F-4D97-AF65-F5344CB8AC3E}">
-        <p14:creationId xmlns="" xmlns:p14="http://schemas.microsoft.com/office/powerpoint/2010/main" val="303447833"/>
+        <p14:creationId xmlns:p14="http://schemas.microsoft.com/office/powerpoint/2010/main" xmlns="" val="303447833"/>
       </p:ext>
     </p:extLst>
   </p:cSld>
@@ -4894,11 +4894,7 @@
           <a:p>
             <a:r>
               <a:rPr lang="en-US" altLang="ko-KR" dirty="0" smtClean="0"/>
-              <a:t>Project </a:t>
-            </a:r>
-            <a:r>
-              <a:rPr lang="en-US" altLang="ko-KR" dirty="0" smtClean="0"/>
-              <a:t>Demonstration</a:t>
+              <a:t>Project Demonstration</a:t>
             </a:r>
             <a:endParaRPr lang="ko-KR" altLang="en-US" dirty="0"/>
           </a:p>
@@ -4907,7 +4903,7 @@
     </p:spTree>
     <p:extLst>
       <p:ext uri="{BB962C8B-B14F-4D97-AF65-F5344CB8AC3E}">
-        <p14:creationId xmlns="" xmlns:p14="http://schemas.microsoft.com/office/powerpoint/2010/main" val="979107610"/>
+        <p14:creationId xmlns:p14="http://schemas.microsoft.com/office/powerpoint/2010/main" xmlns="" val="979107610"/>
       </p:ext>
     </p:extLst>
   </p:cSld>
@@ -5188,7 +5184,7 @@
     </p:spTree>
     <p:extLst>
       <p:ext uri="{BB962C8B-B14F-4D97-AF65-F5344CB8AC3E}">
-        <p14:creationId xmlns="" xmlns:p14="http://schemas.microsoft.com/office/powerpoint/2010/main" val="979107610"/>
+        <p14:creationId xmlns:p14="http://schemas.microsoft.com/office/powerpoint/2010/main" xmlns="" val="979107610"/>
       </p:ext>
     </p:extLst>
   </p:cSld>
@@ -5250,7 +5246,7 @@
     </p:spTree>
     <p:extLst>
       <p:ext uri="{BB962C8B-B14F-4D97-AF65-F5344CB8AC3E}">
-        <p14:creationId xmlns="" xmlns:p14="http://schemas.microsoft.com/office/powerpoint/2010/main" val="979107610"/>
+        <p14:creationId xmlns:p14="http://schemas.microsoft.com/office/powerpoint/2010/main" xmlns="" val="979107610"/>
       </p:ext>
     </p:extLst>
   </p:cSld>
@@ -5946,7 +5942,7 @@
     </p:spTree>
     <p:extLst>
       <p:ext uri="{BB962C8B-B14F-4D97-AF65-F5344CB8AC3E}">
-        <p14:creationId xmlns="" xmlns:p14="http://schemas.microsoft.com/office/powerpoint/2010/main" val="2090594489"/>
+        <p14:creationId xmlns:p14="http://schemas.microsoft.com/office/powerpoint/2010/main" xmlns="" val="2090594489"/>
       </p:ext>
     </p:extLst>
   </p:cSld>
@@ -5992,7 +5988,7 @@
         </p:nvSpPr>
         <p:spPr>
           <a:xfrm>
-            <a:off x="0" y="1059582"/>
+            <a:off x="0" y="915566"/>
             <a:ext cx="1944216" cy="288032"/>
           </a:xfrm>
         </p:spPr>
@@ -6024,7 +6020,7 @@
         </p:nvSpPr>
         <p:spPr>
           <a:xfrm>
-            <a:off x="179512" y="1275606"/>
+            <a:off x="251520" y="1131590"/>
             <a:ext cx="3384376" cy="1368152"/>
           </a:xfrm>
         </p:spPr>
@@ -6615,7 +6611,7 @@
         </p:nvSpPr>
         <p:spPr>
           <a:xfrm>
-            <a:off x="107504" y="2643758"/>
+            <a:off x="0" y="2355726"/>
             <a:ext cx="1944216" cy="288032"/>
           </a:xfrm>
           <a:prstGeom prst="rect">
@@ -6713,8 +6709,8 @@
         </p:nvSpPr>
         <p:spPr>
           <a:xfrm>
-            <a:off x="179512" y="2931790"/>
-            <a:ext cx="4536504" cy="864096"/>
+            <a:off x="0" y="2571750"/>
+            <a:ext cx="4536504" cy="1224136"/>
           </a:xfrm>
           <a:prstGeom prst="rect">
             <a:avLst/>
@@ -6779,7 +6775,47 @@
                 <a:ea typeface="+mn-ea"/>
                 <a:cs typeface="Arial" pitchFamily="34" charset="0"/>
               </a:rPr>
-              <a:t> – DAO, Service and Controller</a:t>
+              <a:t> – </a:t>
+            </a:r>
+            <a:r>
+              <a:rPr kumimoji="0" lang="en-US" altLang="ko-KR" sz="1400" b="0" i="0" u="none" strike="noStrike" kern="1200" cap="none" spc="0" normalizeH="0" noProof="0" dirty="0" smtClean="0">
+                <a:ln>
+                  <a:noFill/>
+                </a:ln>
+                <a:solidFill>
+                  <a:schemeClr val="tx1">
+                    <a:lumMod val="75000"/>
+                    <a:lumOff val="25000"/>
+                  </a:schemeClr>
+                </a:solidFill>
+                <a:effectLst/>
+                <a:uLnTx/>
+                <a:uFillTx/>
+                <a:latin typeface="Arial" pitchFamily="34" charset="0"/>
+                <a:ea typeface="+mn-ea"/>
+                <a:cs typeface="Arial" pitchFamily="34" charset="0"/>
+              </a:rPr>
+              <a:t>Entity, DAO</a:t>
+            </a:r>
+            <a:r>
+              <a:rPr kumimoji="0" lang="en-US" altLang="ko-KR" sz="1400" b="0" i="0" u="none" strike="noStrike" kern="1200" cap="none" spc="0" normalizeH="0" noProof="0" dirty="0" smtClean="0">
+                <a:ln>
+                  <a:noFill/>
+                </a:ln>
+                <a:solidFill>
+                  <a:schemeClr val="tx1">
+                    <a:lumMod val="75000"/>
+                    <a:lumOff val="25000"/>
+                  </a:schemeClr>
+                </a:solidFill>
+                <a:effectLst/>
+                <a:uLnTx/>
+                <a:uFillTx/>
+                <a:latin typeface="Arial" pitchFamily="34" charset="0"/>
+                <a:ea typeface="+mn-ea"/>
+                <a:cs typeface="Arial" pitchFamily="34" charset="0"/>
+              </a:rPr>
+              <a:t>, Service and Controller</a:t>
             </a:r>
           </a:p>
           <a:p>
@@ -6811,10 +6847,10 @@
                 <a:latin typeface="Arial" pitchFamily="34" charset="0"/>
                 <a:cs typeface="Arial" pitchFamily="34" charset="0"/>
               </a:rPr>
-              <a:t> Save user cart on logout /</a:t>
-            </a:r>
-            <a:r>
-              <a:rPr lang="en-US" altLang="ko-KR" sz="1400" dirty="0" smtClean="0">
+              <a:t> Save </a:t>
+            </a:r>
+            <a:r>
+              <a:rPr lang="en-US" altLang="ko-KR" sz="1400" baseline="0" dirty="0" smtClean="0">
                 <a:solidFill>
                   <a:schemeClr val="tx1">
                     <a:lumMod val="75000"/>
@@ -6824,7 +6860,7 @@
                 <a:latin typeface="Arial" pitchFamily="34" charset="0"/>
                 <a:cs typeface="Arial" pitchFamily="34" charset="0"/>
               </a:rPr>
-              <a:t> </a:t>
+              <a:t>user </a:t>
             </a:r>
             <a:r>
               <a:rPr lang="en-US" altLang="ko-KR" sz="1400" baseline="0" dirty="0" smtClean="0">
@@ -6837,8 +6873,57 @@
                 <a:latin typeface="Arial" pitchFamily="34" charset="0"/>
                 <a:cs typeface="Arial" pitchFamily="34" charset="0"/>
               </a:rPr>
-              <a:t>load on login</a:t>
-            </a:r>
+              <a:t>cart on logout /</a:t>
+            </a:r>
+            <a:r>
+              <a:rPr lang="en-US" altLang="ko-KR" sz="1400" dirty="0" smtClean="0">
+                <a:solidFill>
+                  <a:schemeClr val="tx1">
+                    <a:lumMod val="75000"/>
+                    <a:lumOff val="25000"/>
+                  </a:schemeClr>
+                </a:solidFill>
+                <a:latin typeface="Arial" pitchFamily="34" charset="0"/>
+                <a:cs typeface="Arial" pitchFamily="34" charset="0"/>
+              </a:rPr>
+              <a:t> </a:t>
+            </a:r>
+            <a:r>
+              <a:rPr lang="en-US" altLang="ko-KR" sz="1400" baseline="0" dirty="0" smtClean="0">
+                <a:solidFill>
+                  <a:schemeClr val="tx1">
+                    <a:lumMod val="75000"/>
+                    <a:lumOff val="25000"/>
+                  </a:schemeClr>
+                </a:solidFill>
+                <a:latin typeface="Arial" pitchFamily="34" charset="0"/>
+                <a:cs typeface="Arial" pitchFamily="34" charset="0"/>
+              </a:rPr>
+              <a:t>load on </a:t>
+            </a:r>
+            <a:r>
+              <a:rPr lang="en-US" altLang="ko-KR" sz="1400" baseline="0" dirty="0" smtClean="0">
+                <a:solidFill>
+                  <a:schemeClr val="tx1">
+                    <a:lumMod val="75000"/>
+                    <a:lumOff val="25000"/>
+                  </a:schemeClr>
+                </a:solidFill>
+                <a:latin typeface="Arial" pitchFamily="34" charset="0"/>
+                <a:cs typeface="Arial" pitchFamily="34" charset="0"/>
+              </a:rPr>
+              <a:t>login, remove cart</a:t>
+            </a:r>
+            <a:endParaRPr lang="en-US" altLang="ko-KR" sz="1400" baseline="0" dirty="0" smtClean="0">
+              <a:solidFill>
+                <a:schemeClr val="tx1">
+                  <a:lumMod val="75000"/>
+                  <a:lumOff val="25000"/>
+                </a:schemeClr>
+              </a:solidFill>
+              <a:latin typeface="Arial" pitchFamily="34" charset="0"/>
+              <a:cs typeface="Arial" pitchFamily="34" charset="0"/>
+            </a:endParaRPr>
           </a:p>
           <a:p>
             <a:pPr marL="0" marR="0" lvl="0" indent="0" algn="l" defTabSz="914400" rtl="0" eaLnBrk="1" fontAlgn="auto" latinLnBrk="1" hangingPunct="1">
@@ -6876,7 +6961,7 @@
                 <a:ea typeface="+mn-ea"/>
                 <a:cs typeface="Arial" pitchFamily="34" charset="0"/>
               </a:rPr>
-              <a:t> Membership Type, User and Product </a:t>
+              <a:t> Membership Type, User and Product Services and </a:t>
             </a:r>
             <a:r>
               <a:rPr lang="en-US" altLang="ko-KR" sz="1400" dirty="0" smtClean="0">
@@ -6909,7 +6994,7 @@
                 <a:ea typeface="+mn-ea"/>
                 <a:cs typeface="Arial" pitchFamily="34" charset="0"/>
               </a:rPr>
-              <a:t>ontroller</a:t>
+              <a:t>ontrollers</a:t>
             </a:r>
             <a:endParaRPr kumimoji="0" lang="en-US" altLang="ko-KR" sz="1400" b="0" i="0" u="none" strike="noStrike" kern="1200" cap="none" spc="0" normalizeH="0" baseline="0" noProof="0" dirty="0" smtClean="0">
               <a:ln>
@@ -6978,7 +7063,7 @@
         </p:nvSpPr>
         <p:spPr>
           <a:xfrm>
-            <a:off x="179512" y="3795886"/>
+            <a:off x="179512" y="3939902"/>
             <a:ext cx="1944216" cy="288032"/>
           </a:xfrm>
           <a:prstGeom prst="rect">
@@ -8172,7 +8257,7 @@
     </p:spTree>
     <p:extLst>
       <p:ext uri="{BB962C8B-B14F-4D97-AF65-F5344CB8AC3E}">
-        <p14:creationId xmlns="" xmlns:p14="http://schemas.microsoft.com/office/powerpoint/2010/main" val="2090594489"/>
+        <p14:creationId xmlns:p14="http://schemas.microsoft.com/office/powerpoint/2010/main" xmlns="" val="2090594489"/>
       </p:ext>
     </p:extLst>
   </p:cSld>
@@ -8434,7 +8519,7 @@
     </p:spTree>
     <p:extLst>
       <p:ext uri="{BB962C8B-B14F-4D97-AF65-F5344CB8AC3E}">
-        <p14:creationId xmlns="" xmlns:p14="http://schemas.microsoft.com/office/powerpoint/2010/main" val="2090594489"/>
+        <p14:creationId xmlns:p14="http://schemas.microsoft.com/office/powerpoint/2010/main" xmlns="" val="2090594489"/>
       </p:ext>
     </p:extLst>
   </p:cSld>
@@ -8503,7 +8588,7 @@
     </p:spTree>
     <p:extLst>
       <p:ext uri="{BB962C8B-B14F-4D97-AF65-F5344CB8AC3E}">
-        <p14:creationId xmlns="" xmlns:p14="http://schemas.microsoft.com/office/powerpoint/2010/main" val="979107610"/>
+        <p14:creationId xmlns:p14="http://schemas.microsoft.com/office/powerpoint/2010/main" xmlns="" val="979107610"/>
       </p:ext>
     </p:extLst>
   </p:cSld>
@@ -8599,7 +8684,7 @@
     </p:spTree>
     <p:extLst>
       <p:ext uri="{BB962C8B-B14F-4D97-AF65-F5344CB8AC3E}">
-        <p14:creationId xmlns="" xmlns:p14="http://schemas.microsoft.com/office/powerpoint/2010/main" val="2090594489"/>
+        <p14:creationId xmlns:p14="http://schemas.microsoft.com/office/powerpoint/2010/main" xmlns="" val="2090594489"/>
       </p:ext>
     </p:extLst>
   </p:cSld>
@@ -8695,7 +8780,7 @@
     </p:spTree>
     <p:extLst>
       <p:ext uri="{BB962C8B-B14F-4D97-AF65-F5344CB8AC3E}">
-        <p14:creationId xmlns="" xmlns:p14="http://schemas.microsoft.com/office/powerpoint/2010/main" val="2090594489"/>
+        <p14:creationId xmlns:p14="http://schemas.microsoft.com/office/powerpoint/2010/main" xmlns="" val="2090594489"/>
       </p:ext>
     </p:extLst>
   </p:cSld>
@@ -8790,7 +8875,7 @@
     </p:spTree>
     <p:extLst>
       <p:ext uri="{BB962C8B-B14F-4D97-AF65-F5344CB8AC3E}">
-        <p14:creationId xmlns="" xmlns:p14="http://schemas.microsoft.com/office/powerpoint/2010/main" val="979107610"/>
+        <p14:creationId xmlns:p14="http://schemas.microsoft.com/office/powerpoint/2010/main" xmlns="" val="979107610"/>
       </p:ext>
     </p:extLst>
   </p:cSld>
@@ -8884,7 +8969,7 @@
     </p:spTree>
     <p:extLst>
       <p:ext uri="{BB962C8B-B14F-4D97-AF65-F5344CB8AC3E}">
-        <p14:creationId xmlns="" xmlns:p14="http://schemas.microsoft.com/office/powerpoint/2010/main" val="979107610"/>
+        <p14:creationId xmlns:p14="http://schemas.microsoft.com/office/powerpoint/2010/main" xmlns="" val="979107610"/>
       </p:ext>
     </p:extLst>
   </p:cSld>

--- a/W6 Project/KanenOnlineShopping.pptx
+++ b/W6 Project/KanenOnlineShopping.pptx
@@ -154,7 +154,7 @@
     </p:spTree>
     <p:extLst>
       <p:ext uri="{BB962C8B-B14F-4D97-AF65-F5344CB8AC3E}">
-        <p14:creationId xmlns="" xmlns:p14="http://schemas.microsoft.com/office/powerpoint/2010/main" val="2219768511"/>
+        <p14:creationId xmlns:p14="http://schemas.microsoft.com/office/powerpoint/2010/main" xmlns="" val="2219768511"/>
       </p:ext>
     </p:extLst>
   </p:cSld>
@@ -199,7 +199,7 @@
             <a:fld id="{63937D59-5EDB-4C39-B697-625748F703B6}" type="datetimeFigureOut">
               <a:rPr lang="en-US" smtClean="0"/>
               <a:pPr/>
-              <a:t>7/28/2016</a:t>
+              <a:t>7/29/2016</a:t>
             </a:fld>
             <a:endParaRPr lang="en-US"/>
           </a:p>
@@ -251,7 +251,7 @@
     </p:spTree>
     <p:extLst>
       <p:ext uri="{BB962C8B-B14F-4D97-AF65-F5344CB8AC3E}">
-        <p14:creationId xmlns="" xmlns:p14="http://schemas.microsoft.com/office/powerpoint/2010/main" val="2403535400"/>
+        <p14:creationId xmlns:p14="http://schemas.microsoft.com/office/powerpoint/2010/main" xmlns="" val="2403535400"/>
       </p:ext>
     </p:extLst>
   </p:cSld>
@@ -478,7 +478,7 @@
             <a:fld id="{63937D59-5EDB-4C39-B697-625748F703B6}" type="datetimeFigureOut">
               <a:rPr lang="en-US" smtClean="0"/>
               <a:pPr/>
-              <a:t>7/28/2016</a:t>
+              <a:t>7/29/2016</a:t>
             </a:fld>
             <a:endParaRPr lang="en-US"/>
           </a:p>
@@ -530,7 +530,7 @@
     </p:spTree>
     <p:extLst>
       <p:ext uri="{BB962C8B-B14F-4D97-AF65-F5344CB8AC3E}">
-        <p14:creationId xmlns="" xmlns:p14="http://schemas.microsoft.com/office/powerpoint/2010/main" val="501824940"/>
+        <p14:creationId xmlns:p14="http://schemas.microsoft.com/office/powerpoint/2010/main" xmlns="" val="501824940"/>
       </p:ext>
     </p:extLst>
   </p:cSld>
@@ -733,7 +733,7 @@
             <a:fld id="{63937D59-5EDB-4C39-B697-625748F703B6}" type="datetimeFigureOut">
               <a:rPr lang="en-US" smtClean="0"/>
               <a:pPr/>
-              <a:t>7/28/2016</a:t>
+              <a:t>7/29/2016</a:t>
             </a:fld>
             <a:endParaRPr lang="en-US"/>
           </a:p>
@@ -785,7 +785,7 @@
     </p:spTree>
     <p:extLst>
       <p:ext uri="{BB962C8B-B14F-4D97-AF65-F5344CB8AC3E}">
-        <p14:creationId xmlns="" xmlns:p14="http://schemas.microsoft.com/office/powerpoint/2010/main" val="722440911"/>
+        <p14:creationId xmlns:p14="http://schemas.microsoft.com/office/powerpoint/2010/main" xmlns="" val="722440911"/>
       </p:ext>
     </p:extLst>
   </p:cSld>
@@ -905,7 +905,7 @@
             <a:fld id="{63937D59-5EDB-4C39-B697-625748F703B6}" type="datetimeFigureOut">
               <a:rPr lang="en-US" smtClean="0"/>
               <a:pPr/>
-              <a:t>7/28/2016</a:t>
+              <a:t>7/29/2016</a:t>
             </a:fld>
             <a:endParaRPr lang="en-US"/>
           </a:p>
@@ -957,7 +957,7 @@
     </p:spTree>
     <p:extLst>
       <p:ext uri="{BB962C8B-B14F-4D97-AF65-F5344CB8AC3E}">
-        <p14:creationId xmlns="" xmlns:p14="http://schemas.microsoft.com/office/powerpoint/2010/main" val="2810871693"/>
+        <p14:creationId xmlns:p14="http://schemas.microsoft.com/office/powerpoint/2010/main" xmlns="" val="2810871693"/>
       </p:ext>
     </p:extLst>
   </p:cSld>
@@ -1087,7 +1087,7 @@
             <a:fld id="{63937D59-5EDB-4C39-B697-625748F703B6}" type="datetimeFigureOut">
               <a:rPr lang="en-US" smtClean="0"/>
               <a:pPr/>
-              <a:t>7/28/2016</a:t>
+              <a:t>7/29/2016</a:t>
             </a:fld>
             <a:endParaRPr lang="en-US"/>
           </a:p>
@@ -1139,7 +1139,7 @@
     </p:spTree>
     <p:extLst>
       <p:ext uri="{BB962C8B-B14F-4D97-AF65-F5344CB8AC3E}">
-        <p14:creationId xmlns="" xmlns:p14="http://schemas.microsoft.com/office/powerpoint/2010/main" val="4240091250"/>
+        <p14:creationId xmlns:p14="http://schemas.microsoft.com/office/powerpoint/2010/main" xmlns="" val="4240091250"/>
       </p:ext>
     </p:extLst>
   </p:cSld>
@@ -1183,7 +1183,7 @@
     </p:spTree>
     <p:extLst>
       <p:ext uri="{BB962C8B-B14F-4D97-AF65-F5344CB8AC3E}">
-        <p14:creationId xmlns="" xmlns:p14="http://schemas.microsoft.com/office/powerpoint/2010/main" val="2219768511"/>
+        <p14:creationId xmlns:p14="http://schemas.microsoft.com/office/powerpoint/2010/main" xmlns="" val="2219768511"/>
       </p:ext>
     </p:extLst>
   </p:cSld>
@@ -1358,7 +1358,7 @@
     </p:spTree>
     <p:extLst>
       <p:ext uri="{BB962C8B-B14F-4D97-AF65-F5344CB8AC3E}">
-        <p14:creationId xmlns="" xmlns:p14="http://schemas.microsoft.com/office/powerpoint/2010/main" val="1146943780"/>
+        <p14:creationId xmlns:p14="http://schemas.microsoft.com/office/powerpoint/2010/main" xmlns="" val="1146943780"/>
       </p:ext>
     </p:extLst>
   </p:cSld>
@@ -1536,7 +1536,7 @@
     </p:spTree>
     <p:extLst>
       <p:ext uri="{BB962C8B-B14F-4D97-AF65-F5344CB8AC3E}">
-        <p14:creationId xmlns="" xmlns:p14="http://schemas.microsoft.com/office/powerpoint/2010/main" val="922808211"/>
+        <p14:creationId xmlns:p14="http://schemas.microsoft.com/office/powerpoint/2010/main" xmlns="" val="922808211"/>
       </p:ext>
     </p:extLst>
   </p:cSld>
@@ -1714,7 +1714,7 @@
     </p:spTree>
     <p:extLst>
       <p:ext uri="{BB962C8B-B14F-4D97-AF65-F5344CB8AC3E}">
-        <p14:creationId xmlns="" xmlns:p14="http://schemas.microsoft.com/office/powerpoint/2010/main" val="1146943780"/>
+        <p14:creationId xmlns:p14="http://schemas.microsoft.com/office/powerpoint/2010/main" xmlns="" val="1146943780"/>
       </p:ext>
     </p:extLst>
   </p:cSld>
@@ -1892,7 +1892,7 @@
     </p:spTree>
     <p:extLst>
       <p:ext uri="{BB962C8B-B14F-4D97-AF65-F5344CB8AC3E}">
-        <p14:creationId xmlns="" xmlns:p14="http://schemas.microsoft.com/office/powerpoint/2010/main" val="922808211"/>
+        <p14:creationId xmlns:p14="http://schemas.microsoft.com/office/powerpoint/2010/main" xmlns="" val="922808211"/>
       </p:ext>
     </p:extLst>
   </p:cSld>
@@ -2084,7 +2084,7 @@
             <a:fld id="{63937D59-5EDB-4C39-B697-625748F703B6}" type="datetimeFigureOut">
               <a:rPr lang="en-US" smtClean="0"/>
               <a:pPr/>
-              <a:t>7/28/2016</a:t>
+              <a:t>7/29/2016</a:t>
             </a:fld>
             <a:endParaRPr lang="en-US"/>
           </a:p>
@@ -2136,7 +2136,7 @@
     </p:spTree>
     <p:extLst>
       <p:ext uri="{BB962C8B-B14F-4D97-AF65-F5344CB8AC3E}">
-        <p14:creationId xmlns="" xmlns:p14="http://schemas.microsoft.com/office/powerpoint/2010/main" val="1895959501"/>
+        <p14:creationId xmlns:p14="http://schemas.microsoft.com/office/powerpoint/2010/main" xmlns="" val="1895959501"/>
       </p:ext>
     </p:extLst>
   </p:cSld>
@@ -2256,7 +2256,7 @@
             <a:fld id="{63937D59-5EDB-4C39-B697-625748F703B6}" type="datetimeFigureOut">
               <a:rPr lang="en-US" smtClean="0"/>
               <a:pPr/>
-              <a:t>7/28/2016</a:t>
+              <a:t>7/29/2016</a:t>
             </a:fld>
             <a:endParaRPr lang="en-US"/>
           </a:p>
@@ -2308,7 +2308,7 @@
     </p:spTree>
     <p:extLst>
       <p:ext uri="{BB962C8B-B14F-4D97-AF65-F5344CB8AC3E}">
-        <p14:creationId xmlns="" xmlns:p14="http://schemas.microsoft.com/office/powerpoint/2010/main" val="815133034"/>
+        <p14:creationId xmlns:p14="http://schemas.microsoft.com/office/powerpoint/2010/main" xmlns="" val="815133034"/>
       </p:ext>
     </p:extLst>
   </p:cSld>
@@ -2504,7 +2504,7 @@
             <a:fld id="{63937D59-5EDB-4C39-B697-625748F703B6}" type="datetimeFigureOut">
               <a:rPr lang="en-US" smtClean="0"/>
               <a:pPr/>
-              <a:t>7/28/2016</a:t>
+              <a:t>7/29/2016</a:t>
             </a:fld>
             <a:endParaRPr lang="en-US"/>
           </a:p>
@@ -2556,7 +2556,7 @@
     </p:spTree>
     <p:extLst>
       <p:ext uri="{BB962C8B-B14F-4D97-AF65-F5344CB8AC3E}">
-        <p14:creationId xmlns="" xmlns:p14="http://schemas.microsoft.com/office/powerpoint/2010/main" val="1860431105"/>
+        <p14:creationId xmlns:p14="http://schemas.microsoft.com/office/powerpoint/2010/main" xmlns="" val="1860431105"/>
       </p:ext>
     </p:extLst>
   </p:cSld>
@@ -2794,7 +2794,7 @@
             <a:fld id="{63937D59-5EDB-4C39-B697-625748F703B6}" type="datetimeFigureOut">
               <a:rPr lang="en-US" smtClean="0"/>
               <a:pPr/>
-              <a:t>7/28/2016</a:t>
+              <a:t>7/29/2016</a:t>
             </a:fld>
             <a:endParaRPr lang="en-US"/>
           </a:p>
@@ -2846,7 +2846,7 @@
     </p:spTree>
     <p:extLst>
       <p:ext uri="{BB962C8B-B14F-4D97-AF65-F5344CB8AC3E}">
-        <p14:creationId xmlns="" xmlns:p14="http://schemas.microsoft.com/office/powerpoint/2010/main" val="3505802917"/>
+        <p14:creationId xmlns:p14="http://schemas.microsoft.com/office/powerpoint/2010/main" xmlns="" val="3505802917"/>
       </p:ext>
     </p:extLst>
   </p:cSld>
@@ -3218,7 +3218,7 @@
             <a:fld id="{63937D59-5EDB-4C39-B697-625748F703B6}" type="datetimeFigureOut">
               <a:rPr lang="en-US" smtClean="0"/>
               <a:pPr/>
-              <a:t>7/28/2016</a:t>
+              <a:t>7/29/2016</a:t>
             </a:fld>
             <a:endParaRPr lang="en-US"/>
           </a:p>
@@ -3270,7 +3270,7 @@
     </p:spTree>
     <p:extLst>
       <p:ext uri="{BB962C8B-B14F-4D97-AF65-F5344CB8AC3E}">
-        <p14:creationId xmlns="" xmlns:p14="http://schemas.microsoft.com/office/powerpoint/2010/main" val="3538794029"/>
+        <p14:creationId xmlns:p14="http://schemas.microsoft.com/office/powerpoint/2010/main" xmlns="" val="3538794029"/>
       </p:ext>
     </p:extLst>
   </p:cSld>
@@ -3338,7 +3338,7 @@
             <a:fld id="{63937D59-5EDB-4C39-B697-625748F703B6}" type="datetimeFigureOut">
               <a:rPr lang="en-US" smtClean="0"/>
               <a:pPr/>
-              <a:t>7/28/2016</a:t>
+              <a:t>7/29/2016</a:t>
             </a:fld>
             <a:endParaRPr lang="en-US"/>
           </a:p>
@@ -3390,7 +3390,7 @@
     </p:spTree>
     <p:extLst>
       <p:ext uri="{BB962C8B-B14F-4D97-AF65-F5344CB8AC3E}">
-        <p14:creationId xmlns="" xmlns:p14="http://schemas.microsoft.com/office/powerpoint/2010/main" val="1150510990"/>
+        <p14:creationId xmlns:p14="http://schemas.microsoft.com/office/powerpoint/2010/main" xmlns="" val="1150510990"/>
       </p:ext>
     </p:extLst>
   </p:cSld>
@@ -3428,7 +3428,7 @@
     </p:spTree>
     <p:extLst>
       <p:ext uri="{BB962C8B-B14F-4D97-AF65-F5344CB8AC3E}">
-        <p14:creationId xmlns="" xmlns:p14="http://schemas.microsoft.com/office/powerpoint/2010/main" val="4252391796"/>
+        <p14:creationId xmlns:p14="http://schemas.microsoft.com/office/powerpoint/2010/main" xmlns="" val="4252391796"/>
       </p:ext>
     </p:extLst>
   </p:cSld>
@@ -3844,7 +3844,7 @@
             <a:fld id="{63937D59-5EDB-4C39-B697-625748F703B6}" type="datetimeFigureOut">
               <a:rPr lang="en-US" smtClean="0"/>
               <a:pPr/>
-              <a:t>7/28/2016</a:t>
+              <a:t>7/29/2016</a:t>
             </a:fld>
             <a:endParaRPr lang="en-US"/>
           </a:p>
@@ -3932,7 +3932,7 @@
     </p:spTree>
     <p:extLst>
       <p:ext uri="{BB962C8B-B14F-4D97-AF65-F5344CB8AC3E}">
-        <p14:creationId xmlns="" xmlns:p14="http://schemas.microsoft.com/office/powerpoint/2010/main" val="2621239905"/>
+        <p14:creationId xmlns:p14="http://schemas.microsoft.com/office/powerpoint/2010/main" xmlns="" val="2621239905"/>
       </p:ext>
     </p:extLst>
   </p:cSld>
@@ -4231,7 +4231,7 @@
     </p:spTree>
     <p:extLst>
       <p:ext uri="{BB962C8B-B14F-4D97-AF65-F5344CB8AC3E}">
-        <p14:creationId xmlns="" xmlns:p14="http://schemas.microsoft.com/office/powerpoint/2010/main" val="4252391796"/>
+        <p14:creationId xmlns:p14="http://schemas.microsoft.com/office/powerpoint/2010/main" xmlns="" val="4252391796"/>
       </p:ext>
     </p:extLst>
   </p:cSld>
@@ -4838,7 +4838,7 @@
     </p:spTree>
     <p:extLst>
       <p:ext uri="{BB962C8B-B14F-4D97-AF65-F5344CB8AC3E}">
-        <p14:creationId xmlns="" xmlns:p14="http://schemas.microsoft.com/office/powerpoint/2010/main" val="303447833"/>
+        <p14:creationId xmlns:p14="http://schemas.microsoft.com/office/powerpoint/2010/main" xmlns="" val="303447833"/>
       </p:ext>
     </p:extLst>
   </p:cSld>
@@ -4894,11 +4894,7 @@
           <a:p>
             <a:r>
               <a:rPr lang="en-US" altLang="ko-KR" dirty="0" smtClean="0"/>
-              <a:t>Project </a:t>
-            </a:r>
-            <a:r>
-              <a:rPr lang="en-US" altLang="ko-KR" dirty="0" smtClean="0"/>
-              <a:t>Demonstration</a:t>
+              <a:t>Project Demonstration</a:t>
             </a:r>
             <a:endParaRPr lang="ko-KR" altLang="en-US" dirty="0"/>
           </a:p>
@@ -4907,7 +4903,7 @@
     </p:spTree>
     <p:extLst>
       <p:ext uri="{BB962C8B-B14F-4D97-AF65-F5344CB8AC3E}">
-        <p14:creationId xmlns="" xmlns:p14="http://schemas.microsoft.com/office/powerpoint/2010/main" val="979107610"/>
+        <p14:creationId xmlns:p14="http://schemas.microsoft.com/office/powerpoint/2010/main" xmlns="" val="979107610"/>
       </p:ext>
     </p:extLst>
   </p:cSld>
@@ -5188,7 +5184,7 @@
     </p:spTree>
     <p:extLst>
       <p:ext uri="{BB962C8B-B14F-4D97-AF65-F5344CB8AC3E}">
-        <p14:creationId xmlns="" xmlns:p14="http://schemas.microsoft.com/office/powerpoint/2010/main" val="979107610"/>
+        <p14:creationId xmlns:p14="http://schemas.microsoft.com/office/powerpoint/2010/main" xmlns="" val="979107610"/>
       </p:ext>
     </p:extLst>
   </p:cSld>
@@ -5250,7 +5246,7 @@
     </p:spTree>
     <p:extLst>
       <p:ext uri="{BB962C8B-B14F-4D97-AF65-F5344CB8AC3E}">
-        <p14:creationId xmlns="" xmlns:p14="http://schemas.microsoft.com/office/powerpoint/2010/main" val="979107610"/>
+        <p14:creationId xmlns:p14="http://schemas.microsoft.com/office/powerpoint/2010/main" xmlns="" val="979107610"/>
       </p:ext>
     </p:extLst>
   </p:cSld>
@@ -5946,7 +5942,7 @@
     </p:spTree>
     <p:extLst>
       <p:ext uri="{BB962C8B-B14F-4D97-AF65-F5344CB8AC3E}">
-        <p14:creationId xmlns="" xmlns:p14="http://schemas.microsoft.com/office/powerpoint/2010/main" val="2090594489"/>
+        <p14:creationId xmlns:p14="http://schemas.microsoft.com/office/powerpoint/2010/main" xmlns="" val="2090594489"/>
       </p:ext>
     </p:extLst>
   </p:cSld>
@@ -8172,7 +8168,7 @@
     </p:spTree>
     <p:extLst>
       <p:ext uri="{BB962C8B-B14F-4D97-AF65-F5344CB8AC3E}">
-        <p14:creationId xmlns="" xmlns:p14="http://schemas.microsoft.com/office/powerpoint/2010/main" val="2090594489"/>
+        <p14:creationId xmlns:p14="http://schemas.microsoft.com/office/powerpoint/2010/main" xmlns="" val="2090594489"/>
       </p:ext>
     </p:extLst>
   </p:cSld>
@@ -8434,7 +8430,7 @@
     </p:spTree>
     <p:extLst>
       <p:ext uri="{BB962C8B-B14F-4D97-AF65-F5344CB8AC3E}">
-        <p14:creationId xmlns="" xmlns:p14="http://schemas.microsoft.com/office/powerpoint/2010/main" val="2090594489"/>
+        <p14:creationId xmlns:p14="http://schemas.microsoft.com/office/powerpoint/2010/main" xmlns="" val="2090594489"/>
       </p:ext>
     </p:extLst>
   </p:cSld>
@@ -8503,7 +8499,7 @@
     </p:spTree>
     <p:extLst>
       <p:ext uri="{BB962C8B-B14F-4D97-AF65-F5344CB8AC3E}">
-        <p14:creationId xmlns="" xmlns:p14="http://schemas.microsoft.com/office/powerpoint/2010/main" val="979107610"/>
+        <p14:creationId xmlns:p14="http://schemas.microsoft.com/office/powerpoint/2010/main" xmlns="" val="979107610"/>
       </p:ext>
     </p:extLst>
   </p:cSld>
@@ -8599,7 +8595,7 @@
     </p:spTree>
     <p:extLst>
       <p:ext uri="{BB962C8B-B14F-4D97-AF65-F5344CB8AC3E}">
-        <p14:creationId xmlns="" xmlns:p14="http://schemas.microsoft.com/office/powerpoint/2010/main" val="2090594489"/>
+        <p14:creationId xmlns:p14="http://schemas.microsoft.com/office/powerpoint/2010/main" xmlns="" val="2090594489"/>
       </p:ext>
     </p:extLst>
   </p:cSld>
@@ -8695,7 +8691,7 @@
     </p:spTree>
     <p:extLst>
       <p:ext uri="{BB962C8B-B14F-4D97-AF65-F5344CB8AC3E}">
-        <p14:creationId xmlns="" xmlns:p14="http://schemas.microsoft.com/office/powerpoint/2010/main" val="2090594489"/>
+        <p14:creationId xmlns:p14="http://schemas.microsoft.com/office/powerpoint/2010/main" xmlns="" val="2090594489"/>
       </p:ext>
     </p:extLst>
   </p:cSld>
@@ -8790,7 +8786,7 @@
     </p:spTree>
     <p:extLst>
       <p:ext uri="{BB962C8B-B14F-4D97-AF65-F5344CB8AC3E}">
-        <p14:creationId xmlns="" xmlns:p14="http://schemas.microsoft.com/office/powerpoint/2010/main" val="979107610"/>
+        <p14:creationId xmlns:p14="http://schemas.microsoft.com/office/powerpoint/2010/main" xmlns="" val="979107610"/>
       </p:ext>
     </p:extLst>
   </p:cSld>
@@ -8884,7 +8880,7 @@
     </p:spTree>
     <p:extLst>
       <p:ext uri="{BB962C8B-B14F-4D97-AF65-F5344CB8AC3E}">
-        <p14:creationId xmlns="" xmlns:p14="http://schemas.microsoft.com/office/powerpoint/2010/main" val="979107610"/>
+        <p14:creationId xmlns:p14="http://schemas.microsoft.com/office/powerpoint/2010/main" xmlns="" val="979107610"/>
       </p:ext>
     </p:extLst>
   </p:cSld>

--- a/W6 Project/KanenOnlineShopping.pptx
+++ b/W6 Project/KanenOnlineShopping.pptx
@@ -11,14 +11,15 @@
     <p:sldId id="257" r:id="rId5"/>
     <p:sldId id="262" r:id="rId6"/>
     <p:sldId id="263" r:id="rId7"/>
-    <p:sldId id="259" r:id="rId8"/>
-    <p:sldId id="260" r:id="rId9"/>
-    <p:sldId id="266" r:id="rId10"/>
-    <p:sldId id="261" r:id="rId11"/>
-    <p:sldId id="264" r:id="rId12"/>
-    <p:sldId id="265" r:id="rId13"/>
-    <p:sldId id="267" r:id="rId14"/>
-    <p:sldId id="268" r:id="rId15"/>
+    <p:sldId id="269" r:id="rId8"/>
+    <p:sldId id="259" r:id="rId9"/>
+    <p:sldId id="260" r:id="rId10"/>
+    <p:sldId id="266" r:id="rId11"/>
+    <p:sldId id="261" r:id="rId12"/>
+    <p:sldId id="264" r:id="rId13"/>
+    <p:sldId id="265" r:id="rId14"/>
+    <p:sldId id="267" r:id="rId15"/>
+    <p:sldId id="268" r:id="rId16"/>
   </p:sldIdLst>
   <p:sldSz cx="9144000" cy="5143500" type="screen16x9"/>
   <p:notesSz cx="6858000" cy="9144000"/>
@@ -154,7 +155,7 @@
     </p:spTree>
     <p:extLst>
       <p:ext uri="{BB962C8B-B14F-4D97-AF65-F5344CB8AC3E}">
-        <p14:creationId xmlns:p14="http://schemas.microsoft.com/office/powerpoint/2010/main" xmlns="" val="2219768511"/>
+        <p14:creationId xmlns="" xmlns:p14="http://schemas.microsoft.com/office/powerpoint/2010/main" val="2219768511"/>
       </p:ext>
     </p:extLst>
   </p:cSld>
@@ -251,7 +252,7 @@
     </p:spTree>
     <p:extLst>
       <p:ext uri="{BB962C8B-B14F-4D97-AF65-F5344CB8AC3E}">
-        <p14:creationId xmlns:p14="http://schemas.microsoft.com/office/powerpoint/2010/main" xmlns="" val="2403535400"/>
+        <p14:creationId xmlns="" xmlns:p14="http://schemas.microsoft.com/office/powerpoint/2010/main" val="2403535400"/>
       </p:ext>
     </p:extLst>
   </p:cSld>
@@ -530,7 +531,7 @@
     </p:spTree>
     <p:extLst>
       <p:ext uri="{BB962C8B-B14F-4D97-AF65-F5344CB8AC3E}">
-        <p14:creationId xmlns:p14="http://schemas.microsoft.com/office/powerpoint/2010/main" xmlns="" val="501824940"/>
+        <p14:creationId xmlns="" xmlns:p14="http://schemas.microsoft.com/office/powerpoint/2010/main" val="501824940"/>
       </p:ext>
     </p:extLst>
   </p:cSld>
@@ -785,7 +786,7 @@
     </p:spTree>
     <p:extLst>
       <p:ext uri="{BB962C8B-B14F-4D97-AF65-F5344CB8AC3E}">
-        <p14:creationId xmlns:p14="http://schemas.microsoft.com/office/powerpoint/2010/main" xmlns="" val="722440911"/>
+        <p14:creationId xmlns="" xmlns:p14="http://schemas.microsoft.com/office/powerpoint/2010/main" val="722440911"/>
       </p:ext>
     </p:extLst>
   </p:cSld>
@@ -957,7 +958,7 @@
     </p:spTree>
     <p:extLst>
       <p:ext uri="{BB962C8B-B14F-4D97-AF65-F5344CB8AC3E}">
-        <p14:creationId xmlns:p14="http://schemas.microsoft.com/office/powerpoint/2010/main" xmlns="" val="2810871693"/>
+        <p14:creationId xmlns="" xmlns:p14="http://schemas.microsoft.com/office/powerpoint/2010/main" val="2810871693"/>
       </p:ext>
     </p:extLst>
   </p:cSld>
@@ -1139,7 +1140,7 @@
     </p:spTree>
     <p:extLst>
       <p:ext uri="{BB962C8B-B14F-4D97-AF65-F5344CB8AC3E}">
-        <p14:creationId xmlns:p14="http://schemas.microsoft.com/office/powerpoint/2010/main" xmlns="" val="4240091250"/>
+        <p14:creationId xmlns="" xmlns:p14="http://schemas.microsoft.com/office/powerpoint/2010/main" val="4240091250"/>
       </p:ext>
     </p:extLst>
   </p:cSld>
@@ -1183,7 +1184,7 @@
     </p:spTree>
     <p:extLst>
       <p:ext uri="{BB962C8B-B14F-4D97-AF65-F5344CB8AC3E}">
-        <p14:creationId xmlns:p14="http://schemas.microsoft.com/office/powerpoint/2010/main" xmlns="" val="2219768511"/>
+        <p14:creationId xmlns="" xmlns:p14="http://schemas.microsoft.com/office/powerpoint/2010/main" val="2219768511"/>
       </p:ext>
     </p:extLst>
   </p:cSld>
@@ -1358,7 +1359,7 @@
     </p:spTree>
     <p:extLst>
       <p:ext uri="{BB962C8B-B14F-4D97-AF65-F5344CB8AC3E}">
-        <p14:creationId xmlns:p14="http://schemas.microsoft.com/office/powerpoint/2010/main" xmlns="" val="1146943780"/>
+        <p14:creationId xmlns="" xmlns:p14="http://schemas.microsoft.com/office/powerpoint/2010/main" val="1146943780"/>
       </p:ext>
     </p:extLst>
   </p:cSld>
@@ -1536,7 +1537,7 @@
     </p:spTree>
     <p:extLst>
       <p:ext uri="{BB962C8B-B14F-4D97-AF65-F5344CB8AC3E}">
-        <p14:creationId xmlns:p14="http://schemas.microsoft.com/office/powerpoint/2010/main" xmlns="" val="922808211"/>
+        <p14:creationId xmlns="" xmlns:p14="http://schemas.microsoft.com/office/powerpoint/2010/main" val="922808211"/>
       </p:ext>
     </p:extLst>
   </p:cSld>
@@ -1714,7 +1715,7 @@
     </p:spTree>
     <p:extLst>
       <p:ext uri="{BB962C8B-B14F-4D97-AF65-F5344CB8AC3E}">
-        <p14:creationId xmlns:p14="http://schemas.microsoft.com/office/powerpoint/2010/main" xmlns="" val="1146943780"/>
+        <p14:creationId xmlns="" xmlns:p14="http://schemas.microsoft.com/office/powerpoint/2010/main" val="1146943780"/>
       </p:ext>
     </p:extLst>
   </p:cSld>
@@ -1892,7 +1893,7 @@
     </p:spTree>
     <p:extLst>
       <p:ext uri="{BB962C8B-B14F-4D97-AF65-F5344CB8AC3E}">
-        <p14:creationId xmlns:p14="http://schemas.microsoft.com/office/powerpoint/2010/main" xmlns="" val="922808211"/>
+        <p14:creationId xmlns="" xmlns:p14="http://schemas.microsoft.com/office/powerpoint/2010/main" val="922808211"/>
       </p:ext>
     </p:extLst>
   </p:cSld>
@@ -2136,7 +2137,7 @@
     </p:spTree>
     <p:extLst>
       <p:ext uri="{BB962C8B-B14F-4D97-AF65-F5344CB8AC3E}">
-        <p14:creationId xmlns:p14="http://schemas.microsoft.com/office/powerpoint/2010/main" xmlns="" val="1895959501"/>
+        <p14:creationId xmlns="" xmlns:p14="http://schemas.microsoft.com/office/powerpoint/2010/main" val="1895959501"/>
       </p:ext>
     </p:extLst>
   </p:cSld>
@@ -2308,7 +2309,7 @@
     </p:spTree>
     <p:extLst>
       <p:ext uri="{BB962C8B-B14F-4D97-AF65-F5344CB8AC3E}">
-        <p14:creationId xmlns:p14="http://schemas.microsoft.com/office/powerpoint/2010/main" xmlns="" val="815133034"/>
+        <p14:creationId xmlns="" xmlns:p14="http://schemas.microsoft.com/office/powerpoint/2010/main" val="815133034"/>
       </p:ext>
     </p:extLst>
   </p:cSld>
@@ -2556,7 +2557,7 @@
     </p:spTree>
     <p:extLst>
       <p:ext uri="{BB962C8B-B14F-4D97-AF65-F5344CB8AC3E}">
-        <p14:creationId xmlns:p14="http://schemas.microsoft.com/office/powerpoint/2010/main" xmlns="" val="1860431105"/>
+        <p14:creationId xmlns="" xmlns:p14="http://schemas.microsoft.com/office/powerpoint/2010/main" val="1860431105"/>
       </p:ext>
     </p:extLst>
   </p:cSld>
@@ -2846,7 +2847,7 @@
     </p:spTree>
     <p:extLst>
       <p:ext uri="{BB962C8B-B14F-4D97-AF65-F5344CB8AC3E}">
-        <p14:creationId xmlns:p14="http://schemas.microsoft.com/office/powerpoint/2010/main" xmlns="" val="3505802917"/>
+        <p14:creationId xmlns="" xmlns:p14="http://schemas.microsoft.com/office/powerpoint/2010/main" val="3505802917"/>
       </p:ext>
     </p:extLst>
   </p:cSld>
@@ -3270,7 +3271,7 @@
     </p:spTree>
     <p:extLst>
       <p:ext uri="{BB962C8B-B14F-4D97-AF65-F5344CB8AC3E}">
-        <p14:creationId xmlns:p14="http://schemas.microsoft.com/office/powerpoint/2010/main" xmlns="" val="3538794029"/>
+        <p14:creationId xmlns="" xmlns:p14="http://schemas.microsoft.com/office/powerpoint/2010/main" val="3538794029"/>
       </p:ext>
     </p:extLst>
   </p:cSld>
@@ -3390,7 +3391,7 @@
     </p:spTree>
     <p:extLst>
       <p:ext uri="{BB962C8B-B14F-4D97-AF65-F5344CB8AC3E}">
-        <p14:creationId xmlns:p14="http://schemas.microsoft.com/office/powerpoint/2010/main" xmlns="" val="1150510990"/>
+        <p14:creationId xmlns="" xmlns:p14="http://schemas.microsoft.com/office/powerpoint/2010/main" val="1150510990"/>
       </p:ext>
     </p:extLst>
   </p:cSld>
@@ -3428,7 +3429,7 @@
     </p:spTree>
     <p:extLst>
       <p:ext uri="{BB962C8B-B14F-4D97-AF65-F5344CB8AC3E}">
-        <p14:creationId xmlns:p14="http://schemas.microsoft.com/office/powerpoint/2010/main" xmlns="" val="4252391796"/>
+        <p14:creationId xmlns="" xmlns:p14="http://schemas.microsoft.com/office/powerpoint/2010/main" val="4252391796"/>
       </p:ext>
     </p:extLst>
   </p:cSld>
@@ -3932,7 +3933,7 @@
     </p:spTree>
     <p:extLst>
       <p:ext uri="{BB962C8B-B14F-4D97-AF65-F5344CB8AC3E}">
-        <p14:creationId xmlns:p14="http://schemas.microsoft.com/office/powerpoint/2010/main" xmlns="" val="2621239905"/>
+        <p14:creationId xmlns="" xmlns:p14="http://schemas.microsoft.com/office/powerpoint/2010/main" val="2621239905"/>
       </p:ext>
     </p:extLst>
   </p:cSld>
@@ -4231,7 +4232,7 @@
     </p:spTree>
     <p:extLst>
       <p:ext uri="{BB962C8B-B14F-4D97-AF65-F5344CB8AC3E}">
-        <p14:creationId xmlns:p14="http://schemas.microsoft.com/office/powerpoint/2010/main" xmlns="" val="4252391796"/>
+        <p14:creationId xmlns="" xmlns:p14="http://schemas.microsoft.com/office/powerpoint/2010/main" val="4252391796"/>
       </p:ext>
     </p:extLst>
   </p:cSld>
@@ -4838,7 +4839,7 @@
     </p:spTree>
     <p:extLst>
       <p:ext uri="{BB962C8B-B14F-4D97-AF65-F5344CB8AC3E}">
-        <p14:creationId xmlns:p14="http://schemas.microsoft.com/office/powerpoint/2010/main" xmlns="" val="303447833"/>
+        <p14:creationId xmlns="" xmlns:p14="http://schemas.microsoft.com/office/powerpoint/2010/main" val="303447833"/>
       </p:ext>
     </p:extLst>
   </p:cSld>
@@ -4884,8 +4885,8 @@
         </p:nvSpPr>
         <p:spPr>
           <a:xfrm>
-            <a:off x="1619672" y="411510"/>
-            <a:ext cx="7056784" cy="884466"/>
+            <a:off x="1619672" y="0"/>
+            <a:ext cx="6840760" cy="524426"/>
           </a:xfrm>
         </p:spPr>
         <p:txBody>
@@ -4893,17 +4894,53 @@
           <a:lstStyle/>
           <a:p>
             <a:r>
-              <a:rPr lang="en-US" altLang="ko-KR" dirty="0" smtClean="0"/>
-              <a:t>Project Demonstration</a:t>
-            </a:r>
-            <a:endParaRPr lang="ko-KR" altLang="en-US" dirty="0"/>
-          </a:p>
-        </p:txBody>
-      </p:sp>
+              <a:rPr lang="en-US" altLang="ko-KR" dirty="0" smtClean="0">
+                <a:latin typeface="Corbel" pitchFamily="34" charset="0"/>
+              </a:rPr>
+              <a:t>Class Diagram - DAOs</a:t>
+            </a:r>
+            <a:endParaRPr lang="ko-KR" altLang="en-US" dirty="0">
+              <a:latin typeface="Corbel" pitchFamily="34" charset="0"/>
+            </a:endParaRPr>
+          </a:p>
+        </p:txBody>
+      </p:sp>
+      <p:pic>
+        <p:nvPicPr>
+          <p:cNvPr id="3074" name="Picture 2"/>
+          <p:cNvPicPr>
+            <a:picLocks noChangeAspect="1" noChangeArrowheads="1"/>
+          </p:cNvPicPr>
+          <p:nvPr/>
+        </p:nvPicPr>
+        <p:blipFill>
+          <a:blip r:embed="rId2" cstate="print"/>
+          <a:srcRect/>
+          <a:stretch>
+            <a:fillRect/>
+          </a:stretch>
+        </p:blipFill>
+        <p:spPr bwMode="auto">
+          <a:xfrm>
+            <a:off x="1835696" y="627534"/>
+            <a:ext cx="5832648" cy="4329756"/>
+          </a:xfrm>
+          <a:prstGeom prst="rect">
+            <a:avLst/>
+          </a:prstGeom>
+          <a:noFill/>
+          <a:ln w="9525">
+            <a:noFill/>
+            <a:miter lim="800000"/>
+            <a:headEnd/>
+            <a:tailEnd/>
+          </a:ln>
+        </p:spPr>
+      </p:pic>
     </p:spTree>
     <p:extLst>
       <p:ext uri="{BB962C8B-B14F-4D97-AF65-F5344CB8AC3E}">
-        <p14:creationId xmlns:p14="http://schemas.microsoft.com/office/powerpoint/2010/main" xmlns="" val="979107610"/>
+        <p14:creationId xmlns="" xmlns:p14="http://schemas.microsoft.com/office/powerpoint/2010/main" val="979107610"/>
       </p:ext>
     </p:extLst>
   </p:cSld>
@@ -4942,8 +4979,8 @@
         </p:nvSpPr>
         <p:spPr>
           <a:xfrm>
-            <a:off x="1619672" y="51470"/>
-            <a:ext cx="7128792" cy="648072"/>
+            <a:off x="1619672" y="411510"/>
+            <a:ext cx="7056784" cy="884466"/>
           </a:xfrm>
         </p:spPr>
         <p:txBody>
@@ -4951,240 +4988,17 @@
           <a:lstStyle/>
           <a:p>
             <a:r>
-              <a:rPr lang="en-US" altLang="ko-KR" dirty="0" err="1" smtClean="0">
-                <a:latin typeface="Corbel" pitchFamily="34" charset="0"/>
-              </a:rPr>
-              <a:t>Learnings</a:t>
-            </a:r>
-            <a:r>
-              <a:rPr lang="en-US" altLang="ko-KR" dirty="0" smtClean="0">
-                <a:latin typeface="Corbel" pitchFamily="34" charset="0"/>
-              </a:rPr>
-              <a:t> applied:</a:t>
-            </a:r>
-            <a:endParaRPr lang="ko-KR" altLang="en-US" dirty="0">
-              <a:latin typeface="Corbel" pitchFamily="34" charset="0"/>
-            </a:endParaRPr>
-          </a:p>
-        </p:txBody>
-      </p:sp>
-      <p:sp>
-        <p:nvSpPr>
-          <p:cNvPr id="5" name="Content Placeholder 4"/>
-          <p:cNvSpPr>
-            <a:spLocks noGrp="1"/>
-          </p:cNvSpPr>
-          <p:nvPr>
-            <p:ph idx="10"/>
-          </p:nvPr>
-        </p:nvSpPr>
-        <p:spPr>
-          <a:xfrm>
-            <a:off x="1475656" y="771550"/>
-            <a:ext cx="3528392" cy="2520280"/>
-          </a:xfrm>
-        </p:spPr>
-        <p:txBody>
-          <a:bodyPr/>
-          <a:lstStyle/>
-          <a:p>
-            <a:pPr>
-              <a:buFont typeface="Arial" pitchFamily="34" charset="0"/>
-              <a:buChar char="•"/>
-            </a:pPr>
-            <a:r>
-              <a:rPr lang="en-US" altLang="ko-KR" sz="1600" dirty="0" smtClean="0">
-                <a:latin typeface="Corbel" pitchFamily="34" charset="0"/>
-              </a:rPr>
-              <a:t> </a:t>
-            </a:r>
-            <a:r>
-              <a:rPr lang="en-US" altLang="ko-KR" sz="1600" dirty="0" err="1" smtClean="0">
-                <a:latin typeface="Corbel" pitchFamily="34" charset="0"/>
-              </a:rPr>
-              <a:t>ExtJS</a:t>
-            </a:r>
-            <a:r>
-              <a:rPr lang="en-US" altLang="ko-KR" sz="1600" dirty="0" smtClean="0">
-                <a:latin typeface="Corbel" pitchFamily="34" charset="0"/>
-              </a:rPr>
-              <a:t> 4 and Spring Framework</a:t>
-            </a:r>
-          </a:p>
-          <a:p>
-            <a:pPr>
-              <a:buFont typeface="Arial" pitchFamily="34" charset="0"/>
-              <a:buChar char="•"/>
-            </a:pPr>
-            <a:r>
-              <a:rPr lang="en-US" altLang="ko-KR" sz="1600" dirty="0" smtClean="0">
-                <a:latin typeface="Corbel" pitchFamily="34" charset="0"/>
-              </a:rPr>
-              <a:t> Ajax and JSON</a:t>
-            </a:r>
-          </a:p>
-          <a:p>
-            <a:pPr>
-              <a:buFont typeface="Arial" pitchFamily="34" charset="0"/>
-              <a:buChar char="•"/>
-            </a:pPr>
-            <a:r>
-              <a:rPr lang="en-US" altLang="ko-KR" sz="1600" dirty="0" smtClean="0">
-                <a:latin typeface="Corbel" pitchFamily="34" charset="0"/>
-              </a:rPr>
-              <a:t> Java Persistence API</a:t>
-            </a:r>
-          </a:p>
-          <a:p>
-            <a:pPr>
-              <a:buFont typeface="Arial" pitchFamily="34" charset="0"/>
-              <a:buChar char="•"/>
-            </a:pPr>
-            <a:r>
-              <a:rPr lang="en-US" altLang="ko-KR" sz="1600" dirty="0" smtClean="0">
-                <a:latin typeface="Corbel" pitchFamily="34" charset="0"/>
-              </a:rPr>
-              <a:t> Salted password hashing</a:t>
-            </a:r>
-          </a:p>
-          <a:p>
-            <a:pPr>
-              <a:buFont typeface="Arial" pitchFamily="34" charset="0"/>
-              <a:buChar char="•"/>
-            </a:pPr>
-            <a:r>
-              <a:rPr lang="en-US" altLang="ko-KR" sz="1600" dirty="0" smtClean="0">
-                <a:latin typeface="Corbel" pitchFamily="34" charset="0"/>
-              </a:rPr>
-              <a:t> Spring Interceptor/ Filter</a:t>
-            </a:r>
-          </a:p>
-          <a:p>
-            <a:pPr>
-              <a:buFont typeface="Arial" pitchFamily="34" charset="0"/>
-              <a:buChar char="•"/>
-            </a:pPr>
-            <a:r>
-              <a:rPr lang="en-US" altLang="ko-KR" sz="1600" dirty="0" smtClean="0">
-                <a:latin typeface="Corbel" pitchFamily="34" charset="0"/>
-              </a:rPr>
-              <a:t> Transaction</a:t>
-            </a:r>
-          </a:p>
-          <a:p>
-            <a:pPr>
-              <a:buFont typeface="Arial" pitchFamily="34" charset="0"/>
-              <a:buChar char="•"/>
-            </a:pPr>
-            <a:r>
-              <a:rPr lang="en-US" altLang="ko-KR" sz="1600" dirty="0" smtClean="0">
-                <a:latin typeface="Corbel" pitchFamily="34" charset="0"/>
-              </a:rPr>
-              <a:t> Log4J</a:t>
-            </a:r>
-          </a:p>
-          <a:p>
-            <a:pPr>
-              <a:buFont typeface="Arial" pitchFamily="34" charset="0"/>
-              <a:buChar char="•"/>
-            </a:pPr>
-            <a:endParaRPr lang="en-US" altLang="ko-KR" dirty="0" smtClean="0"/>
-          </a:p>
-        </p:txBody>
-      </p:sp>
-      <p:sp>
-        <p:nvSpPr>
-          <p:cNvPr id="6" name="Content Placeholder 4"/>
-          <p:cNvSpPr>
-            <a:spLocks noGrp="1"/>
-          </p:cNvSpPr>
-          <p:nvPr>
-            <p:ph idx="10"/>
-          </p:nvPr>
-        </p:nvSpPr>
-        <p:spPr>
-          <a:xfrm>
-            <a:off x="4860032" y="771550"/>
-            <a:ext cx="3744416" cy="2520280"/>
-          </a:xfrm>
-        </p:spPr>
-        <p:txBody>
-          <a:bodyPr/>
-          <a:lstStyle/>
-          <a:p>
-            <a:pPr>
-              <a:buFont typeface="Arial" pitchFamily="34" charset="0"/>
-              <a:buChar char="•"/>
-            </a:pPr>
-            <a:r>
-              <a:rPr lang="en-US" altLang="ko-KR" sz="1600" dirty="0" smtClean="0">
-                <a:latin typeface="Corbel" pitchFamily="34" charset="0"/>
-              </a:rPr>
-              <a:t> JMS Producer and Consumer</a:t>
-            </a:r>
-          </a:p>
-          <a:p>
-            <a:pPr>
-              <a:buFont typeface="Arial" pitchFamily="34" charset="0"/>
-              <a:buChar char="•"/>
-            </a:pPr>
-            <a:r>
-              <a:rPr lang="en-US" altLang="ko-KR" sz="1600" dirty="0" smtClean="0">
-                <a:latin typeface="Corbel" pitchFamily="34" charset="0"/>
-              </a:rPr>
-              <a:t> </a:t>
-            </a:r>
-            <a:r>
-              <a:rPr lang="en-US" altLang="ko-KR" sz="1600" dirty="0" err="1" smtClean="0">
-                <a:latin typeface="Corbel" pitchFamily="34" charset="0"/>
-              </a:rPr>
-              <a:t>JUnit</a:t>
-            </a:r>
-            <a:endParaRPr lang="en-US" altLang="ko-KR" sz="1600" dirty="0" smtClean="0">
-              <a:latin typeface="Corbel" pitchFamily="34" charset="0"/>
-            </a:endParaRPr>
-          </a:p>
-          <a:p>
-            <a:pPr>
-              <a:buFont typeface="Arial" pitchFamily="34" charset="0"/>
-              <a:buChar char="•"/>
-            </a:pPr>
-            <a:r>
-              <a:rPr lang="en-US" altLang="ko-KR" sz="1600" dirty="0" smtClean="0">
-                <a:latin typeface="Corbel" pitchFamily="34" charset="0"/>
-              </a:rPr>
-              <a:t> </a:t>
-            </a:r>
-            <a:r>
-              <a:rPr lang="en-US" altLang="ko-KR" sz="1600" dirty="0" err="1" smtClean="0">
-                <a:latin typeface="Corbel" pitchFamily="34" charset="0"/>
-              </a:rPr>
-              <a:t>Webservice</a:t>
-            </a:r>
-            <a:endParaRPr lang="en-US" altLang="ko-KR" sz="1600" dirty="0" smtClean="0">
-              <a:latin typeface="Corbel" pitchFamily="34" charset="0"/>
-            </a:endParaRPr>
-          </a:p>
-          <a:p>
-            <a:pPr>
-              <a:buFont typeface="Arial" pitchFamily="34" charset="0"/>
-              <a:buChar char="•"/>
-            </a:pPr>
-            <a:endParaRPr lang="en-US" altLang="ko-KR" dirty="0" smtClean="0"/>
-          </a:p>
-          <a:p>
-            <a:pPr>
-              <a:buFont typeface="Arial" pitchFamily="34" charset="0"/>
-              <a:buChar char="•"/>
-            </a:pPr>
-            <a:endParaRPr lang="en-US" altLang="ko-KR" dirty="0" smtClean="0"/>
+              <a:rPr lang="en-US" altLang="ko-KR" dirty="0" smtClean="0"/>
+              <a:t>Project Demonstration</a:t>
+            </a:r>
+            <a:endParaRPr lang="ko-KR" altLang="en-US" dirty="0"/>
           </a:p>
         </p:txBody>
       </p:sp>
     </p:spTree>
     <p:extLst>
       <p:ext uri="{BB962C8B-B14F-4D97-AF65-F5344CB8AC3E}">
-        <p14:creationId xmlns:p14="http://schemas.microsoft.com/office/powerpoint/2010/main" xmlns="" val="979107610"/>
+        <p14:creationId xmlns="" xmlns:p14="http://schemas.microsoft.com/office/powerpoint/2010/main" val="979107610"/>
       </p:ext>
     </p:extLst>
   </p:cSld>
@@ -5232,10 +5046,16 @@
           <a:lstStyle/>
           <a:p>
             <a:r>
+              <a:rPr lang="en-US" altLang="ko-KR" dirty="0" err="1" smtClean="0">
+                <a:latin typeface="Corbel" pitchFamily="34" charset="0"/>
+              </a:rPr>
+              <a:t>Learnings</a:t>
+            </a:r>
+            <a:r>
               <a:rPr lang="en-US" altLang="ko-KR" dirty="0" smtClean="0">
                 <a:latin typeface="Corbel" pitchFamily="34" charset="0"/>
               </a:rPr>
-              <a:t>Q &amp; A</a:t>
+              <a:t> applied:</a:t>
             </a:r>
             <a:endParaRPr lang="ko-KR" altLang="en-US" dirty="0">
               <a:latin typeface="Corbel" pitchFamily="34" charset="0"/>
@@ -5243,10 +5063,285 @@
           </a:p>
         </p:txBody>
       </p:sp>
+      <p:sp>
+        <p:nvSpPr>
+          <p:cNvPr id="5" name="Content Placeholder 4"/>
+          <p:cNvSpPr>
+            <a:spLocks noGrp="1"/>
+          </p:cNvSpPr>
+          <p:nvPr>
+            <p:ph idx="10"/>
+          </p:nvPr>
+        </p:nvSpPr>
+        <p:spPr>
+          <a:xfrm>
+            <a:off x="1475656" y="771550"/>
+            <a:ext cx="3528392" cy="2520280"/>
+          </a:xfrm>
+        </p:spPr>
+        <p:txBody>
+          <a:bodyPr/>
+          <a:lstStyle/>
+          <a:p>
+            <a:pPr>
+              <a:buFont typeface="Arial" pitchFamily="34" charset="0"/>
+              <a:buChar char="•"/>
+            </a:pPr>
+            <a:r>
+              <a:rPr lang="en-US" altLang="ko-KR" sz="1600" dirty="0" smtClean="0">
+                <a:latin typeface="Corbel" pitchFamily="34" charset="0"/>
+              </a:rPr>
+              <a:t> </a:t>
+            </a:r>
+            <a:r>
+              <a:rPr lang="en-US" altLang="ko-KR" sz="1600" dirty="0" err="1" smtClean="0">
+                <a:latin typeface="Corbel" pitchFamily="34" charset="0"/>
+              </a:rPr>
+              <a:t>ExtJS</a:t>
+            </a:r>
+            <a:r>
+              <a:rPr lang="en-US" altLang="ko-KR" sz="1600" dirty="0" smtClean="0">
+                <a:latin typeface="Corbel" pitchFamily="34" charset="0"/>
+              </a:rPr>
+              <a:t> 4 and Spring Framework</a:t>
+            </a:r>
+          </a:p>
+          <a:p>
+            <a:pPr>
+              <a:buFont typeface="Arial" pitchFamily="34" charset="0"/>
+              <a:buChar char="•"/>
+            </a:pPr>
+            <a:r>
+              <a:rPr lang="en-US" altLang="ko-KR" sz="1600" dirty="0" smtClean="0">
+                <a:latin typeface="Corbel" pitchFamily="34" charset="0"/>
+              </a:rPr>
+              <a:t> Ajax and JSON</a:t>
+            </a:r>
+          </a:p>
+          <a:p>
+            <a:pPr>
+              <a:buFont typeface="Arial" pitchFamily="34" charset="0"/>
+              <a:buChar char="•"/>
+            </a:pPr>
+            <a:r>
+              <a:rPr lang="en-US" altLang="ko-KR" sz="1600" dirty="0" smtClean="0">
+                <a:latin typeface="Corbel" pitchFamily="34" charset="0"/>
+              </a:rPr>
+              <a:t> Java Persistence API</a:t>
+            </a:r>
+          </a:p>
+          <a:p>
+            <a:pPr>
+              <a:buFont typeface="Arial" pitchFamily="34" charset="0"/>
+              <a:buChar char="•"/>
+            </a:pPr>
+            <a:r>
+              <a:rPr lang="en-US" altLang="ko-KR" sz="1600" dirty="0" smtClean="0">
+                <a:latin typeface="Corbel" pitchFamily="34" charset="0"/>
+              </a:rPr>
+              <a:t> Salted password hashing</a:t>
+            </a:r>
+          </a:p>
+          <a:p>
+            <a:pPr>
+              <a:buFont typeface="Arial" pitchFamily="34" charset="0"/>
+              <a:buChar char="•"/>
+            </a:pPr>
+            <a:r>
+              <a:rPr lang="en-US" altLang="ko-KR" sz="1600" dirty="0" smtClean="0">
+                <a:latin typeface="Corbel" pitchFamily="34" charset="0"/>
+              </a:rPr>
+              <a:t> Spring Interceptor/ Filter</a:t>
+            </a:r>
+          </a:p>
+          <a:p>
+            <a:pPr>
+              <a:buFont typeface="Arial" pitchFamily="34" charset="0"/>
+              <a:buChar char="•"/>
+            </a:pPr>
+            <a:r>
+              <a:rPr lang="en-US" altLang="ko-KR" sz="1600" dirty="0" smtClean="0">
+                <a:latin typeface="Corbel" pitchFamily="34" charset="0"/>
+              </a:rPr>
+              <a:t> Transaction</a:t>
+            </a:r>
+          </a:p>
+          <a:p>
+            <a:pPr>
+              <a:buFont typeface="Arial" pitchFamily="34" charset="0"/>
+              <a:buChar char="•"/>
+            </a:pPr>
+            <a:r>
+              <a:rPr lang="en-US" altLang="ko-KR" sz="1600" dirty="0" smtClean="0">
+                <a:latin typeface="Corbel" pitchFamily="34" charset="0"/>
+              </a:rPr>
+              <a:t> Log4J</a:t>
+            </a:r>
+          </a:p>
+          <a:p>
+            <a:pPr>
+              <a:buFont typeface="Arial" pitchFamily="34" charset="0"/>
+              <a:buChar char="•"/>
+            </a:pPr>
+            <a:endParaRPr lang="en-US" altLang="ko-KR" dirty="0" smtClean="0"/>
+          </a:p>
+        </p:txBody>
+      </p:sp>
+      <p:sp>
+        <p:nvSpPr>
+          <p:cNvPr id="6" name="Content Placeholder 4"/>
+          <p:cNvSpPr>
+            <a:spLocks noGrp="1"/>
+          </p:cNvSpPr>
+          <p:nvPr>
+            <p:ph idx="10"/>
+          </p:nvPr>
+        </p:nvSpPr>
+        <p:spPr>
+          <a:xfrm>
+            <a:off x="4860032" y="771550"/>
+            <a:ext cx="3744416" cy="2520280"/>
+          </a:xfrm>
+        </p:spPr>
+        <p:txBody>
+          <a:bodyPr/>
+          <a:lstStyle/>
+          <a:p>
+            <a:pPr>
+              <a:buFont typeface="Arial" pitchFamily="34" charset="0"/>
+              <a:buChar char="•"/>
+            </a:pPr>
+            <a:r>
+              <a:rPr lang="en-US" altLang="ko-KR" sz="1600" dirty="0" smtClean="0">
+                <a:latin typeface="Corbel" pitchFamily="34" charset="0"/>
+              </a:rPr>
+              <a:t> JMS Producer and Consumer</a:t>
+            </a:r>
+          </a:p>
+          <a:p>
+            <a:pPr>
+              <a:buFont typeface="Arial" pitchFamily="34" charset="0"/>
+              <a:buChar char="•"/>
+            </a:pPr>
+            <a:r>
+              <a:rPr lang="en-US" altLang="ko-KR" sz="1600" dirty="0" smtClean="0">
+                <a:latin typeface="Corbel" pitchFamily="34" charset="0"/>
+              </a:rPr>
+              <a:t> </a:t>
+            </a:r>
+            <a:r>
+              <a:rPr lang="en-US" altLang="ko-KR" sz="1600" dirty="0" err="1" smtClean="0">
+                <a:latin typeface="Corbel" pitchFamily="34" charset="0"/>
+              </a:rPr>
+              <a:t>JUnit</a:t>
+            </a:r>
+            <a:endParaRPr lang="en-US" altLang="ko-KR" sz="1600" dirty="0" smtClean="0">
+              <a:latin typeface="Corbel" pitchFamily="34" charset="0"/>
+            </a:endParaRPr>
+          </a:p>
+          <a:p>
+            <a:pPr>
+              <a:buFont typeface="Arial" pitchFamily="34" charset="0"/>
+              <a:buChar char="•"/>
+            </a:pPr>
+            <a:r>
+              <a:rPr lang="en-US" altLang="ko-KR" sz="1600" dirty="0" smtClean="0">
+                <a:latin typeface="Corbel" pitchFamily="34" charset="0"/>
+              </a:rPr>
+              <a:t> </a:t>
+            </a:r>
+            <a:r>
+              <a:rPr lang="en-US" altLang="ko-KR" sz="1600" dirty="0" err="1" smtClean="0">
+                <a:latin typeface="Corbel" pitchFamily="34" charset="0"/>
+              </a:rPr>
+              <a:t>Webservice</a:t>
+            </a:r>
+            <a:endParaRPr lang="en-US" altLang="ko-KR" sz="1600" dirty="0" smtClean="0">
+              <a:latin typeface="Corbel" pitchFamily="34" charset="0"/>
+            </a:endParaRPr>
+          </a:p>
+          <a:p>
+            <a:pPr>
+              <a:buFont typeface="Arial" pitchFamily="34" charset="0"/>
+              <a:buChar char="•"/>
+            </a:pPr>
+            <a:endParaRPr lang="en-US" altLang="ko-KR" dirty="0" smtClean="0"/>
+          </a:p>
+          <a:p>
+            <a:pPr>
+              <a:buFont typeface="Arial" pitchFamily="34" charset="0"/>
+              <a:buChar char="•"/>
+            </a:pPr>
+            <a:endParaRPr lang="en-US" altLang="ko-KR" dirty="0" smtClean="0"/>
+          </a:p>
+        </p:txBody>
+      </p:sp>
     </p:spTree>
     <p:extLst>
       <p:ext uri="{BB962C8B-B14F-4D97-AF65-F5344CB8AC3E}">
-        <p14:creationId xmlns:p14="http://schemas.microsoft.com/office/powerpoint/2010/main" xmlns="" val="979107610"/>
+        <p14:creationId xmlns="" xmlns:p14="http://schemas.microsoft.com/office/powerpoint/2010/main" val="979107610"/>
+      </p:ext>
+    </p:extLst>
+  </p:cSld>
+  <p:clrMapOvr>
+    <a:masterClrMapping/>
+  </p:clrMapOvr>
+</p:sld>
+</file>
+
+<file path=ppt/slides/slide13.xml><?xml version="1.0" encoding="utf-8"?>
+<p:sld xmlns:a="http://schemas.openxmlformats.org/drawingml/2006/main" xmlns:r="http://schemas.openxmlformats.org/officeDocument/2006/relationships" xmlns:p="http://schemas.openxmlformats.org/presentationml/2006/main">
+  <p:cSld>
+    <p:spTree>
+      <p:nvGrpSpPr>
+        <p:cNvPr id="1" name=""/>
+        <p:cNvGrpSpPr/>
+        <p:nvPr/>
+      </p:nvGrpSpPr>
+      <p:grpSpPr>
+        <a:xfrm>
+          <a:off x="0" y="0"/>
+          <a:ext cx="0" cy="0"/>
+          <a:chOff x="0" y="0"/>
+          <a:chExt cx="0" cy="0"/>
+        </a:xfrm>
+      </p:grpSpPr>
+      <p:sp>
+        <p:nvSpPr>
+          <p:cNvPr id="3" name="Title 2"/>
+          <p:cNvSpPr>
+            <a:spLocks noGrp="1"/>
+          </p:cNvSpPr>
+          <p:nvPr>
+            <p:ph type="title"/>
+          </p:nvPr>
+        </p:nvSpPr>
+        <p:spPr>
+          <a:xfrm>
+            <a:off x="1619672" y="51470"/>
+            <a:ext cx="7128792" cy="648072"/>
+          </a:xfrm>
+        </p:spPr>
+        <p:txBody>
+          <a:bodyPr/>
+          <a:lstStyle/>
+          <a:p>
+            <a:r>
+              <a:rPr lang="en-US" altLang="ko-KR" dirty="0" smtClean="0">
+                <a:latin typeface="Corbel" pitchFamily="34" charset="0"/>
+              </a:rPr>
+              <a:t>Q &amp; A</a:t>
+            </a:r>
+            <a:endParaRPr lang="ko-KR" altLang="en-US" dirty="0">
+              <a:latin typeface="Corbel" pitchFamily="34" charset="0"/>
+            </a:endParaRPr>
+          </a:p>
+        </p:txBody>
+      </p:sp>
+    </p:spTree>
+    <p:extLst>
+      <p:ext uri="{BB962C8B-B14F-4D97-AF65-F5344CB8AC3E}">
+        <p14:creationId xmlns="" xmlns:p14="http://schemas.microsoft.com/office/powerpoint/2010/main" val="979107610"/>
       </p:ext>
     </p:extLst>
   </p:cSld>
@@ -5942,7 +6037,7 @@
     </p:spTree>
     <p:extLst>
       <p:ext uri="{BB962C8B-B14F-4D97-AF65-F5344CB8AC3E}">
-        <p14:creationId xmlns:p14="http://schemas.microsoft.com/office/powerpoint/2010/main" xmlns="" val="2090594489"/>
+        <p14:creationId xmlns="" xmlns:p14="http://schemas.microsoft.com/office/powerpoint/2010/main" val="2090594489"/>
       </p:ext>
     </p:extLst>
   </p:cSld>
@@ -8168,7 +8263,7 @@
     </p:spTree>
     <p:extLst>
       <p:ext uri="{BB962C8B-B14F-4D97-AF65-F5344CB8AC3E}">
-        <p14:creationId xmlns:p14="http://schemas.microsoft.com/office/powerpoint/2010/main" xmlns="" val="2090594489"/>
+        <p14:creationId xmlns="" xmlns:p14="http://schemas.microsoft.com/office/powerpoint/2010/main" val="2090594489"/>
       </p:ext>
     </p:extLst>
   </p:cSld>
@@ -8430,7 +8525,7 @@
     </p:spTree>
     <p:extLst>
       <p:ext uri="{BB962C8B-B14F-4D97-AF65-F5344CB8AC3E}">
-        <p14:creationId xmlns:p14="http://schemas.microsoft.com/office/powerpoint/2010/main" xmlns="" val="2090594489"/>
+        <p14:creationId xmlns="" xmlns:p14="http://schemas.microsoft.com/office/powerpoint/2010/main" val="2090594489"/>
       </p:ext>
     </p:extLst>
   </p:cSld>
@@ -8448,6 +8543,218 @@
 </file>
 
 <file path=ppt/slides/slide5.xml><?xml version="1.0" encoding="utf-8"?>
+<p:sld xmlns:a="http://schemas.openxmlformats.org/drawingml/2006/main" xmlns:r="http://schemas.openxmlformats.org/officeDocument/2006/relationships" xmlns:p="http://schemas.openxmlformats.org/presentationml/2006/main">
+  <p:cSld>
+    <p:spTree>
+      <p:nvGrpSpPr>
+        <p:cNvPr id="1" name=""/>
+        <p:cNvGrpSpPr/>
+        <p:nvPr/>
+      </p:nvGrpSpPr>
+      <p:grpSpPr>
+        <a:xfrm>
+          <a:off x="0" y="0"/>
+          <a:ext cx="0" cy="0"/>
+          <a:chOff x="0" y="0"/>
+          <a:chExt cx="0" cy="0"/>
+        </a:xfrm>
+      </p:grpSpPr>
+      <p:sp>
+        <p:nvSpPr>
+          <p:cNvPr id="3" name="Title 2"/>
+          <p:cNvSpPr>
+            <a:spLocks noGrp="1"/>
+          </p:cNvSpPr>
+          <p:nvPr>
+            <p:ph type="title"/>
+          </p:nvPr>
+        </p:nvSpPr>
+        <p:spPr/>
+        <p:txBody>
+          <a:bodyPr/>
+          <a:lstStyle/>
+          <a:p>
+            <a:r>
+              <a:rPr lang="en-US" dirty="0" smtClean="0">
+                <a:latin typeface="Corbel" pitchFamily="34" charset="0"/>
+              </a:rPr>
+              <a:t>Architecture:</a:t>
+            </a:r>
+            <a:endParaRPr lang="en-US" dirty="0">
+              <a:latin typeface="Corbel" pitchFamily="34" charset="0"/>
+            </a:endParaRPr>
+          </a:p>
+        </p:txBody>
+      </p:sp>
+      <p:sp>
+        <p:nvSpPr>
+          <p:cNvPr id="6" name="Content Placeholder 4"/>
+          <p:cNvSpPr txBox="1">
+            <a:spLocks/>
+          </p:cNvSpPr>
+          <p:nvPr/>
+        </p:nvSpPr>
+        <p:spPr>
+          <a:xfrm>
+            <a:off x="4139952" y="2139702"/>
+            <a:ext cx="3816424" cy="2232248"/>
+          </a:xfrm>
+          <a:prstGeom prst="rect">
+            <a:avLst/>
+          </a:prstGeom>
+        </p:spPr>
+        <p:txBody>
+          <a:bodyPr lIns="396000" anchor="t"/>
+          <a:lstStyle/>
+          <a:p>
+            <a:pPr marL="0" marR="0" lvl="0" indent="0" algn="l" defTabSz="914400" rtl="0" eaLnBrk="1" fontAlgn="auto" latinLnBrk="1" hangingPunct="1">
+              <a:lnSpc>
+                <a:spcPct val="100000"/>
+              </a:lnSpc>
+              <a:spcBef>
+                <a:spcPct val="20000"/>
+              </a:spcBef>
+              <a:spcAft>
+                <a:spcPts val="0"/>
+              </a:spcAft>
+              <a:buClrTx/>
+              <a:buSzTx/>
+              <a:buFont typeface="Arial" pitchFamily="34" charset="0"/>
+              <a:buChar char="•"/>
+              <a:tabLst/>
+              <a:defRPr/>
+            </a:pPr>
+            <a:endParaRPr kumimoji="0" lang="ko-KR" altLang="en-US" sz="1400" b="0" i="0" u="none" strike="noStrike" kern="1200" cap="none" spc="0" normalizeH="0" baseline="0" noProof="0" dirty="0">
+              <a:ln>
+                <a:noFill/>
+              </a:ln>
+              <a:solidFill>
+                <a:schemeClr val="tx1">
+                  <a:lumMod val="75000"/>
+                  <a:lumOff val="25000"/>
+                </a:schemeClr>
+              </a:solidFill>
+              <a:effectLst/>
+              <a:uLnTx/>
+              <a:uFillTx/>
+              <a:latin typeface="Arial" pitchFamily="34" charset="0"/>
+              <a:ea typeface="+mn-ea"/>
+              <a:cs typeface="Arial" pitchFamily="34" charset="0"/>
+            </a:endParaRPr>
+          </a:p>
+        </p:txBody>
+      </p:sp>
+      <p:sp>
+        <p:nvSpPr>
+          <p:cNvPr id="7" name="Content Placeholder 1"/>
+          <p:cNvSpPr txBox="1">
+            <a:spLocks/>
+          </p:cNvSpPr>
+          <p:nvPr/>
+        </p:nvSpPr>
+        <p:spPr>
+          <a:xfrm>
+            <a:off x="251520" y="1131590"/>
+            <a:ext cx="8496944" cy="504056"/>
+          </a:xfrm>
+          <a:prstGeom prst="rect">
+            <a:avLst/>
+          </a:prstGeom>
+        </p:spPr>
+        <p:txBody>
+          <a:bodyPr anchor="ctr"/>
+          <a:lstStyle/>
+          <a:p>
+            <a:pPr marL="0" marR="0" lvl="0" indent="0" algn="l" defTabSz="914400" rtl="0" eaLnBrk="1" fontAlgn="auto" latinLnBrk="1" hangingPunct="1">
+              <a:lnSpc>
+                <a:spcPct val="100000"/>
+              </a:lnSpc>
+              <a:spcBef>
+                <a:spcPct val="20000"/>
+              </a:spcBef>
+              <a:spcAft>
+                <a:spcPts val="0"/>
+              </a:spcAft>
+              <a:buClrTx/>
+              <a:buSzTx/>
+              <a:buFont typeface="Arial" pitchFamily="34" charset="0"/>
+              <a:buNone/>
+              <a:tabLst/>
+              <a:defRPr/>
+            </a:pPr>
+            <a:endParaRPr kumimoji="0" lang="en-US" sz="2000" b="1" i="0" u="none" strike="noStrike" kern="1200" cap="none" spc="0" normalizeH="0" baseline="0" noProof="0" dirty="0">
+              <a:ln>
+                <a:noFill/>
+              </a:ln>
+              <a:solidFill>
+                <a:schemeClr val="tx1">
+                  <a:lumMod val="75000"/>
+                  <a:lumOff val="25000"/>
+                </a:schemeClr>
+              </a:solidFill>
+              <a:effectLst/>
+              <a:uLnTx/>
+              <a:uFillTx/>
+              <a:latin typeface="Corbel" pitchFamily="34" charset="0"/>
+              <a:ea typeface="+mn-ea"/>
+              <a:cs typeface="Arial" pitchFamily="34" charset="0"/>
+            </a:endParaRPr>
+          </a:p>
+        </p:txBody>
+      </p:sp>
+      <p:pic>
+        <p:nvPicPr>
+          <p:cNvPr id="8" name="Picture 2"/>
+          <p:cNvPicPr>
+            <a:picLocks noChangeAspect="1" noChangeArrowheads="1"/>
+          </p:cNvPicPr>
+          <p:nvPr/>
+        </p:nvPicPr>
+        <p:blipFill>
+          <a:blip r:embed="rId2" cstate="print"/>
+          <a:srcRect/>
+          <a:stretch>
+            <a:fillRect/>
+          </a:stretch>
+        </p:blipFill>
+        <p:spPr bwMode="auto">
+          <a:xfrm>
+            <a:off x="2123728" y="699542"/>
+            <a:ext cx="5232869" cy="4443958"/>
+          </a:xfrm>
+          <a:prstGeom prst="rect">
+            <a:avLst/>
+          </a:prstGeom>
+          <a:noFill/>
+          <a:ln w="9525">
+            <a:noFill/>
+            <a:miter lim="800000"/>
+            <a:headEnd/>
+            <a:tailEnd/>
+          </a:ln>
+        </p:spPr>
+      </p:pic>
+    </p:spTree>
+    <p:extLst>
+      <p:ext uri="{BB962C8B-B14F-4D97-AF65-F5344CB8AC3E}">
+        <p14:creationId xmlns="" xmlns:p14="http://schemas.microsoft.com/office/powerpoint/2010/main" val="2090594489"/>
+      </p:ext>
+    </p:extLst>
+  </p:cSld>
+  <p:clrMapOvr>
+    <a:masterClrMapping/>
+  </p:clrMapOvr>
+  <p:timing>
+    <p:tnLst>
+      <p:par>
+        <p:cTn id="1" dur="indefinite" restart="never" nodeType="tmRoot"/>
+      </p:par>
+    </p:tnLst>
+  </p:timing>
+</p:sld>
+</file>
+
+<file path=ppt/slides/slide6.xml><?xml version="1.0" encoding="utf-8"?>
 <p:sld xmlns:a="http://schemas.openxmlformats.org/drawingml/2006/main" xmlns:r="http://schemas.openxmlformats.org/officeDocument/2006/relationships" xmlns:p="http://schemas.openxmlformats.org/presentationml/2006/main">
   <p:cSld>
     <p:spTree>
@@ -8499,103 +8806,7 @@
     </p:spTree>
     <p:extLst>
       <p:ext uri="{BB962C8B-B14F-4D97-AF65-F5344CB8AC3E}">
-        <p14:creationId xmlns:p14="http://schemas.microsoft.com/office/powerpoint/2010/main" xmlns="" val="979107610"/>
-      </p:ext>
-    </p:extLst>
-  </p:cSld>
-  <p:clrMapOvr>
-    <a:masterClrMapping/>
-  </p:clrMapOvr>
-  <p:timing>
-    <p:tnLst>
-      <p:par>
-        <p:cTn id="1" dur="indefinite" restart="never" nodeType="tmRoot"/>
-      </p:par>
-    </p:tnLst>
-  </p:timing>
-</p:sld>
-</file>
-
-<file path=ppt/slides/slide6.xml><?xml version="1.0" encoding="utf-8"?>
-<p:sld xmlns:a="http://schemas.openxmlformats.org/drawingml/2006/main" xmlns:r="http://schemas.openxmlformats.org/officeDocument/2006/relationships" xmlns:p="http://schemas.openxmlformats.org/presentationml/2006/main">
-  <p:cSld>
-    <p:spTree>
-      <p:nvGrpSpPr>
-        <p:cNvPr id="1" name=""/>
-        <p:cNvGrpSpPr/>
-        <p:nvPr/>
-      </p:nvGrpSpPr>
-      <p:grpSpPr>
-        <a:xfrm>
-          <a:off x="0" y="0"/>
-          <a:ext cx="0" cy="0"/>
-          <a:chOff x="0" y="0"/>
-          <a:chExt cx="0" cy="0"/>
-        </a:xfrm>
-      </p:grpSpPr>
-      <p:sp>
-        <p:nvSpPr>
-          <p:cNvPr id="3" name="Title 2"/>
-          <p:cNvSpPr>
-            <a:spLocks noGrp="1"/>
-          </p:cNvSpPr>
-          <p:nvPr>
-            <p:ph type="title"/>
-          </p:nvPr>
-        </p:nvSpPr>
-        <p:spPr/>
-        <p:txBody>
-          <a:bodyPr/>
-          <a:lstStyle/>
-          <a:p>
-            <a:r>
-              <a:rPr lang="en-US" dirty="0" smtClean="0">
-                <a:latin typeface="Corbel" pitchFamily="34" charset="0"/>
-              </a:rPr>
-              <a:t> </a:t>
-            </a:r>
-            <a:r>
-              <a:rPr lang="en-US" altLang="ko-KR" dirty="0" smtClean="0">
-                <a:latin typeface="Corbel" pitchFamily="34" charset="0"/>
-              </a:rPr>
-              <a:t>Entity Relationship Diagram</a:t>
-            </a:r>
-            <a:endParaRPr lang="en-US" dirty="0">
-              <a:latin typeface="Corbel" pitchFamily="34" charset="0"/>
-            </a:endParaRPr>
-          </a:p>
-        </p:txBody>
-      </p:sp>
-      <p:pic>
-        <p:nvPicPr>
-          <p:cNvPr id="8" name="Picture 2" descr="C:\Users\BRIONSE\Desktop\Kanen Online ERD.png"/>
-          <p:cNvPicPr>
-            <a:picLocks noChangeAspect="1" noChangeArrowheads="1"/>
-          </p:cNvPicPr>
-          <p:nvPr/>
-        </p:nvPicPr>
-        <p:blipFill>
-          <a:blip r:embed="rId2" cstate="print"/>
-          <a:srcRect/>
-          <a:stretch>
-            <a:fillRect/>
-          </a:stretch>
-        </p:blipFill>
-        <p:spPr bwMode="auto">
-          <a:xfrm>
-            <a:off x="1259632" y="706165"/>
-            <a:ext cx="6767308" cy="4437335"/>
-          </a:xfrm>
-          <a:prstGeom prst="rect">
-            <a:avLst/>
-          </a:prstGeom>
-          <a:noFill/>
-        </p:spPr>
-      </p:pic>
-    </p:spTree>
-    <p:extLst>
-      <p:ext uri="{BB962C8B-B14F-4D97-AF65-F5344CB8AC3E}">
-        <p14:creationId xmlns:p14="http://schemas.microsoft.com/office/powerpoint/2010/main" xmlns="" val="2090594489"/>
+        <p14:creationId xmlns="" xmlns:p14="http://schemas.microsoft.com/office/powerpoint/2010/main" val="979107610"/>
       </p:ext>
     </p:extLst>
   </p:cSld>
@@ -8654,7 +8865,7 @@
               <a:rPr lang="en-US" altLang="ko-KR" dirty="0" smtClean="0">
                 <a:latin typeface="Corbel" pitchFamily="34" charset="0"/>
               </a:rPr>
-              <a:t>Sequence Diagram</a:t>
+              <a:t>Entity Relationship Diagram</a:t>
             </a:r>
             <a:endParaRPr lang="en-US" dirty="0">
               <a:latin typeface="Corbel" pitchFamily="34" charset="0"/>
@@ -8664,7 +8875,7 @@
       </p:sp>
       <p:pic>
         <p:nvPicPr>
-          <p:cNvPr id="2050" name="Picture 2" descr="D:\My Documents\Group3Projects\W6 Project\uml\W6_Project_Sequence.jpg"/>
+          <p:cNvPr id="8" name="Picture 2" descr="C:\Users\BRIONSE\Desktop\Kanen Online ERD.png"/>
           <p:cNvPicPr>
             <a:picLocks noChangeAspect="1" noChangeArrowheads="1"/>
           </p:cNvPicPr>
@@ -8679,8 +8890,8 @@
         </p:blipFill>
         <p:spPr bwMode="auto">
           <a:xfrm>
-            <a:off x="1660087" y="771550"/>
-            <a:ext cx="4950222" cy="4371949"/>
+            <a:off x="1259632" y="706165"/>
+            <a:ext cx="6767308" cy="4437335"/>
           </a:xfrm>
           <a:prstGeom prst="rect">
             <a:avLst/>
@@ -8691,7 +8902,7 @@
     </p:spTree>
     <p:extLst>
       <p:ext uri="{BB962C8B-B14F-4D97-AF65-F5344CB8AC3E}">
-        <p14:creationId xmlns:p14="http://schemas.microsoft.com/office/powerpoint/2010/main" xmlns="" val="2090594489"/>
+        <p14:creationId xmlns="" xmlns:p14="http://schemas.microsoft.com/office/powerpoint/2010/main" val="2090594489"/>
       </p:ext>
     </p:extLst>
   </p:cSld>
@@ -8735,6 +8946,102 @@
             <p:ph type="title"/>
           </p:nvPr>
         </p:nvSpPr>
+        <p:spPr/>
+        <p:txBody>
+          <a:bodyPr/>
+          <a:lstStyle/>
+          <a:p>
+            <a:r>
+              <a:rPr lang="en-US" dirty="0" smtClean="0">
+                <a:latin typeface="Corbel" pitchFamily="34" charset="0"/>
+              </a:rPr>
+              <a:t> </a:t>
+            </a:r>
+            <a:r>
+              <a:rPr lang="en-US" altLang="ko-KR" dirty="0" smtClean="0">
+                <a:latin typeface="Corbel" pitchFamily="34" charset="0"/>
+              </a:rPr>
+              <a:t>Sequence Diagram</a:t>
+            </a:r>
+            <a:endParaRPr lang="en-US" dirty="0">
+              <a:latin typeface="Corbel" pitchFamily="34" charset="0"/>
+            </a:endParaRPr>
+          </a:p>
+        </p:txBody>
+      </p:sp>
+      <p:pic>
+        <p:nvPicPr>
+          <p:cNvPr id="2050" name="Picture 2" descr="D:\My Documents\Group3Projects\W6 Project\uml\W6_Project_Sequence.jpg"/>
+          <p:cNvPicPr>
+            <a:picLocks noChangeAspect="1" noChangeArrowheads="1"/>
+          </p:cNvPicPr>
+          <p:nvPr/>
+        </p:nvPicPr>
+        <p:blipFill>
+          <a:blip r:embed="rId2" cstate="print"/>
+          <a:srcRect/>
+          <a:stretch>
+            <a:fillRect/>
+          </a:stretch>
+        </p:blipFill>
+        <p:spPr bwMode="auto">
+          <a:xfrm>
+            <a:off x="1660087" y="771550"/>
+            <a:ext cx="4950222" cy="4371949"/>
+          </a:xfrm>
+          <a:prstGeom prst="rect">
+            <a:avLst/>
+          </a:prstGeom>
+          <a:noFill/>
+        </p:spPr>
+      </p:pic>
+    </p:spTree>
+    <p:extLst>
+      <p:ext uri="{BB962C8B-B14F-4D97-AF65-F5344CB8AC3E}">
+        <p14:creationId xmlns="" xmlns:p14="http://schemas.microsoft.com/office/powerpoint/2010/main" val="2090594489"/>
+      </p:ext>
+    </p:extLst>
+  </p:cSld>
+  <p:clrMapOvr>
+    <a:masterClrMapping/>
+  </p:clrMapOvr>
+  <p:timing>
+    <p:tnLst>
+      <p:par>
+        <p:cTn id="1" dur="indefinite" restart="never" nodeType="tmRoot"/>
+      </p:par>
+    </p:tnLst>
+  </p:timing>
+</p:sld>
+</file>
+
+<file path=ppt/slides/slide9.xml><?xml version="1.0" encoding="utf-8"?>
+<p:sld xmlns:a="http://schemas.openxmlformats.org/drawingml/2006/main" xmlns:r="http://schemas.openxmlformats.org/officeDocument/2006/relationships" xmlns:p="http://schemas.openxmlformats.org/presentationml/2006/main">
+  <p:cSld>
+    <p:spTree>
+      <p:nvGrpSpPr>
+        <p:cNvPr id="1" name=""/>
+        <p:cNvGrpSpPr/>
+        <p:nvPr/>
+      </p:nvGrpSpPr>
+      <p:grpSpPr>
+        <a:xfrm>
+          <a:off x="0" y="0"/>
+          <a:ext cx="0" cy="0"/>
+          <a:chOff x="0" y="0"/>
+          <a:chExt cx="0" cy="0"/>
+        </a:xfrm>
+      </p:grpSpPr>
+      <p:sp>
+        <p:nvSpPr>
+          <p:cNvPr id="3" name="Title 2"/>
+          <p:cNvSpPr>
+            <a:spLocks noGrp="1"/>
+          </p:cNvSpPr>
+          <p:nvPr>
+            <p:ph type="title"/>
+          </p:nvPr>
+        </p:nvSpPr>
         <p:spPr>
           <a:xfrm>
             <a:off x="1619672" y="0"/>
@@ -8786,101 +9093,7 @@
     </p:spTree>
     <p:extLst>
       <p:ext uri="{BB962C8B-B14F-4D97-AF65-F5344CB8AC3E}">
-        <p14:creationId xmlns:p14="http://schemas.microsoft.com/office/powerpoint/2010/main" xmlns="" val="979107610"/>
-      </p:ext>
-    </p:extLst>
-  </p:cSld>
-  <p:clrMapOvr>
-    <a:masterClrMapping/>
-  </p:clrMapOvr>
-</p:sld>
-</file>
-
-<file path=ppt/slides/slide9.xml><?xml version="1.0" encoding="utf-8"?>
-<p:sld xmlns:a="http://schemas.openxmlformats.org/drawingml/2006/main" xmlns:r="http://schemas.openxmlformats.org/officeDocument/2006/relationships" xmlns:p="http://schemas.openxmlformats.org/presentationml/2006/main">
-  <p:cSld>
-    <p:spTree>
-      <p:nvGrpSpPr>
-        <p:cNvPr id="1" name=""/>
-        <p:cNvGrpSpPr/>
-        <p:nvPr/>
-      </p:nvGrpSpPr>
-      <p:grpSpPr>
-        <a:xfrm>
-          <a:off x="0" y="0"/>
-          <a:ext cx="0" cy="0"/>
-          <a:chOff x="0" y="0"/>
-          <a:chExt cx="0" cy="0"/>
-        </a:xfrm>
-      </p:grpSpPr>
-      <p:sp>
-        <p:nvSpPr>
-          <p:cNvPr id="3" name="Title 2"/>
-          <p:cNvSpPr>
-            <a:spLocks noGrp="1"/>
-          </p:cNvSpPr>
-          <p:nvPr>
-            <p:ph type="title"/>
-          </p:nvPr>
-        </p:nvSpPr>
-        <p:spPr>
-          <a:xfrm>
-            <a:off x="1619672" y="0"/>
-            <a:ext cx="6840760" cy="524426"/>
-          </a:xfrm>
-        </p:spPr>
-        <p:txBody>
-          <a:bodyPr/>
-          <a:lstStyle/>
-          <a:p>
-            <a:r>
-              <a:rPr lang="en-US" altLang="ko-KR" dirty="0" smtClean="0">
-                <a:latin typeface="Corbel" pitchFamily="34" charset="0"/>
-              </a:rPr>
-              <a:t>Class Diagram - DAOs</a:t>
-            </a:r>
-            <a:endParaRPr lang="ko-KR" altLang="en-US" dirty="0">
-              <a:latin typeface="Corbel" pitchFamily="34" charset="0"/>
-            </a:endParaRPr>
-          </a:p>
-        </p:txBody>
-      </p:sp>
-      <p:pic>
-        <p:nvPicPr>
-          <p:cNvPr id="3074" name="Picture 2"/>
-          <p:cNvPicPr>
-            <a:picLocks noChangeAspect="1" noChangeArrowheads="1"/>
-          </p:cNvPicPr>
-          <p:nvPr/>
-        </p:nvPicPr>
-        <p:blipFill>
-          <a:blip r:embed="rId2" cstate="print"/>
-          <a:srcRect/>
-          <a:stretch>
-            <a:fillRect/>
-          </a:stretch>
-        </p:blipFill>
-        <p:spPr bwMode="auto">
-          <a:xfrm>
-            <a:off x="1835696" y="627534"/>
-            <a:ext cx="5832648" cy="4329756"/>
-          </a:xfrm>
-          <a:prstGeom prst="rect">
-            <a:avLst/>
-          </a:prstGeom>
-          <a:noFill/>
-          <a:ln w="9525">
-            <a:noFill/>
-            <a:miter lim="800000"/>
-            <a:headEnd/>
-            <a:tailEnd/>
-          </a:ln>
-        </p:spPr>
-      </p:pic>
-    </p:spTree>
-    <p:extLst>
-      <p:ext uri="{BB962C8B-B14F-4D97-AF65-F5344CB8AC3E}">
-        <p14:creationId xmlns:p14="http://schemas.microsoft.com/office/powerpoint/2010/main" xmlns="" val="979107610"/>
+        <p14:creationId xmlns="" xmlns:p14="http://schemas.microsoft.com/office/powerpoint/2010/main" val="979107610"/>
       </p:ext>
     </p:extLst>
   </p:cSld>

--- a/W6 Project/KanenOnlineShopping.pptx
+++ b/W6 Project/KanenOnlineShopping.pptx
@@ -154,7 +154,7 @@
     </p:spTree>
     <p:extLst>
       <p:ext uri="{BB962C8B-B14F-4D97-AF65-F5344CB8AC3E}">
-        <p14:creationId xmlns:p14="http://schemas.microsoft.com/office/powerpoint/2010/main" xmlns="" val="2219768511"/>
+        <p14:creationId xmlns="" xmlns:p14="http://schemas.microsoft.com/office/powerpoint/2010/main" val="2219768511"/>
       </p:ext>
     </p:extLst>
   </p:cSld>
@@ -251,7 +251,7 @@
     </p:spTree>
     <p:extLst>
       <p:ext uri="{BB962C8B-B14F-4D97-AF65-F5344CB8AC3E}">
-        <p14:creationId xmlns:p14="http://schemas.microsoft.com/office/powerpoint/2010/main" xmlns="" val="2403535400"/>
+        <p14:creationId xmlns="" xmlns:p14="http://schemas.microsoft.com/office/powerpoint/2010/main" val="2403535400"/>
       </p:ext>
     </p:extLst>
   </p:cSld>
@@ -530,7 +530,7 @@
     </p:spTree>
     <p:extLst>
       <p:ext uri="{BB962C8B-B14F-4D97-AF65-F5344CB8AC3E}">
-        <p14:creationId xmlns:p14="http://schemas.microsoft.com/office/powerpoint/2010/main" xmlns="" val="501824940"/>
+        <p14:creationId xmlns="" xmlns:p14="http://schemas.microsoft.com/office/powerpoint/2010/main" val="501824940"/>
       </p:ext>
     </p:extLst>
   </p:cSld>
@@ -785,7 +785,7 @@
     </p:spTree>
     <p:extLst>
       <p:ext uri="{BB962C8B-B14F-4D97-AF65-F5344CB8AC3E}">
-        <p14:creationId xmlns:p14="http://schemas.microsoft.com/office/powerpoint/2010/main" xmlns="" val="722440911"/>
+        <p14:creationId xmlns="" xmlns:p14="http://schemas.microsoft.com/office/powerpoint/2010/main" val="722440911"/>
       </p:ext>
     </p:extLst>
   </p:cSld>
@@ -957,7 +957,7 @@
     </p:spTree>
     <p:extLst>
       <p:ext uri="{BB962C8B-B14F-4D97-AF65-F5344CB8AC3E}">
-        <p14:creationId xmlns:p14="http://schemas.microsoft.com/office/powerpoint/2010/main" xmlns="" val="2810871693"/>
+        <p14:creationId xmlns="" xmlns:p14="http://schemas.microsoft.com/office/powerpoint/2010/main" val="2810871693"/>
       </p:ext>
     </p:extLst>
   </p:cSld>
@@ -1139,7 +1139,7 @@
     </p:spTree>
     <p:extLst>
       <p:ext uri="{BB962C8B-B14F-4D97-AF65-F5344CB8AC3E}">
-        <p14:creationId xmlns:p14="http://schemas.microsoft.com/office/powerpoint/2010/main" xmlns="" val="4240091250"/>
+        <p14:creationId xmlns="" xmlns:p14="http://schemas.microsoft.com/office/powerpoint/2010/main" val="4240091250"/>
       </p:ext>
     </p:extLst>
   </p:cSld>
@@ -1183,7 +1183,7 @@
     </p:spTree>
     <p:extLst>
       <p:ext uri="{BB962C8B-B14F-4D97-AF65-F5344CB8AC3E}">
-        <p14:creationId xmlns:p14="http://schemas.microsoft.com/office/powerpoint/2010/main" xmlns="" val="2219768511"/>
+        <p14:creationId xmlns="" xmlns:p14="http://schemas.microsoft.com/office/powerpoint/2010/main" val="2219768511"/>
       </p:ext>
     </p:extLst>
   </p:cSld>
@@ -1358,7 +1358,7 @@
     </p:spTree>
     <p:extLst>
       <p:ext uri="{BB962C8B-B14F-4D97-AF65-F5344CB8AC3E}">
-        <p14:creationId xmlns:p14="http://schemas.microsoft.com/office/powerpoint/2010/main" xmlns="" val="1146943780"/>
+        <p14:creationId xmlns="" xmlns:p14="http://schemas.microsoft.com/office/powerpoint/2010/main" val="1146943780"/>
       </p:ext>
     </p:extLst>
   </p:cSld>
@@ -1536,7 +1536,7 @@
     </p:spTree>
     <p:extLst>
       <p:ext uri="{BB962C8B-B14F-4D97-AF65-F5344CB8AC3E}">
-        <p14:creationId xmlns:p14="http://schemas.microsoft.com/office/powerpoint/2010/main" xmlns="" val="922808211"/>
+        <p14:creationId xmlns="" xmlns:p14="http://schemas.microsoft.com/office/powerpoint/2010/main" val="922808211"/>
       </p:ext>
     </p:extLst>
   </p:cSld>
@@ -1714,7 +1714,7 @@
     </p:spTree>
     <p:extLst>
       <p:ext uri="{BB962C8B-B14F-4D97-AF65-F5344CB8AC3E}">
-        <p14:creationId xmlns:p14="http://schemas.microsoft.com/office/powerpoint/2010/main" xmlns="" val="1146943780"/>
+        <p14:creationId xmlns="" xmlns:p14="http://schemas.microsoft.com/office/powerpoint/2010/main" val="1146943780"/>
       </p:ext>
     </p:extLst>
   </p:cSld>
@@ -1892,7 +1892,7 @@
     </p:spTree>
     <p:extLst>
       <p:ext uri="{BB962C8B-B14F-4D97-AF65-F5344CB8AC3E}">
-        <p14:creationId xmlns:p14="http://schemas.microsoft.com/office/powerpoint/2010/main" xmlns="" val="922808211"/>
+        <p14:creationId xmlns="" xmlns:p14="http://schemas.microsoft.com/office/powerpoint/2010/main" val="922808211"/>
       </p:ext>
     </p:extLst>
   </p:cSld>
@@ -2136,7 +2136,7 @@
     </p:spTree>
     <p:extLst>
       <p:ext uri="{BB962C8B-B14F-4D97-AF65-F5344CB8AC3E}">
-        <p14:creationId xmlns:p14="http://schemas.microsoft.com/office/powerpoint/2010/main" xmlns="" val="1895959501"/>
+        <p14:creationId xmlns="" xmlns:p14="http://schemas.microsoft.com/office/powerpoint/2010/main" val="1895959501"/>
       </p:ext>
     </p:extLst>
   </p:cSld>
@@ -2308,7 +2308,7 @@
     </p:spTree>
     <p:extLst>
       <p:ext uri="{BB962C8B-B14F-4D97-AF65-F5344CB8AC3E}">
-        <p14:creationId xmlns:p14="http://schemas.microsoft.com/office/powerpoint/2010/main" xmlns="" val="815133034"/>
+        <p14:creationId xmlns="" xmlns:p14="http://schemas.microsoft.com/office/powerpoint/2010/main" val="815133034"/>
       </p:ext>
     </p:extLst>
   </p:cSld>
@@ -2556,7 +2556,7 @@
     </p:spTree>
     <p:extLst>
       <p:ext uri="{BB962C8B-B14F-4D97-AF65-F5344CB8AC3E}">
-        <p14:creationId xmlns:p14="http://schemas.microsoft.com/office/powerpoint/2010/main" xmlns="" val="1860431105"/>
+        <p14:creationId xmlns="" xmlns:p14="http://schemas.microsoft.com/office/powerpoint/2010/main" val="1860431105"/>
       </p:ext>
     </p:extLst>
   </p:cSld>
@@ -2846,7 +2846,7 @@
     </p:spTree>
     <p:extLst>
       <p:ext uri="{BB962C8B-B14F-4D97-AF65-F5344CB8AC3E}">
-        <p14:creationId xmlns:p14="http://schemas.microsoft.com/office/powerpoint/2010/main" xmlns="" val="3505802917"/>
+        <p14:creationId xmlns="" xmlns:p14="http://schemas.microsoft.com/office/powerpoint/2010/main" val="3505802917"/>
       </p:ext>
     </p:extLst>
   </p:cSld>
@@ -3270,7 +3270,7 @@
     </p:spTree>
     <p:extLst>
       <p:ext uri="{BB962C8B-B14F-4D97-AF65-F5344CB8AC3E}">
-        <p14:creationId xmlns:p14="http://schemas.microsoft.com/office/powerpoint/2010/main" xmlns="" val="3538794029"/>
+        <p14:creationId xmlns="" xmlns:p14="http://schemas.microsoft.com/office/powerpoint/2010/main" val="3538794029"/>
       </p:ext>
     </p:extLst>
   </p:cSld>
@@ -3390,7 +3390,7 @@
     </p:spTree>
     <p:extLst>
       <p:ext uri="{BB962C8B-B14F-4D97-AF65-F5344CB8AC3E}">
-        <p14:creationId xmlns:p14="http://schemas.microsoft.com/office/powerpoint/2010/main" xmlns="" val="1150510990"/>
+        <p14:creationId xmlns="" xmlns:p14="http://schemas.microsoft.com/office/powerpoint/2010/main" val="1150510990"/>
       </p:ext>
     </p:extLst>
   </p:cSld>
@@ -3428,7 +3428,7 @@
     </p:spTree>
     <p:extLst>
       <p:ext uri="{BB962C8B-B14F-4D97-AF65-F5344CB8AC3E}">
-        <p14:creationId xmlns:p14="http://schemas.microsoft.com/office/powerpoint/2010/main" xmlns="" val="4252391796"/>
+        <p14:creationId xmlns="" xmlns:p14="http://schemas.microsoft.com/office/powerpoint/2010/main" val="4252391796"/>
       </p:ext>
     </p:extLst>
   </p:cSld>
@@ -3932,7 +3932,7 @@
     </p:spTree>
     <p:extLst>
       <p:ext uri="{BB962C8B-B14F-4D97-AF65-F5344CB8AC3E}">
-        <p14:creationId xmlns:p14="http://schemas.microsoft.com/office/powerpoint/2010/main" xmlns="" val="2621239905"/>
+        <p14:creationId xmlns="" xmlns:p14="http://schemas.microsoft.com/office/powerpoint/2010/main" val="2621239905"/>
       </p:ext>
     </p:extLst>
   </p:cSld>
@@ -4231,7 +4231,7 @@
     </p:spTree>
     <p:extLst>
       <p:ext uri="{BB962C8B-B14F-4D97-AF65-F5344CB8AC3E}">
-        <p14:creationId xmlns:p14="http://schemas.microsoft.com/office/powerpoint/2010/main" xmlns="" val="4252391796"/>
+        <p14:creationId xmlns="" xmlns:p14="http://schemas.microsoft.com/office/powerpoint/2010/main" val="4252391796"/>
       </p:ext>
     </p:extLst>
   </p:cSld>
@@ -4838,7 +4838,7 @@
     </p:spTree>
     <p:extLst>
       <p:ext uri="{BB962C8B-B14F-4D97-AF65-F5344CB8AC3E}">
-        <p14:creationId xmlns:p14="http://schemas.microsoft.com/office/powerpoint/2010/main" xmlns="" val="303447833"/>
+        <p14:creationId xmlns="" xmlns:p14="http://schemas.microsoft.com/office/powerpoint/2010/main" val="303447833"/>
       </p:ext>
     </p:extLst>
   </p:cSld>
@@ -4903,7 +4903,7 @@
     </p:spTree>
     <p:extLst>
       <p:ext uri="{BB962C8B-B14F-4D97-AF65-F5344CB8AC3E}">
-        <p14:creationId xmlns:p14="http://schemas.microsoft.com/office/powerpoint/2010/main" xmlns="" val="979107610"/>
+        <p14:creationId xmlns="" xmlns:p14="http://schemas.microsoft.com/office/powerpoint/2010/main" val="979107610"/>
       </p:ext>
     </p:extLst>
   </p:cSld>
@@ -5184,7 +5184,7 @@
     </p:spTree>
     <p:extLst>
       <p:ext uri="{BB962C8B-B14F-4D97-AF65-F5344CB8AC3E}">
-        <p14:creationId xmlns:p14="http://schemas.microsoft.com/office/powerpoint/2010/main" xmlns="" val="979107610"/>
+        <p14:creationId xmlns="" xmlns:p14="http://schemas.microsoft.com/office/powerpoint/2010/main" val="979107610"/>
       </p:ext>
     </p:extLst>
   </p:cSld>
@@ -5246,7 +5246,7 @@
     </p:spTree>
     <p:extLst>
       <p:ext uri="{BB962C8B-B14F-4D97-AF65-F5344CB8AC3E}">
-        <p14:creationId xmlns:p14="http://schemas.microsoft.com/office/powerpoint/2010/main" xmlns="" val="979107610"/>
+        <p14:creationId xmlns="" xmlns:p14="http://schemas.microsoft.com/office/powerpoint/2010/main" val="979107610"/>
       </p:ext>
     </p:extLst>
   </p:cSld>
@@ -5771,8 +5771,149 @@
                 <a:ea typeface="+mn-ea"/>
                 <a:cs typeface="Arial" pitchFamily="34" charset="0"/>
               </a:rPr>
-              <a:t> Blacklist users</a:t>
-            </a:r>
+              <a:t> </a:t>
+            </a:r>
+            <a:r>
+              <a:rPr kumimoji="0" lang="en-US" altLang="ko-KR" sz="1400" b="0" i="0" u="none" strike="noStrike" kern="1200" cap="none" spc="0" normalizeH="0" noProof="0" dirty="0" smtClean="0">
+                <a:ln>
+                  <a:noFill/>
+                </a:ln>
+                <a:solidFill>
+                  <a:schemeClr val="tx1">
+                    <a:lumMod val="75000"/>
+                    <a:lumOff val="25000"/>
+                  </a:schemeClr>
+                </a:solidFill>
+                <a:effectLst/>
+                <a:uLnTx/>
+                <a:uFillTx/>
+                <a:latin typeface="Arial" pitchFamily="34" charset="0"/>
+                <a:ea typeface="+mn-ea"/>
+                <a:cs typeface="Arial" pitchFamily="34" charset="0"/>
+              </a:rPr>
+              <a:t>User maintenance</a:t>
+            </a:r>
+          </a:p>
+          <a:p>
+            <a:pPr marL="0" marR="0" lvl="0" indent="0" algn="l" defTabSz="914400" rtl="0" eaLnBrk="1" fontAlgn="auto" latinLnBrk="1" hangingPunct="1">
+              <a:lnSpc>
+                <a:spcPct val="100000"/>
+              </a:lnSpc>
+              <a:spcBef>
+                <a:spcPct val="20000"/>
+              </a:spcBef>
+              <a:spcAft>
+                <a:spcPts val="0"/>
+              </a:spcAft>
+              <a:buClrTx/>
+              <a:buSzTx/>
+              <a:buFont typeface="Arial" pitchFamily="34" charset="0"/>
+              <a:buChar char="•"/>
+              <a:tabLst/>
+              <a:defRPr/>
+            </a:pPr>
+            <a:r>
+              <a:rPr lang="en-US" altLang="ko-KR" sz="1400" noProof="0" dirty="0" smtClean="0">
+                <a:solidFill>
+                  <a:schemeClr val="tx1">
+                    <a:lumMod val="75000"/>
+                    <a:lumOff val="25000"/>
+                  </a:schemeClr>
+                </a:solidFill>
+                <a:latin typeface="Arial" pitchFamily="34" charset="0"/>
+                <a:cs typeface="Arial" pitchFamily="34" charset="0"/>
+              </a:rPr>
+              <a:t> </a:t>
+            </a:r>
+            <a:r>
+              <a:rPr lang="en-US" altLang="ko-KR" sz="1400" noProof="0" dirty="0" smtClean="0">
+                <a:solidFill>
+                  <a:schemeClr val="tx1">
+                    <a:lumMod val="75000"/>
+                    <a:lumOff val="25000"/>
+                  </a:schemeClr>
+                </a:solidFill>
+                <a:latin typeface="Arial" pitchFamily="34" charset="0"/>
+                <a:cs typeface="Arial" pitchFamily="34" charset="0"/>
+              </a:rPr>
+              <a:t>View product comments</a:t>
+            </a:r>
+          </a:p>
+          <a:p>
+            <a:pPr marL="0" marR="0" lvl="0" indent="0" algn="l" defTabSz="914400" rtl="0" eaLnBrk="1" fontAlgn="auto" latinLnBrk="1" hangingPunct="1">
+              <a:lnSpc>
+                <a:spcPct val="100000"/>
+              </a:lnSpc>
+              <a:spcBef>
+                <a:spcPct val="20000"/>
+              </a:spcBef>
+              <a:spcAft>
+                <a:spcPts val="0"/>
+              </a:spcAft>
+              <a:buClrTx/>
+              <a:buSzTx/>
+              <a:buFont typeface="Arial" pitchFamily="34" charset="0"/>
+              <a:buChar char="•"/>
+              <a:tabLst/>
+              <a:defRPr/>
+            </a:pPr>
+            <a:r>
+              <a:rPr kumimoji="0" lang="en-US" altLang="ko-KR" sz="1400" b="0" i="0" u="none" strike="noStrike" kern="1200" cap="none" spc="0" normalizeH="0" dirty="0" smtClean="0">
+                <a:ln>
+                  <a:noFill/>
+                </a:ln>
+                <a:solidFill>
+                  <a:schemeClr val="tx1">
+                    <a:lumMod val="75000"/>
+                    <a:lumOff val="25000"/>
+                  </a:schemeClr>
+                </a:solidFill>
+                <a:effectLst/>
+                <a:uLnTx/>
+                <a:uFillTx/>
+                <a:latin typeface="Arial" pitchFamily="34" charset="0"/>
+                <a:ea typeface="+mn-ea"/>
+                <a:cs typeface="Arial" pitchFamily="34" charset="0"/>
+              </a:rPr>
+              <a:t> </a:t>
+            </a:r>
+            <a:r>
+              <a:rPr kumimoji="0" lang="en-US" altLang="ko-KR" sz="1400" b="0" i="0" u="none" strike="noStrike" kern="1200" cap="none" spc="0" normalizeH="0" dirty="0" smtClean="0">
+                <a:ln>
+                  <a:noFill/>
+                </a:ln>
+                <a:solidFill>
+                  <a:schemeClr val="tx1">
+                    <a:lumMod val="75000"/>
+                    <a:lumOff val="25000"/>
+                  </a:schemeClr>
+                </a:solidFill>
+                <a:effectLst/>
+                <a:uLnTx/>
+                <a:uFillTx/>
+                <a:latin typeface="Arial" pitchFamily="34" charset="0"/>
+                <a:ea typeface="+mn-ea"/>
+                <a:cs typeface="Arial" pitchFamily="34" charset="0"/>
+              </a:rPr>
+              <a:t>Order maintenance</a:t>
+            </a:r>
+            <a:endParaRPr kumimoji="0" lang="en-US" altLang="ko-KR" sz="1400" b="0" i="0" u="none" strike="noStrike" kern="1200" cap="none" spc="0" normalizeH="0" noProof="0" dirty="0" smtClean="0">
+              <a:ln>
+                <a:noFill/>
+              </a:ln>
+              <a:solidFill>
+                <a:schemeClr val="tx1">
+                  <a:lumMod val="75000"/>
+                  <a:lumOff val="25000"/>
+                </a:schemeClr>
+              </a:solidFill>
+              <a:effectLst/>
+              <a:uLnTx/>
+              <a:uFillTx/>
+              <a:latin typeface="Arial" pitchFamily="34" charset="0"/>
+              <a:ea typeface="+mn-ea"/>
+              <a:cs typeface="Arial" pitchFamily="34" charset="0"/>
+            </a:endParaRPr>
           </a:p>
           <a:p>
             <a:pPr marL="0" marR="0" lvl="0" indent="0" algn="l" defTabSz="914400" rtl="0" eaLnBrk="1" fontAlgn="auto" latinLnBrk="1" hangingPunct="1">
@@ -5942,7 +6083,7 @@
     </p:spTree>
     <p:extLst>
       <p:ext uri="{BB962C8B-B14F-4D97-AF65-F5344CB8AC3E}">
-        <p14:creationId xmlns:p14="http://schemas.microsoft.com/office/powerpoint/2010/main" xmlns="" val="2090594489"/>
+        <p14:creationId xmlns="" xmlns:p14="http://schemas.microsoft.com/office/powerpoint/2010/main" val="2090594489"/>
       </p:ext>
     </p:extLst>
   </p:cSld>
@@ -6833,7 +6974,20 @@
                 <a:latin typeface="Arial" pitchFamily="34" charset="0"/>
                 <a:cs typeface="Arial" pitchFamily="34" charset="0"/>
               </a:rPr>
-              <a:t>load on login</a:t>
+              <a:t>load on </a:t>
+            </a:r>
+            <a:r>
+              <a:rPr lang="en-US" altLang="ko-KR" sz="1400" baseline="0" dirty="0" smtClean="0">
+                <a:solidFill>
+                  <a:schemeClr val="tx1">
+                    <a:lumMod val="75000"/>
+                    <a:lumOff val="25000"/>
+                  </a:schemeClr>
+                </a:solidFill>
+                <a:latin typeface="Arial" pitchFamily="34" charset="0"/>
+                <a:cs typeface="Arial" pitchFamily="34" charset="0"/>
+              </a:rPr>
+              <a:t>login</a:t>
             </a:r>
           </a:p>
           <a:p>
@@ -6855,6 +7009,61 @@
               <a:defRPr/>
             </a:pPr>
             <a:r>
+              <a:rPr lang="en-US" altLang="ko-KR" sz="1400" dirty="0" smtClean="0">
+                <a:solidFill>
+                  <a:schemeClr val="tx1">
+                    <a:lumMod val="75000"/>
+                    <a:lumOff val="25000"/>
+                  </a:schemeClr>
+                </a:solidFill>
+                <a:latin typeface="Arial" pitchFamily="34" charset="0"/>
+                <a:cs typeface="Arial" pitchFamily="34" charset="0"/>
+              </a:rPr>
+              <a:t> </a:t>
+            </a:r>
+            <a:r>
+              <a:rPr lang="en-US" altLang="ko-KR" sz="1400" dirty="0" smtClean="0">
+                <a:solidFill>
+                  <a:schemeClr val="tx1">
+                    <a:lumMod val="75000"/>
+                    <a:lumOff val="25000"/>
+                  </a:schemeClr>
+                </a:solidFill>
+                <a:latin typeface="Arial" pitchFamily="34" charset="0"/>
+                <a:cs typeface="Arial" pitchFamily="34" charset="0"/>
+              </a:rPr>
+              <a:t>remove cart</a:t>
+            </a:r>
+            <a:endParaRPr lang="en-US" altLang="ko-KR" sz="1400" baseline="0" dirty="0" smtClean="0">
+              <a:solidFill>
+                <a:schemeClr val="tx1">
+                  <a:lumMod val="75000"/>
+                  <a:lumOff val="25000"/>
+                </a:schemeClr>
+              </a:solidFill>
+              <a:latin typeface="Arial" pitchFamily="34" charset="0"/>
+              <a:cs typeface="Arial" pitchFamily="34" charset="0"/>
+            </a:endParaRPr>
+          </a:p>
+          <a:p>
+            <a:pPr marL="0" marR="0" lvl="0" indent="0" algn="l" defTabSz="914400" rtl="0" eaLnBrk="1" fontAlgn="auto" latinLnBrk="1" hangingPunct="1">
+              <a:lnSpc>
+                <a:spcPct val="100000"/>
+              </a:lnSpc>
+              <a:spcBef>
+                <a:spcPct val="20000"/>
+              </a:spcBef>
+              <a:spcAft>
+                <a:spcPts val="0"/>
+              </a:spcAft>
+              <a:buClrTx/>
+              <a:buSzTx/>
+              <a:buFont typeface="Arial" pitchFamily="34" charset="0"/>
+              <a:buChar char="•"/>
+              <a:tabLst/>
+              <a:defRPr/>
+            </a:pPr>
+            <a:r>
               <a:rPr kumimoji="0" lang="en-US" altLang="ko-KR" sz="1400" b="0" i="0" u="none" strike="noStrike" kern="1200" cap="none" spc="0" normalizeH="0" noProof="0" dirty="0" smtClean="0">
                 <a:ln>
                   <a:noFill/>
@@ -7242,16 +7451,36 @@
                 <a:latin typeface="Arial" pitchFamily="34" charset="0"/>
                 <a:cs typeface="Arial" pitchFamily="34" charset="0"/>
               </a:rPr>
-              <a:t> – form, controller and DAO</a:t>
-            </a:r>
-            <a:endParaRPr lang="en-US" altLang="ko-KR" sz="1400" baseline="0" dirty="0" smtClean="0">
+              <a:t> – form, controller and </a:t>
+            </a:r>
+            <a:r>
+              <a:rPr lang="en-US" altLang="ko-KR" sz="1400" dirty="0" smtClean="0">
+                <a:solidFill>
+                  <a:schemeClr val="tx1">
+                    <a:lumMod val="75000"/>
+                    <a:lumOff val="25000"/>
+                  </a:schemeClr>
+                </a:solidFill>
+                <a:latin typeface="Arial" pitchFamily="34" charset="0"/>
+                <a:cs typeface="Arial" pitchFamily="34" charset="0"/>
+              </a:rPr>
+              <a:t>DAO</a:t>
+            </a:r>
+            <a:endParaRPr kumimoji="0" lang="en-US" altLang="ko-KR" sz="1400" b="0" i="0" u="none" strike="noStrike" kern="1200" cap="none" spc="0" normalizeH="0" noProof="0" dirty="0" smtClean="0">
+              <a:ln>
+                <a:noFill/>
+              </a:ln>
               <a:solidFill>
                 <a:schemeClr val="tx1">
                   <a:lumMod val="75000"/>
                   <a:lumOff val="25000"/>
                 </a:schemeClr>
               </a:solidFill>
+              <a:effectLst/>
+              <a:uLnTx/>
+              <a:uFillTx/>
               <a:latin typeface="Arial" pitchFamily="34" charset="0"/>
+              <a:ea typeface="+mn-ea"/>
               <a:cs typeface="Arial" pitchFamily="34" charset="0"/>
             </a:endParaRPr>
           </a:p>
@@ -7274,24 +7503,105 @@
               <a:defRPr/>
             </a:pPr>
             <a:r>
-              <a:rPr kumimoji="0" lang="en-US" altLang="ko-KR" sz="1400" b="0" i="0" u="none" strike="noStrike" kern="1200" cap="none" spc="0" normalizeH="0" noProof="0" dirty="0" smtClean="0">
-                <a:ln>
-                  <a:noFill/>
-                </a:ln>
+              <a:rPr lang="en-US" altLang="ko-KR" sz="1400" noProof="0" dirty="0" smtClean="0">
                 <a:solidFill>
                   <a:schemeClr val="tx1">
                     <a:lumMod val="75000"/>
                     <a:lumOff val="25000"/>
                   </a:schemeClr>
                 </a:solidFill>
-                <a:effectLst/>
-                <a:uLnTx/>
-                <a:uFillTx/>
                 <a:latin typeface="Arial" pitchFamily="34" charset="0"/>
-                <a:ea typeface="+mn-ea"/>
-                <a:cs typeface="Arial" pitchFamily="34" charset="0"/>
-              </a:rPr>
-              <a:t> Membership Type controller</a:t>
+                <a:cs typeface="Arial" pitchFamily="34" charset="0"/>
+              </a:rPr>
+              <a:t> </a:t>
+            </a:r>
+            <a:r>
+              <a:rPr lang="en-US" altLang="ko-KR" sz="1400" noProof="0" dirty="0" smtClean="0">
+                <a:solidFill>
+                  <a:schemeClr val="tx1">
+                    <a:lumMod val="75000"/>
+                    <a:lumOff val="25000"/>
+                  </a:schemeClr>
+                </a:solidFill>
+                <a:latin typeface="Arial" pitchFamily="34" charset="0"/>
+                <a:cs typeface="Arial" pitchFamily="34" charset="0"/>
+              </a:rPr>
+              <a:t>M</a:t>
+            </a:r>
+            <a:r>
+              <a:rPr lang="en-US" altLang="ko-KR" sz="1400" dirty="0" err="1" smtClean="0">
+                <a:solidFill>
+                  <a:schemeClr val="tx1">
+                    <a:lumMod val="75000"/>
+                    <a:lumOff val="25000"/>
+                  </a:schemeClr>
+                </a:solidFill>
+                <a:latin typeface="Arial" pitchFamily="34" charset="0"/>
+                <a:cs typeface="Arial" pitchFamily="34" charset="0"/>
+              </a:rPr>
+              <a:t>ost</a:t>
+            </a:r>
+            <a:r>
+              <a:rPr lang="en-US" altLang="ko-KR" sz="1400" dirty="0" smtClean="0">
+                <a:solidFill>
+                  <a:schemeClr val="tx1">
+                    <a:lumMod val="75000"/>
+                    <a:lumOff val="25000"/>
+                  </a:schemeClr>
+                </a:solidFill>
+                <a:latin typeface="Arial" pitchFamily="34" charset="0"/>
+                <a:cs typeface="Arial" pitchFamily="34" charset="0"/>
+              </a:rPr>
+              <a:t> of the</a:t>
+            </a:r>
+            <a:r>
+              <a:rPr lang="en-US" altLang="ko-KR" sz="1400" noProof="0" dirty="0" smtClean="0">
+                <a:solidFill>
+                  <a:schemeClr val="tx1">
+                    <a:lumMod val="75000"/>
+                    <a:lumOff val="25000"/>
+                  </a:schemeClr>
+                </a:solidFill>
+                <a:latin typeface="Arial" pitchFamily="34" charset="0"/>
+                <a:cs typeface="Arial" pitchFamily="34" charset="0"/>
+              </a:rPr>
+              <a:t> entities </a:t>
+            </a:r>
+          </a:p>
+          <a:p>
+            <a:pPr>
+              <a:spcBef>
+                <a:spcPct val="20000"/>
+              </a:spcBef>
+              <a:buFont typeface="Arial" pitchFamily="34" charset="0"/>
+              <a:buChar char="•"/>
+              <a:defRPr/>
+            </a:pPr>
+            <a:r>
+              <a:rPr lang="en-US" altLang="ko-KR" sz="1400" dirty="0" smtClean="0">
+                <a:solidFill>
+                  <a:schemeClr val="tx1">
+                    <a:lumMod val="75000"/>
+                    <a:lumOff val="25000"/>
+                  </a:schemeClr>
+                </a:solidFill>
+                <a:latin typeface="Arial" pitchFamily="34" charset="0"/>
+                <a:cs typeface="Arial" pitchFamily="34" charset="0"/>
+              </a:rPr>
+              <a:t> Login </a:t>
+            </a:r>
+            <a:r>
+              <a:rPr lang="en-US" altLang="ko-KR" sz="1400" dirty="0" smtClean="0">
+                <a:solidFill>
+                  <a:schemeClr val="tx1">
+                    <a:lumMod val="75000"/>
+                    <a:lumOff val="25000"/>
+                  </a:schemeClr>
+                </a:solidFill>
+                <a:latin typeface="Arial" pitchFamily="34" charset="0"/>
+                <a:cs typeface="Arial" pitchFamily="34" charset="0"/>
+              </a:rPr>
+              <a:t>and register forms</a:t>
             </a:r>
           </a:p>
           <a:p>
@@ -7323,7 +7633,7 @@
                 <a:latin typeface="Arial" pitchFamily="34" charset="0"/>
                 <a:cs typeface="Arial" pitchFamily="34" charset="0"/>
               </a:rPr>
-              <a:t> All Entities                       </a:t>
+              <a:t>                      </a:t>
             </a:r>
             <a:endParaRPr kumimoji="0" lang="en-US" altLang="ko-KR" sz="1400" b="0" i="0" u="none" strike="noStrike" kern="1200" cap="none" spc="0" normalizeH="0" baseline="0" noProof="0" dirty="0" smtClean="0">
               <a:ln>
@@ -8143,7 +8453,7 @@
                 <a:ea typeface="+mn-ea"/>
                 <a:cs typeface="Arial" pitchFamily="34" charset="0"/>
               </a:rPr>
-              <a:t> Login and register forms</a:t>
+              <a:t> </a:t>
             </a:r>
             <a:endParaRPr kumimoji="0" lang="en-US" altLang="ko-KR" sz="1400" b="0" i="0" u="none" strike="noStrike" kern="1200" cap="none" spc="0" normalizeH="0" baseline="0" noProof="0" dirty="0" smtClean="0">
               <a:ln>
@@ -8168,7 +8478,7 @@
     </p:spTree>
     <p:extLst>
       <p:ext uri="{BB962C8B-B14F-4D97-AF65-F5344CB8AC3E}">
-        <p14:creationId xmlns:p14="http://schemas.microsoft.com/office/powerpoint/2010/main" xmlns="" val="2090594489"/>
+        <p14:creationId xmlns="" xmlns:p14="http://schemas.microsoft.com/office/powerpoint/2010/main" val="2090594489"/>
       </p:ext>
     </p:extLst>
   </p:cSld>
@@ -8430,7 +8740,7 @@
     </p:spTree>
     <p:extLst>
       <p:ext uri="{BB962C8B-B14F-4D97-AF65-F5344CB8AC3E}">
-        <p14:creationId xmlns:p14="http://schemas.microsoft.com/office/powerpoint/2010/main" xmlns="" val="2090594489"/>
+        <p14:creationId xmlns="" xmlns:p14="http://schemas.microsoft.com/office/powerpoint/2010/main" val="2090594489"/>
       </p:ext>
     </p:extLst>
   </p:cSld>
@@ -8499,7 +8809,7 @@
     </p:spTree>
     <p:extLst>
       <p:ext uri="{BB962C8B-B14F-4D97-AF65-F5344CB8AC3E}">
-        <p14:creationId xmlns:p14="http://schemas.microsoft.com/office/powerpoint/2010/main" xmlns="" val="979107610"/>
+        <p14:creationId xmlns="" xmlns:p14="http://schemas.microsoft.com/office/powerpoint/2010/main" val="979107610"/>
       </p:ext>
     </p:extLst>
   </p:cSld>
@@ -8595,7 +8905,7 @@
     </p:spTree>
     <p:extLst>
       <p:ext uri="{BB962C8B-B14F-4D97-AF65-F5344CB8AC3E}">
-        <p14:creationId xmlns:p14="http://schemas.microsoft.com/office/powerpoint/2010/main" xmlns="" val="2090594489"/>
+        <p14:creationId xmlns="" xmlns:p14="http://schemas.microsoft.com/office/powerpoint/2010/main" val="2090594489"/>
       </p:ext>
     </p:extLst>
   </p:cSld>
@@ -8691,7 +9001,7 @@
     </p:spTree>
     <p:extLst>
       <p:ext uri="{BB962C8B-B14F-4D97-AF65-F5344CB8AC3E}">
-        <p14:creationId xmlns:p14="http://schemas.microsoft.com/office/powerpoint/2010/main" xmlns="" val="2090594489"/>
+        <p14:creationId xmlns="" xmlns:p14="http://schemas.microsoft.com/office/powerpoint/2010/main" val="2090594489"/>
       </p:ext>
     </p:extLst>
   </p:cSld>
@@ -8786,7 +9096,7 @@
     </p:spTree>
     <p:extLst>
       <p:ext uri="{BB962C8B-B14F-4D97-AF65-F5344CB8AC3E}">
-        <p14:creationId xmlns:p14="http://schemas.microsoft.com/office/powerpoint/2010/main" xmlns="" val="979107610"/>
+        <p14:creationId xmlns="" xmlns:p14="http://schemas.microsoft.com/office/powerpoint/2010/main" val="979107610"/>
       </p:ext>
     </p:extLst>
   </p:cSld>
@@ -8880,7 +9190,7 @@
     </p:spTree>
     <p:extLst>
       <p:ext uri="{BB962C8B-B14F-4D97-AF65-F5344CB8AC3E}">
-        <p14:creationId xmlns:p14="http://schemas.microsoft.com/office/powerpoint/2010/main" xmlns="" val="979107610"/>
+        <p14:creationId xmlns="" xmlns:p14="http://schemas.microsoft.com/office/powerpoint/2010/main" val="979107610"/>
       </p:ext>
     </p:extLst>
   </p:cSld>

--- a/W6 Project/KanenOnlineShopping.pptx
+++ b/W6 Project/KanenOnlineShopping.pptx
@@ -11,14 +11,15 @@
     <p:sldId id="257" r:id="rId5"/>
     <p:sldId id="262" r:id="rId6"/>
     <p:sldId id="263" r:id="rId7"/>
-    <p:sldId id="259" r:id="rId8"/>
-    <p:sldId id="260" r:id="rId9"/>
-    <p:sldId id="266" r:id="rId10"/>
-    <p:sldId id="261" r:id="rId11"/>
-    <p:sldId id="264" r:id="rId12"/>
-    <p:sldId id="265" r:id="rId13"/>
-    <p:sldId id="267" r:id="rId14"/>
-    <p:sldId id="268" r:id="rId15"/>
+    <p:sldId id="269" r:id="rId8"/>
+    <p:sldId id="259" r:id="rId9"/>
+    <p:sldId id="260" r:id="rId10"/>
+    <p:sldId id="266" r:id="rId11"/>
+    <p:sldId id="261" r:id="rId12"/>
+    <p:sldId id="264" r:id="rId13"/>
+    <p:sldId id="265" r:id="rId14"/>
+    <p:sldId id="267" r:id="rId15"/>
+    <p:sldId id="268" r:id="rId16"/>
   </p:sldIdLst>
   <p:sldSz cx="9144000" cy="5143500" type="screen16x9"/>
   <p:notesSz cx="6858000" cy="9144000"/>
@@ -154,7 +155,7 @@
     </p:spTree>
     <p:extLst>
       <p:ext uri="{BB962C8B-B14F-4D97-AF65-F5344CB8AC3E}">
-        <p14:creationId xmlns="" xmlns:p14="http://schemas.microsoft.com/office/powerpoint/2010/main" val="2219768511"/>
+        <p14:creationId xmlns:p14="http://schemas.microsoft.com/office/powerpoint/2010/main" xmlns="" val="2219768511"/>
       </p:ext>
     </p:extLst>
   </p:cSld>
@@ -251,7 +252,7 @@
     </p:spTree>
     <p:extLst>
       <p:ext uri="{BB962C8B-B14F-4D97-AF65-F5344CB8AC3E}">
-        <p14:creationId xmlns="" xmlns:p14="http://schemas.microsoft.com/office/powerpoint/2010/main" val="2403535400"/>
+        <p14:creationId xmlns:p14="http://schemas.microsoft.com/office/powerpoint/2010/main" xmlns="" val="2403535400"/>
       </p:ext>
     </p:extLst>
   </p:cSld>
@@ -530,7 +531,7 @@
     </p:spTree>
     <p:extLst>
       <p:ext uri="{BB962C8B-B14F-4D97-AF65-F5344CB8AC3E}">
-        <p14:creationId xmlns="" xmlns:p14="http://schemas.microsoft.com/office/powerpoint/2010/main" val="501824940"/>
+        <p14:creationId xmlns:p14="http://schemas.microsoft.com/office/powerpoint/2010/main" xmlns="" val="501824940"/>
       </p:ext>
     </p:extLst>
   </p:cSld>
@@ -785,7 +786,7 @@
     </p:spTree>
     <p:extLst>
       <p:ext uri="{BB962C8B-B14F-4D97-AF65-F5344CB8AC3E}">
-        <p14:creationId xmlns="" xmlns:p14="http://schemas.microsoft.com/office/powerpoint/2010/main" val="722440911"/>
+        <p14:creationId xmlns:p14="http://schemas.microsoft.com/office/powerpoint/2010/main" xmlns="" val="722440911"/>
       </p:ext>
     </p:extLst>
   </p:cSld>
@@ -957,7 +958,7 @@
     </p:spTree>
     <p:extLst>
       <p:ext uri="{BB962C8B-B14F-4D97-AF65-F5344CB8AC3E}">
-        <p14:creationId xmlns="" xmlns:p14="http://schemas.microsoft.com/office/powerpoint/2010/main" val="2810871693"/>
+        <p14:creationId xmlns:p14="http://schemas.microsoft.com/office/powerpoint/2010/main" xmlns="" val="2810871693"/>
       </p:ext>
     </p:extLst>
   </p:cSld>
@@ -1139,7 +1140,7 @@
     </p:spTree>
     <p:extLst>
       <p:ext uri="{BB962C8B-B14F-4D97-AF65-F5344CB8AC3E}">
-        <p14:creationId xmlns="" xmlns:p14="http://schemas.microsoft.com/office/powerpoint/2010/main" val="4240091250"/>
+        <p14:creationId xmlns:p14="http://schemas.microsoft.com/office/powerpoint/2010/main" xmlns="" val="4240091250"/>
       </p:ext>
     </p:extLst>
   </p:cSld>
@@ -1183,7 +1184,7 @@
     </p:spTree>
     <p:extLst>
       <p:ext uri="{BB962C8B-B14F-4D97-AF65-F5344CB8AC3E}">
-        <p14:creationId xmlns="" xmlns:p14="http://schemas.microsoft.com/office/powerpoint/2010/main" val="2219768511"/>
+        <p14:creationId xmlns:p14="http://schemas.microsoft.com/office/powerpoint/2010/main" xmlns="" val="2219768511"/>
       </p:ext>
     </p:extLst>
   </p:cSld>
@@ -1358,7 +1359,7 @@
     </p:spTree>
     <p:extLst>
       <p:ext uri="{BB962C8B-B14F-4D97-AF65-F5344CB8AC3E}">
-        <p14:creationId xmlns="" xmlns:p14="http://schemas.microsoft.com/office/powerpoint/2010/main" val="1146943780"/>
+        <p14:creationId xmlns:p14="http://schemas.microsoft.com/office/powerpoint/2010/main" xmlns="" val="1146943780"/>
       </p:ext>
     </p:extLst>
   </p:cSld>
@@ -1536,7 +1537,7 @@
     </p:spTree>
     <p:extLst>
       <p:ext uri="{BB962C8B-B14F-4D97-AF65-F5344CB8AC3E}">
-        <p14:creationId xmlns="" xmlns:p14="http://schemas.microsoft.com/office/powerpoint/2010/main" val="922808211"/>
+        <p14:creationId xmlns:p14="http://schemas.microsoft.com/office/powerpoint/2010/main" xmlns="" val="922808211"/>
       </p:ext>
     </p:extLst>
   </p:cSld>
@@ -1714,7 +1715,7 @@
     </p:spTree>
     <p:extLst>
       <p:ext uri="{BB962C8B-B14F-4D97-AF65-F5344CB8AC3E}">
-        <p14:creationId xmlns="" xmlns:p14="http://schemas.microsoft.com/office/powerpoint/2010/main" val="1146943780"/>
+        <p14:creationId xmlns:p14="http://schemas.microsoft.com/office/powerpoint/2010/main" xmlns="" val="1146943780"/>
       </p:ext>
     </p:extLst>
   </p:cSld>
@@ -1892,7 +1893,7 @@
     </p:spTree>
     <p:extLst>
       <p:ext uri="{BB962C8B-B14F-4D97-AF65-F5344CB8AC3E}">
-        <p14:creationId xmlns="" xmlns:p14="http://schemas.microsoft.com/office/powerpoint/2010/main" val="922808211"/>
+        <p14:creationId xmlns:p14="http://schemas.microsoft.com/office/powerpoint/2010/main" xmlns="" val="922808211"/>
       </p:ext>
     </p:extLst>
   </p:cSld>
@@ -2136,7 +2137,7 @@
     </p:spTree>
     <p:extLst>
       <p:ext uri="{BB962C8B-B14F-4D97-AF65-F5344CB8AC3E}">
-        <p14:creationId xmlns="" xmlns:p14="http://schemas.microsoft.com/office/powerpoint/2010/main" val="1895959501"/>
+        <p14:creationId xmlns:p14="http://schemas.microsoft.com/office/powerpoint/2010/main" xmlns="" val="1895959501"/>
       </p:ext>
     </p:extLst>
   </p:cSld>
@@ -2308,7 +2309,7 @@
     </p:spTree>
     <p:extLst>
       <p:ext uri="{BB962C8B-B14F-4D97-AF65-F5344CB8AC3E}">
-        <p14:creationId xmlns="" xmlns:p14="http://schemas.microsoft.com/office/powerpoint/2010/main" val="815133034"/>
+        <p14:creationId xmlns:p14="http://schemas.microsoft.com/office/powerpoint/2010/main" xmlns="" val="815133034"/>
       </p:ext>
     </p:extLst>
   </p:cSld>
@@ -2556,7 +2557,7 @@
     </p:spTree>
     <p:extLst>
       <p:ext uri="{BB962C8B-B14F-4D97-AF65-F5344CB8AC3E}">
-        <p14:creationId xmlns="" xmlns:p14="http://schemas.microsoft.com/office/powerpoint/2010/main" val="1860431105"/>
+        <p14:creationId xmlns:p14="http://schemas.microsoft.com/office/powerpoint/2010/main" xmlns="" val="1860431105"/>
       </p:ext>
     </p:extLst>
   </p:cSld>
@@ -2846,7 +2847,7 @@
     </p:spTree>
     <p:extLst>
       <p:ext uri="{BB962C8B-B14F-4D97-AF65-F5344CB8AC3E}">
-        <p14:creationId xmlns="" xmlns:p14="http://schemas.microsoft.com/office/powerpoint/2010/main" val="3505802917"/>
+        <p14:creationId xmlns:p14="http://schemas.microsoft.com/office/powerpoint/2010/main" xmlns="" val="3505802917"/>
       </p:ext>
     </p:extLst>
   </p:cSld>
@@ -3270,7 +3271,7 @@
     </p:spTree>
     <p:extLst>
       <p:ext uri="{BB962C8B-B14F-4D97-AF65-F5344CB8AC3E}">
-        <p14:creationId xmlns="" xmlns:p14="http://schemas.microsoft.com/office/powerpoint/2010/main" val="3538794029"/>
+        <p14:creationId xmlns:p14="http://schemas.microsoft.com/office/powerpoint/2010/main" xmlns="" val="3538794029"/>
       </p:ext>
     </p:extLst>
   </p:cSld>
@@ -3390,7 +3391,7 @@
     </p:spTree>
     <p:extLst>
       <p:ext uri="{BB962C8B-B14F-4D97-AF65-F5344CB8AC3E}">
-        <p14:creationId xmlns="" xmlns:p14="http://schemas.microsoft.com/office/powerpoint/2010/main" val="1150510990"/>
+        <p14:creationId xmlns:p14="http://schemas.microsoft.com/office/powerpoint/2010/main" xmlns="" val="1150510990"/>
       </p:ext>
     </p:extLst>
   </p:cSld>
@@ -3428,7 +3429,7 @@
     </p:spTree>
     <p:extLst>
       <p:ext uri="{BB962C8B-B14F-4D97-AF65-F5344CB8AC3E}">
-        <p14:creationId xmlns="" xmlns:p14="http://schemas.microsoft.com/office/powerpoint/2010/main" val="4252391796"/>
+        <p14:creationId xmlns:p14="http://schemas.microsoft.com/office/powerpoint/2010/main" xmlns="" val="4252391796"/>
       </p:ext>
     </p:extLst>
   </p:cSld>
@@ -3932,7 +3933,7 @@
     </p:spTree>
     <p:extLst>
       <p:ext uri="{BB962C8B-B14F-4D97-AF65-F5344CB8AC3E}">
-        <p14:creationId xmlns="" xmlns:p14="http://schemas.microsoft.com/office/powerpoint/2010/main" val="2621239905"/>
+        <p14:creationId xmlns:p14="http://schemas.microsoft.com/office/powerpoint/2010/main" xmlns="" val="2621239905"/>
       </p:ext>
     </p:extLst>
   </p:cSld>
@@ -4231,7 +4232,7 @@
     </p:spTree>
     <p:extLst>
       <p:ext uri="{BB962C8B-B14F-4D97-AF65-F5344CB8AC3E}">
-        <p14:creationId xmlns="" xmlns:p14="http://schemas.microsoft.com/office/powerpoint/2010/main" val="4252391796"/>
+        <p14:creationId xmlns:p14="http://schemas.microsoft.com/office/powerpoint/2010/main" xmlns="" val="4252391796"/>
       </p:ext>
     </p:extLst>
   </p:cSld>
@@ -4838,7 +4839,7 @@
     </p:spTree>
     <p:extLst>
       <p:ext uri="{BB962C8B-B14F-4D97-AF65-F5344CB8AC3E}">
-        <p14:creationId xmlns="" xmlns:p14="http://schemas.microsoft.com/office/powerpoint/2010/main" val="303447833"/>
+        <p14:creationId xmlns:p14="http://schemas.microsoft.com/office/powerpoint/2010/main" xmlns="" val="303447833"/>
       </p:ext>
     </p:extLst>
   </p:cSld>
@@ -4884,8 +4885,8 @@
         </p:nvSpPr>
         <p:spPr>
           <a:xfrm>
-            <a:off x="1619672" y="411510"/>
-            <a:ext cx="7056784" cy="884466"/>
+            <a:off x="1619672" y="0"/>
+            <a:ext cx="6840760" cy="524426"/>
           </a:xfrm>
         </p:spPr>
         <p:txBody>
@@ -4893,17 +4894,53 @@
           <a:lstStyle/>
           <a:p>
             <a:r>
-              <a:rPr lang="en-US" altLang="ko-KR" dirty="0" smtClean="0"/>
-              <a:t>Project Demonstration</a:t>
-            </a:r>
-            <a:endParaRPr lang="ko-KR" altLang="en-US" dirty="0"/>
-          </a:p>
-        </p:txBody>
-      </p:sp>
+              <a:rPr lang="en-US" altLang="ko-KR" dirty="0" smtClean="0">
+                <a:latin typeface="Corbel" pitchFamily="34" charset="0"/>
+              </a:rPr>
+              <a:t>Class Diagram - DAOs</a:t>
+            </a:r>
+            <a:endParaRPr lang="ko-KR" altLang="en-US" dirty="0">
+              <a:latin typeface="Corbel" pitchFamily="34" charset="0"/>
+            </a:endParaRPr>
+          </a:p>
+        </p:txBody>
+      </p:sp>
+      <p:pic>
+        <p:nvPicPr>
+          <p:cNvPr id="3074" name="Picture 2"/>
+          <p:cNvPicPr>
+            <a:picLocks noChangeAspect="1" noChangeArrowheads="1"/>
+          </p:cNvPicPr>
+          <p:nvPr/>
+        </p:nvPicPr>
+        <p:blipFill>
+          <a:blip r:embed="rId2" cstate="print"/>
+          <a:srcRect/>
+          <a:stretch>
+            <a:fillRect/>
+          </a:stretch>
+        </p:blipFill>
+        <p:spPr bwMode="auto">
+          <a:xfrm>
+            <a:off x="1835696" y="627534"/>
+            <a:ext cx="5832648" cy="4329756"/>
+          </a:xfrm>
+          <a:prstGeom prst="rect">
+            <a:avLst/>
+          </a:prstGeom>
+          <a:noFill/>
+          <a:ln w="9525">
+            <a:noFill/>
+            <a:miter lim="800000"/>
+            <a:headEnd/>
+            <a:tailEnd/>
+          </a:ln>
+        </p:spPr>
+      </p:pic>
     </p:spTree>
     <p:extLst>
       <p:ext uri="{BB962C8B-B14F-4D97-AF65-F5344CB8AC3E}">
-        <p14:creationId xmlns="" xmlns:p14="http://schemas.microsoft.com/office/powerpoint/2010/main" val="979107610"/>
+        <p14:creationId xmlns:p14="http://schemas.microsoft.com/office/powerpoint/2010/main" xmlns="" val="979107610"/>
       </p:ext>
     </p:extLst>
   </p:cSld>
@@ -4942,8 +4979,8 @@
         </p:nvSpPr>
         <p:spPr>
           <a:xfrm>
-            <a:off x="1619672" y="51470"/>
-            <a:ext cx="7128792" cy="648072"/>
+            <a:off x="1619672" y="411510"/>
+            <a:ext cx="7056784" cy="884466"/>
           </a:xfrm>
         </p:spPr>
         <p:txBody>
@@ -4951,240 +4988,17 @@
           <a:lstStyle/>
           <a:p>
             <a:r>
-              <a:rPr lang="en-US" altLang="ko-KR" dirty="0" err="1" smtClean="0">
-                <a:latin typeface="Corbel" pitchFamily="34" charset="0"/>
-              </a:rPr>
-              <a:t>Learnings</a:t>
-            </a:r>
-            <a:r>
-              <a:rPr lang="en-US" altLang="ko-KR" dirty="0" smtClean="0">
-                <a:latin typeface="Corbel" pitchFamily="34" charset="0"/>
-              </a:rPr>
-              <a:t> applied:</a:t>
-            </a:r>
-            <a:endParaRPr lang="ko-KR" altLang="en-US" dirty="0">
-              <a:latin typeface="Corbel" pitchFamily="34" charset="0"/>
-            </a:endParaRPr>
-          </a:p>
-        </p:txBody>
-      </p:sp>
-      <p:sp>
-        <p:nvSpPr>
-          <p:cNvPr id="5" name="Content Placeholder 4"/>
-          <p:cNvSpPr>
-            <a:spLocks noGrp="1"/>
-          </p:cNvSpPr>
-          <p:nvPr>
-            <p:ph idx="10"/>
-          </p:nvPr>
-        </p:nvSpPr>
-        <p:spPr>
-          <a:xfrm>
-            <a:off x="1475656" y="771550"/>
-            <a:ext cx="3528392" cy="2520280"/>
-          </a:xfrm>
-        </p:spPr>
-        <p:txBody>
-          <a:bodyPr/>
-          <a:lstStyle/>
-          <a:p>
-            <a:pPr>
-              <a:buFont typeface="Arial" pitchFamily="34" charset="0"/>
-              <a:buChar char="•"/>
-            </a:pPr>
-            <a:r>
-              <a:rPr lang="en-US" altLang="ko-KR" sz="1600" dirty="0" smtClean="0">
-                <a:latin typeface="Corbel" pitchFamily="34" charset="0"/>
-              </a:rPr>
-              <a:t> </a:t>
-            </a:r>
-            <a:r>
-              <a:rPr lang="en-US" altLang="ko-KR" sz="1600" dirty="0" err="1" smtClean="0">
-                <a:latin typeface="Corbel" pitchFamily="34" charset="0"/>
-              </a:rPr>
-              <a:t>ExtJS</a:t>
-            </a:r>
-            <a:r>
-              <a:rPr lang="en-US" altLang="ko-KR" sz="1600" dirty="0" smtClean="0">
-                <a:latin typeface="Corbel" pitchFamily="34" charset="0"/>
-              </a:rPr>
-              <a:t> 4 and Spring Framework</a:t>
-            </a:r>
-          </a:p>
-          <a:p>
-            <a:pPr>
-              <a:buFont typeface="Arial" pitchFamily="34" charset="0"/>
-              <a:buChar char="•"/>
-            </a:pPr>
-            <a:r>
-              <a:rPr lang="en-US" altLang="ko-KR" sz="1600" dirty="0" smtClean="0">
-                <a:latin typeface="Corbel" pitchFamily="34" charset="0"/>
-              </a:rPr>
-              <a:t> Ajax and JSON</a:t>
-            </a:r>
-          </a:p>
-          <a:p>
-            <a:pPr>
-              <a:buFont typeface="Arial" pitchFamily="34" charset="0"/>
-              <a:buChar char="•"/>
-            </a:pPr>
-            <a:r>
-              <a:rPr lang="en-US" altLang="ko-KR" sz="1600" dirty="0" smtClean="0">
-                <a:latin typeface="Corbel" pitchFamily="34" charset="0"/>
-              </a:rPr>
-              <a:t> Java Persistence API</a:t>
-            </a:r>
-          </a:p>
-          <a:p>
-            <a:pPr>
-              <a:buFont typeface="Arial" pitchFamily="34" charset="0"/>
-              <a:buChar char="•"/>
-            </a:pPr>
-            <a:r>
-              <a:rPr lang="en-US" altLang="ko-KR" sz="1600" dirty="0" smtClean="0">
-                <a:latin typeface="Corbel" pitchFamily="34" charset="0"/>
-              </a:rPr>
-              <a:t> Salted password hashing</a:t>
-            </a:r>
-          </a:p>
-          <a:p>
-            <a:pPr>
-              <a:buFont typeface="Arial" pitchFamily="34" charset="0"/>
-              <a:buChar char="•"/>
-            </a:pPr>
-            <a:r>
-              <a:rPr lang="en-US" altLang="ko-KR" sz="1600" dirty="0" smtClean="0">
-                <a:latin typeface="Corbel" pitchFamily="34" charset="0"/>
-              </a:rPr>
-              <a:t> Spring Interceptor/ Filter</a:t>
-            </a:r>
-          </a:p>
-          <a:p>
-            <a:pPr>
-              <a:buFont typeface="Arial" pitchFamily="34" charset="0"/>
-              <a:buChar char="•"/>
-            </a:pPr>
-            <a:r>
-              <a:rPr lang="en-US" altLang="ko-KR" sz="1600" dirty="0" smtClean="0">
-                <a:latin typeface="Corbel" pitchFamily="34" charset="0"/>
-              </a:rPr>
-              <a:t> Transaction</a:t>
-            </a:r>
-          </a:p>
-          <a:p>
-            <a:pPr>
-              <a:buFont typeface="Arial" pitchFamily="34" charset="0"/>
-              <a:buChar char="•"/>
-            </a:pPr>
-            <a:r>
-              <a:rPr lang="en-US" altLang="ko-KR" sz="1600" dirty="0" smtClean="0">
-                <a:latin typeface="Corbel" pitchFamily="34" charset="0"/>
-              </a:rPr>
-              <a:t> Log4J</a:t>
-            </a:r>
-          </a:p>
-          <a:p>
-            <a:pPr>
-              <a:buFont typeface="Arial" pitchFamily="34" charset="0"/>
-              <a:buChar char="•"/>
-            </a:pPr>
-            <a:endParaRPr lang="en-US" altLang="ko-KR" dirty="0" smtClean="0"/>
-          </a:p>
-        </p:txBody>
-      </p:sp>
-      <p:sp>
-        <p:nvSpPr>
-          <p:cNvPr id="6" name="Content Placeholder 4"/>
-          <p:cNvSpPr>
-            <a:spLocks noGrp="1"/>
-          </p:cNvSpPr>
-          <p:nvPr>
-            <p:ph idx="10"/>
-          </p:nvPr>
-        </p:nvSpPr>
-        <p:spPr>
-          <a:xfrm>
-            <a:off x="4860032" y="771550"/>
-            <a:ext cx="3744416" cy="2520280"/>
-          </a:xfrm>
-        </p:spPr>
-        <p:txBody>
-          <a:bodyPr/>
-          <a:lstStyle/>
-          <a:p>
-            <a:pPr>
-              <a:buFont typeface="Arial" pitchFamily="34" charset="0"/>
-              <a:buChar char="•"/>
-            </a:pPr>
-            <a:r>
-              <a:rPr lang="en-US" altLang="ko-KR" sz="1600" dirty="0" smtClean="0">
-                <a:latin typeface="Corbel" pitchFamily="34" charset="0"/>
-              </a:rPr>
-              <a:t> JMS Producer and Consumer</a:t>
-            </a:r>
-          </a:p>
-          <a:p>
-            <a:pPr>
-              <a:buFont typeface="Arial" pitchFamily="34" charset="0"/>
-              <a:buChar char="•"/>
-            </a:pPr>
-            <a:r>
-              <a:rPr lang="en-US" altLang="ko-KR" sz="1600" dirty="0" smtClean="0">
-                <a:latin typeface="Corbel" pitchFamily="34" charset="0"/>
-              </a:rPr>
-              <a:t> </a:t>
-            </a:r>
-            <a:r>
-              <a:rPr lang="en-US" altLang="ko-KR" sz="1600" dirty="0" err="1" smtClean="0">
-                <a:latin typeface="Corbel" pitchFamily="34" charset="0"/>
-              </a:rPr>
-              <a:t>JUnit</a:t>
-            </a:r>
-            <a:endParaRPr lang="en-US" altLang="ko-KR" sz="1600" dirty="0" smtClean="0">
-              <a:latin typeface="Corbel" pitchFamily="34" charset="0"/>
-            </a:endParaRPr>
-          </a:p>
-          <a:p>
-            <a:pPr>
-              <a:buFont typeface="Arial" pitchFamily="34" charset="0"/>
-              <a:buChar char="•"/>
-            </a:pPr>
-            <a:r>
-              <a:rPr lang="en-US" altLang="ko-KR" sz="1600" dirty="0" smtClean="0">
-                <a:latin typeface="Corbel" pitchFamily="34" charset="0"/>
-              </a:rPr>
-              <a:t> </a:t>
-            </a:r>
-            <a:r>
-              <a:rPr lang="en-US" altLang="ko-KR" sz="1600" dirty="0" err="1" smtClean="0">
-                <a:latin typeface="Corbel" pitchFamily="34" charset="0"/>
-              </a:rPr>
-              <a:t>Webservice</a:t>
-            </a:r>
-            <a:endParaRPr lang="en-US" altLang="ko-KR" sz="1600" dirty="0" smtClean="0">
-              <a:latin typeface="Corbel" pitchFamily="34" charset="0"/>
-            </a:endParaRPr>
-          </a:p>
-          <a:p>
-            <a:pPr>
-              <a:buFont typeface="Arial" pitchFamily="34" charset="0"/>
-              <a:buChar char="•"/>
-            </a:pPr>
-            <a:endParaRPr lang="en-US" altLang="ko-KR" dirty="0" smtClean="0"/>
-          </a:p>
-          <a:p>
-            <a:pPr>
-              <a:buFont typeface="Arial" pitchFamily="34" charset="0"/>
-              <a:buChar char="•"/>
-            </a:pPr>
-            <a:endParaRPr lang="en-US" altLang="ko-KR" dirty="0" smtClean="0"/>
+              <a:rPr lang="en-US" altLang="ko-KR" dirty="0" smtClean="0"/>
+              <a:t>Project Demonstration</a:t>
+            </a:r>
+            <a:endParaRPr lang="ko-KR" altLang="en-US" dirty="0"/>
           </a:p>
         </p:txBody>
       </p:sp>
     </p:spTree>
     <p:extLst>
       <p:ext uri="{BB962C8B-B14F-4D97-AF65-F5344CB8AC3E}">
-        <p14:creationId xmlns="" xmlns:p14="http://schemas.microsoft.com/office/powerpoint/2010/main" val="979107610"/>
+        <p14:creationId xmlns:p14="http://schemas.microsoft.com/office/powerpoint/2010/main" xmlns="" val="979107610"/>
       </p:ext>
     </p:extLst>
   </p:cSld>
@@ -5232,10 +5046,16 @@
           <a:lstStyle/>
           <a:p>
             <a:r>
+              <a:rPr lang="en-US" altLang="ko-KR" dirty="0" err="1" smtClean="0">
+                <a:latin typeface="Corbel" pitchFamily="34" charset="0"/>
+              </a:rPr>
+              <a:t>Learnings</a:t>
+            </a:r>
+            <a:r>
               <a:rPr lang="en-US" altLang="ko-KR" dirty="0" smtClean="0">
                 <a:latin typeface="Corbel" pitchFamily="34" charset="0"/>
               </a:rPr>
-              <a:t>Q &amp; A</a:t>
+              <a:t> applied:</a:t>
             </a:r>
             <a:endParaRPr lang="ko-KR" altLang="en-US" dirty="0">
               <a:latin typeface="Corbel" pitchFamily="34" charset="0"/>
@@ -5243,10 +5063,285 @@
           </a:p>
         </p:txBody>
       </p:sp>
+      <p:sp>
+        <p:nvSpPr>
+          <p:cNvPr id="5" name="Content Placeholder 4"/>
+          <p:cNvSpPr>
+            <a:spLocks noGrp="1"/>
+          </p:cNvSpPr>
+          <p:nvPr>
+            <p:ph idx="10"/>
+          </p:nvPr>
+        </p:nvSpPr>
+        <p:spPr>
+          <a:xfrm>
+            <a:off x="1475656" y="771550"/>
+            <a:ext cx="3528392" cy="2520280"/>
+          </a:xfrm>
+        </p:spPr>
+        <p:txBody>
+          <a:bodyPr/>
+          <a:lstStyle/>
+          <a:p>
+            <a:pPr>
+              <a:buFont typeface="Arial" pitchFamily="34" charset="0"/>
+              <a:buChar char="•"/>
+            </a:pPr>
+            <a:r>
+              <a:rPr lang="en-US" altLang="ko-KR" sz="1600" dirty="0" smtClean="0">
+                <a:latin typeface="Corbel" pitchFamily="34" charset="0"/>
+              </a:rPr>
+              <a:t> </a:t>
+            </a:r>
+            <a:r>
+              <a:rPr lang="en-US" altLang="ko-KR" sz="1600" dirty="0" err="1" smtClean="0">
+                <a:latin typeface="Corbel" pitchFamily="34" charset="0"/>
+              </a:rPr>
+              <a:t>ExtJS</a:t>
+            </a:r>
+            <a:r>
+              <a:rPr lang="en-US" altLang="ko-KR" sz="1600" dirty="0" smtClean="0">
+                <a:latin typeface="Corbel" pitchFamily="34" charset="0"/>
+              </a:rPr>
+              <a:t> 4 and Spring Framework</a:t>
+            </a:r>
+          </a:p>
+          <a:p>
+            <a:pPr>
+              <a:buFont typeface="Arial" pitchFamily="34" charset="0"/>
+              <a:buChar char="•"/>
+            </a:pPr>
+            <a:r>
+              <a:rPr lang="en-US" altLang="ko-KR" sz="1600" dirty="0" smtClean="0">
+                <a:latin typeface="Corbel" pitchFamily="34" charset="0"/>
+              </a:rPr>
+              <a:t> Ajax and JSON</a:t>
+            </a:r>
+          </a:p>
+          <a:p>
+            <a:pPr>
+              <a:buFont typeface="Arial" pitchFamily="34" charset="0"/>
+              <a:buChar char="•"/>
+            </a:pPr>
+            <a:r>
+              <a:rPr lang="en-US" altLang="ko-KR" sz="1600" dirty="0" smtClean="0">
+                <a:latin typeface="Corbel" pitchFamily="34" charset="0"/>
+              </a:rPr>
+              <a:t> Java Persistence API</a:t>
+            </a:r>
+          </a:p>
+          <a:p>
+            <a:pPr>
+              <a:buFont typeface="Arial" pitchFamily="34" charset="0"/>
+              <a:buChar char="•"/>
+            </a:pPr>
+            <a:r>
+              <a:rPr lang="en-US" altLang="ko-KR" sz="1600" dirty="0" smtClean="0">
+                <a:latin typeface="Corbel" pitchFamily="34" charset="0"/>
+              </a:rPr>
+              <a:t> Salted password hashing</a:t>
+            </a:r>
+          </a:p>
+          <a:p>
+            <a:pPr>
+              <a:buFont typeface="Arial" pitchFamily="34" charset="0"/>
+              <a:buChar char="•"/>
+            </a:pPr>
+            <a:r>
+              <a:rPr lang="en-US" altLang="ko-KR" sz="1600" dirty="0" smtClean="0">
+                <a:latin typeface="Corbel" pitchFamily="34" charset="0"/>
+              </a:rPr>
+              <a:t> Spring Interceptor/ Filter</a:t>
+            </a:r>
+          </a:p>
+          <a:p>
+            <a:pPr>
+              <a:buFont typeface="Arial" pitchFamily="34" charset="0"/>
+              <a:buChar char="•"/>
+            </a:pPr>
+            <a:r>
+              <a:rPr lang="en-US" altLang="ko-KR" sz="1600" dirty="0" smtClean="0">
+                <a:latin typeface="Corbel" pitchFamily="34" charset="0"/>
+              </a:rPr>
+              <a:t> Transaction</a:t>
+            </a:r>
+          </a:p>
+          <a:p>
+            <a:pPr>
+              <a:buFont typeface="Arial" pitchFamily="34" charset="0"/>
+              <a:buChar char="•"/>
+            </a:pPr>
+            <a:r>
+              <a:rPr lang="en-US" altLang="ko-KR" sz="1600" dirty="0" smtClean="0">
+                <a:latin typeface="Corbel" pitchFamily="34" charset="0"/>
+              </a:rPr>
+              <a:t> Log4J</a:t>
+            </a:r>
+          </a:p>
+          <a:p>
+            <a:pPr>
+              <a:buFont typeface="Arial" pitchFamily="34" charset="0"/>
+              <a:buChar char="•"/>
+            </a:pPr>
+            <a:endParaRPr lang="en-US" altLang="ko-KR" dirty="0" smtClean="0"/>
+          </a:p>
+        </p:txBody>
+      </p:sp>
+      <p:sp>
+        <p:nvSpPr>
+          <p:cNvPr id="6" name="Content Placeholder 4"/>
+          <p:cNvSpPr>
+            <a:spLocks noGrp="1"/>
+          </p:cNvSpPr>
+          <p:nvPr>
+            <p:ph idx="10"/>
+          </p:nvPr>
+        </p:nvSpPr>
+        <p:spPr>
+          <a:xfrm>
+            <a:off x="4860032" y="771550"/>
+            <a:ext cx="3744416" cy="2520280"/>
+          </a:xfrm>
+        </p:spPr>
+        <p:txBody>
+          <a:bodyPr/>
+          <a:lstStyle/>
+          <a:p>
+            <a:pPr>
+              <a:buFont typeface="Arial" pitchFamily="34" charset="0"/>
+              <a:buChar char="•"/>
+            </a:pPr>
+            <a:r>
+              <a:rPr lang="en-US" altLang="ko-KR" sz="1600" dirty="0" smtClean="0">
+                <a:latin typeface="Corbel" pitchFamily="34" charset="0"/>
+              </a:rPr>
+              <a:t> JMS Producer and Consumer</a:t>
+            </a:r>
+          </a:p>
+          <a:p>
+            <a:pPr>
+              <a:buFont typeface="Arial" pitchFamily="34" charset="0"/>
+              <a:buChar char="•"/>
+            </a:pPr>
+            <a:r>
+              <a:rPr lang="en-US" altLang="ko-KR" sz="1600" dirty="0" smtClean="0">
+                <a:latin typeface="Corbel" pitchFamily="34" charset="0"/>
+              </a:rPr>
+              <a:t> </a:t>
+            </a:r>
+            <a:r>
+              <a:rPr lang="en-US" altLang="ko-KR" sz="1600" dirty="0" err="1" smtClean="0">
+                <a:latin typeface="Corbel" pitchFamily="34" charset="0"/>
+              </a:rPr>
+              <a:t>JUnit</a:t>
+            </a:r>
+            <a:endParaRPr lang="en-US" altLang="ko-KR" sz="1600" dirty="0" smtClean="0">
+              <a:latin typeface="Corbel" pitchFamily="34" charset="0"/>
+            </a:endParaRPr>
+          </a:p>
+          <a:p>
+            <a:pPr>
+              <a:buFont typeface="Arial" pitchFamily="34" charset="0"/>
+              <a:buChar char="•"/>
+            </a:pPr>
+            <a:r>
+              <a:rPr lang="en-US" altLang="ko-KR" sz="1600" dirty="0" smtClean="0">
+                <a:latin typeface="Corbel" pitchFamily="34" charset="0"/>
+              </a:rPr>
+              <a:t> </a:t>
+            </a:r>
+            <a:r>
+              <a:rPr lang="en-US" altLang="ko-KR" sz="1600" dirty="0" err="1" smtClean="0">
+                <a:latin typeface="Corbel" pitchFamily="34" charset="0"/>
+              </a:rPr>
+              <a:t>Webservice</a:t>
+            </a:r>
+            <a:endParaRPr lang="en-US" altLang="ko-KR" sz="1600" dirty="0" smtClean="0">
+              <a:latin typeface="Corbel" pitchFamily="34" charset="0"/>
+            </a:endParaRPr>
+          </a:p>
+          <a:p>
+            <a:pPr>
+              <a:buFont typeface="Arial" pitchFamily="34" charset="0"/>
+              <a:buChar char="•"/>
+            </a:pPr>
+            <a:endParaRPr lang="en-US" altLang="ko-KR" dirty="0" smtClean="0"/>
+          </a:p>
+          <a:p>
+            <a:pPr>
+              <a:buFont typeface="Arial" pitchFamily="34" charset="0"/>
+              <a:buChar char="•"/>
+            </a:pPr>
+            <a:endParaRPr lang="en-US" altLang="ko-KR" dirty="0" smtClean="0"/>
+          </a:p>
+        </p:txBody>
+      </p:sp>
     </p:spTree>
     <p:extLst>
       <p:ext uri="{BB962C8B-B14F-4D97-AF65-F5344CB8AC3E}">
-        <p14:creationId xmlns="" xmlns:p14="http://schemas.microsoft.com/office/powerpoint/2010/main" val="979107610"/>
+        <p14:creationId xmlns:p14="http://schemas.microsoft.com/office/powerpoint/2010/main" xmlns="" val="979107610"/>
+      </p:ext>
+    </p:extLst>
+  </p:cSld>
+  <p:clrMapOvr>
+    <a:masterClrMapping/>
+  </p:clrMapOvr>
+</p:sld>
+</file>
+
+<file path=ppt/slides/slide13.xml><?xml version="1.0" encoding="utf-8"?>
+<p:sld xmlns:a="http://schemas.openxmlformats.org/drawingml/2006/main" xmlns:r="http://schemas.openxmlformats.org/officeDocument/2006/relationships" xmlns:p="http://schemas.openxmlformats.org/presentationml/2006/main">
+  <p:cSld>
+    <p:spTree>
+      <p:nvGrpSpPr>
+        <p:cNvPr id="1" name=""/>
+        <p:cNvGrpSpPr/>
+        <p:nvPr/>
+      </p:nvGrpSpPr>
+      <p:grpSpPr>
+        <a:xfrm>
+          <a:off x="0" y="0"/>
+          <a:ext cx="0" cy="0"/>
+          <a:chOff x="0" y="0"/>
+          <a:chExt cx="0" cy="0"/>
+        </a:xfrm>
+      </p:grpSpPr>
+      <p:sp>
+        <p:nvSpPr>
+          <p:cNvPr id="3" name="Title 2"/>
+          <p:cNvSpPr>
+            <a:spLocks noGrp="1"/>
+          </p:cNvSpPr>
+          <p:nvPr>
+            <p:ph type="title"/>
+          </p:nvPr>
+        </p:nvSpPr>
+        <p:spPr>
+          <a:xfrm>
+            <a:off x="1619672" y="51470"/>
+            <a:ext cx="7128792" cy="648072"/>
+          </a:xfrm>
+        </p:spPr>
+        <p:txBody>
+          <a:bodyPr/>
+          <a:lstStyle/>
+          <a:p>
+            <a:r>
+              <a:rPr lang="en-US" altLang="ko-KR" dirty="0" smtClean="0">
+                <a:latin typeface="Corbel" pitchFamily="34" charset="0"/>
+              </a:rPr>
+              <a:t>Q &amp; A</a:t>
+            </a:r>
+            <a:endParaRPr lang="ko-KR" altLang="en-US" dirty="0">
+              <a:latin typeface="Corbel" pitchFamily="34" charset="0"/>
+            </a:endParaRPr>
+          </a:p>
+        </p:txBody>
+      </p:sp>
+    </p:spTree>
+    <p:extLst>
+      <p:ext uri="{BB962C8B-B14F-4D97-AF65-F5344CB8AC3E}">
+        <p14:creationId xmlns:p14="http://schemas.microsoft.com/office/powerpoint/2010/main" xmlns="" val="979107610"/>
       </p:ext>
     </p:extLst>
   </p:cSld>
@@ -5771,27 +5866,7 @@
                 <a:ea typeface="+mn-ea"/>
                 <a:cs typeface="Arial" pitchFamily="34" charset="0"/>
               </a:rPr>
-              <a:t> </a:t>
-            </a:r>
-            <a:r>
-              <a:rPr kumimoji="0" lang="en-US" altLang="ko-KR" sz="1400" b="0" i="0" u="none" strike="noStrike" kern="1200" cap="none" spc="0" normalizeH="0" noProof="0" dirty="0" smtClean="0">
-                <a:ln>
-                  <a:noFill/>
-                </a:ln>
-                <a:solidFill>
-                  <a:schemeClr val="tx1">
-                    <a:lumMod val="75000"/>
-                    <a:lumOff val="25000"/>
-                  </a:schemeClr>
-                </a:solidFill>
-                <a:effectLst/>
-                <a:uLnTx/>
-                <a:uFillTx/>
-                <a:latin typeface="Arial" pitchFamily="34" charset="0"/>
-                <a:ea typeface="+mn-ea"/>
-                <a:cs typeface="Arial" pitchFamily="34" charset="0"/>
-              </a:rPr>
-              <a:t>User maintenance</a:t>
+              <a:t> User maintenance</a:t>
             </a:r>
           </a:p>
           <a:p>
@@ -5823,20 +5898,7 @@
                 <a:latin typeface="Arial" pitchFamily="34" charset="0"/>
                 <a:cs typeface="Arial" pitchFamily="34" charset="0"/>
               </a:rPr>
-              <a:t> </a:t>
-            </a:r>
-            <a:r>
-              <a:rPr lang="en-US" altLang="ko-KR" sz="1400" noProof="0" dirty="0" smtClean="0">
-                <a:solidFill>
-                  <a:schemeClr val="tx1">
-                    <a:lumMod val="75000"/>
-                    <a:lumOff val="25000"/>
-                  </a:schemeClr>
-                </a:solidFill>
-                <a:latin typeface="Arial" pitchFamily="34" charset="0"/>
-                <a:cs typeface="Arial" pitchFamily="34" charset="0"/>
-              </a:rPr>
-              <a:t>View product comments</a:t>
+              <a:t> View product comments</a:t>
             </a:r>
           </a:p>
           <a:p>
@@ -5875,27 +5937,7 @@
                 <a:ea typeface="+mn-ea"/>
                 <a:cs typeface="Arial" pitchFamily="34" charset="0"/>
               </a:rPr>
-              <a:t> </a:t>
-            </a:r>
-            <a:r>
-              <a:rPr kumimoji="0" lang="en-US" altLang="ko-KR" sz="1400" b="0" i="0" u="none" strike="noStrike" kern="1200" cap="none" spc="0" normalizeH="0" dirty="0" smtClean="0">
-                <a:ln>
-                  <a:noFill/>
-                </a:ln>
-                <a:solidFill>
-                  <a:schemeClr val="tx1">
-                    <a:lumMod val="75000"/>
-                    <a:lumOff val="25000"/>
-                  </a:schemeClr>
-                </a:solidFill>
-                <a:effectLst/>
-                <a:uLnTx/>
-                <a:uFillTx/>
-                <a:latin typeface="Arial" pitchFamily="34" charset="0"/>
-                <a:ea typeface="+mn-ea"/>
-                <a:cs typeface="Arial" pitchFamily="34" charset="0"/>
-              </a:rPr>
-              <a:t>Order maintenance</a:t>
+              <a:t> Order maintenance</a:t>
             </a:r>
             <a:endParaRPr kumimoji="0" lang="en-US" altLang="ko-KR" sz="1400" b="0" i="0" u="none" strike="noStrike" kern="1200" cap="none" spc="0" normalizeH="0" noProof="0" dirty="0" smtClean="0">
               <a:ln>
@@ -6083,7 +6125,7 @@
     </p:spTree>
     <p:extLst>
       <p:ext uri="{BB962C8B-B14F-4D97-AF65-F5344CB8AC3E}">
-        <p14:creationId xmlns="" xmlns:p14="http://schemas.microsoft.com/office/powerpoint/2010/main" val="2090594489"/>
+        <p14:creationId xmlns:p14="http://schemas.microsoft.com/office/powerpoint/2010/main" xmlns="" val="2090594489"/>
       </p:ext>
     </p:extLst>
   </p:cSld>
@@ -6974,20 +7016,7 @@
                 <a:latin typeface="Arial" pitchFamily="34" charset="0"/>
                 <a:cs typeface="Arial" pitchFamily="34" charset="0"/>
               </a:rPr>
-              <a:t>load on </a:t>
-            </a:r>
-            <a:r>
-              <a:rPr lang="en-US" altLang="ko-KR" sz="1400" baseline="0" dirty="0" smtClean="0">
-                <a:solidFill>
-                  <a:schemeClr val="tx1">
-                    <a:lumMod val="75000"/>
-                    <a:lumOff val="25000"/>
-                  </a:schemeClr>
-                </a:solidFill>
-                <a:latin typeface="Arial" pitchFamily="34" charset="0"/>
-                <a:cs typeface="Arial" pitchFamily="34" charset="0"/>
-              </a:rPr>
-              <a:t>login</a:t>
+              <a:t>load on login</a:t>
             </a:r>
           </a:p>
           <a:p>
@@ -7019,20 +7048,7 @@
                 <a:latin typeface="Arial" pitchFamily="34" charset="0"/>
                 <a:cs typeface="Arial" pitchFamily="34" charset="0"/>
               </a:rPr>
-              <a:t> </a:t>
-            </a:r>
-            <a:r>
-              <a:rPr lang="en-US" altLang="ko-KR" sz="1400" dirty="0" smtClean="0">
-                <a:solidFill>
-                  <a:schemeClr val="tx1">
-                    <a:lumMod val="75000"/>
-                    <a:lumOff val="25000"/>
-                  </a:schemeClr>
-                </a:solidFill>
-                <a:latin typeface="Arial" pitchFamily="34" charset="0"/>
-                <a:cs typeface="Arial" pitchFamily="34" charset="0"/>
-              </a:rPr>
-              <a:t>remove cart</a:t>
+              <a:t> remove cart</a:t>
             </a:r>
             <a:endParaRPr lang="en-US" altLang="ko-KR" sz="1400" baseline="0" dirty="0" smtClean="0">
               <a:solidFill>
@@ -7451,20 +7467,7 @@
                 <a:latin typeface="Arial" pitchFamily="34" charset="0"/>
                 <a:cs typeface="Arial" pitchFamily="34" charset="0"/>
               </a:rPr>
-              <a:t> – form, controller and </a:t>
-            </a:r>
-            <a:r>
-              <a:rPr lang="en-US" altLang="ko-KR" sz="1400" dirty="0" smtClean="0">
-                <a:solidFill>
-                  <a:schemeClr val="tx1">
-                    <a:lumMod val="75000"/>
-                    <a:lumOff val="25000"/>
-                  </a:schemeClr>
-                </a:solidFill>
-                <a:latin typeface="Arial" pitchFamily="34" charset="0"/>
-                <a:cs typeface="Arial" pitchFamily="34" charset="0"/>
-              </a:rPr>
-              <a:t>DAO</a:t>
+              <a:t> – form, controller and DAO</a:t>
             </a:r>
             <a:endParaRPr kumimoji="0" lang="en-US" altLang="ko-KR" sz="1400" b="0" i="0" u="none" strike="noStrike" kern="1200" cap="none" spc="0" normalizeH="0" noProof="0" dirty="0" smtClean="0">
               <a:ln>
@@ -7513,20 +7516,7 @@
                 <a:latin typeface="Arial" pitchFamily="34" charset="0"/>
                 <a:cs typeface="Arial" pitchFamily="34" charset="0"/>
               </a:rPr>
-              <a:t> </a:t>
-            </a:r>
-            <a:r>
-              <a:rPr lang="en-US" altLang="ko-KR" sz="1400" noProof="0" dirty="0" smtClean="0">
-                <a:solidFill>
-                  <a:schemeClr val="tx1">
-                    <a:lumMod val="75000"/>
-                    <a:lumOff val="25000"/>
-                  </a:schemeClr>
-                </a:solidFill>
-                <a:latin typeface="Arial" pitchFamily="34" charset="0"/>
-                <a:cs typeface="Arial" pitchFamily="34" charset="0"/>
-              </a:rPr>
-              <a:t>M</a:t>
+              <a:t> M</a:t>
             </a:r>
             <a:r>
               <a:rPr lang="en-US" altLang="ko-KR" sz="1400" dirty="0" err="1" smtClean="0">
@@ -7588,20 +7578,7 @@
                 <a:latin typeface="Arial" pitchFamily="34" charset="0"/>
                 <a:cs typeface="Arial" pitchFamily="34" charset="0"/>
               </a:rPr>
-              <a:t> Login </a:t>
-            </a:r>
-            <a:r>
-              <a:rPr lang="en-US" altLang="ko-KR" sz="1400" dirty="0" smtClean="0">
-                <a:solidFill>
-                  <a:schemeClr val="tx1">
-                    <a:lumMod val="75000"/>
-                    <a:lumOff val="25000"/>
-                  </a:schemeClr>
-                </a:solidFill>
-                <a:latin typeface="Arial" pitchFamily="34" charset="0"/>
-                <a:cs typeface="Arial" pitchFamily="34" charset="0"/>
-              </a:rPr>
-              <a:t>and register forms</a:t>
+              <a:t> Login and register forms</a:t>
             </a:r>
           </a:p>
           <a:p>
@@ -8478,7 +8455,7 @@
     </p:spTree>
     <p:extLst>
       <p:ext uri="{BB962C8B-B14F-4D97-AF65-F5344CB8AC3E}">
-        <p14:creationId xmlns="" xmlns:p14="http://schemas.microsoft.com/office/powerpoint/2010/main" val="2090594489"/>
+        <p14:creationId xmlns:p14="http://schemas.microsoft.com/office/powerpoint/2010/main" xmlns="" val="2090594489"/>
       </p:ext>
     </p:extLst>
   </p:cSld>
@@ -8740,7 +8717,7 @@
     </p:spTree>
     <p:extLst>
       <p:ext uri="{BB962C8B-B14F-4D97-AF65-F5344CB8AC3E}">
-        <p14:creationId xmlns="" xmlns:p14="http://schemas.microsoft.com/office/powerpoint/2010/main" val="2090594489"/>
+        <p14:creationId xmlns:p14="http://schemas.microsoft.com/office/powerpoint/2010/main" xmlns="" val="2090594489"/>
       </p:ext>
     </p:extLst>
   </p:cSld>
@@ -8758,6 +8735,218 @@
 </file>
 
 <file path=ppt/slides/slide5.xml><?xml version="1.0" encoding="utf-8"?>
+<p:sld xmlns:a="http://schemas.openxmlformats.org/drawingml/2006/main" xmlns:r="http://schemas.openxmlformats.org/officeDocument/2006/relationships" xmlns:p="http://schemas.openxmlformats.org/presentationml/2006/main">
+  <p:cSld>
+    <p:spTree>
+      <p:nvGrpSpPr>
+        <p:cNvPr id="1" name=""/>
+        <p:cNvGrpSpPr/>
+        <p:nvPr/>
+      </p:nvGrpSpPr>
+      <p:grpSpPr>
+        <a:xfrm>
+          <a:off x="0" y="0"/>
+          <a:ext cx="0" cy="0"/>
+          <a:chOff x="0" y="0"/>
+          <a:chExt cx="0" cy="0"/>
+        </a:xfrm>
+      </p:grpSpPr>
+      <p:sp>
+        <p:nvSpPr>
+          <p:cNvPr id="3" name="Title 2"/>
+          <p:cNvSpPr>
+            <a:spLocks noGrp="1"/>
+          </p:cNvSpPr>
+          <p:nvPr>
+            <p:ph type="title"/>
+          </p:nvPr>
+        </p:nvSpPr>
+        <p:spPr/>
+        <p:txBody>
+          <a:bodyPr/>
+          <a:lstStyle/>
+          <a:p>
+            <a:r>
+              <a:rPr lang="en-US" dirty="0" smtClean="0">
+                <a:latin typeface="Corbel" pitchFamily="34" charset="0"/>
+              </a:rPr>
+              <a:t>Architecture:</a:t>
+            </a:r>
+            <a:endParaRPr lang="en-US" dirty="0">
+              <a:latin typeface="Corbel" pitchFamily="34" charset="0"/>
+            </a:endParaRPr>
+          </a:p>
+        </p:txBody>
+      </p:sp>
+      <p:sp>
+        <p:nvSpPr>
+          <p:cNvPr id="6" name="Content Placeholder 4"/>
+          <p:cNvSpPr txBox="1">
+            <a:spLocks/>
+          </p:cNvSpPr>
+          <p:nvPr/>
+        </p:nvSpPr>
+        <p:spPr>
+          <a:xfrm>
+            <a:off x="4139952" y="2139702"/>
+            <a:ext cx="3816424" cy="2232248"/>
+          </a:xfrm>
+          <a:prstGeom prst="rect">
+            <a:avLst/>
+          </a:prstGeom>
+        </p:spPr>
+        <p:txBody>
+          <a:bodyPr lIns="396000" anchor="t"/>
+          <a:lstStyle/>
+          <a:p>
+            <a:pPr marL="0" marR="0" lvl="0" indent="0" algn="l" defTabSz="914400" rtl="0" eaLnBrk="1" fontAlgn="auto" latinLnBrk="1" hangingPunct="1">
+              <a:lnSpc>
+                <a:spcPct val="100000"/>
+              </a:lnSpc>
+              <a:spcBef>
+                <a:spcPct val="20000"/>
+              </a:spcBef>
+              <a:spcAft>
+                <a:spcPts val="0"/>
+              </a:spcAft>
+              <a:buClrTx/>
+              <a:buSzTx/>
+              <a:buFont typeface="Arial" pitchFamily="34" charset="0"/>
+              <a:buChar char="•"/>
+              <a:tabLst/>
+              <a:defRPr/>
+            </a:pPr>
+            <a:endParaRPr kumimoji="0" lang="ko-KR" altLang="en-US" sz="1400" b="0" i="0" u="none" strike="noStrike" kern="1200" cap="none" spc="0" normalizeH="0" baseline="0" noProof="0" dirty="0">
+              <a:ln>
+                <a:noFill/>
+              </a:ln>
+              <a:solidFill>
+                <a:schemeClr val="tx1">
+                  <a:lumMod val="75000"/>
+                  <a:lumOff val="25000"/>
+                </a:schemeClr>
+              </a:solidFill>
+              <a:effectLst/>
+              <a:uLnTx/>
+              <a:uFillTx/>
+              <a:latin typeface="Arial" pitchFamily="34" charset="0"/>
+              <a:ea typeface="+mn-ea"/>
+              <a:cs typeface="Arial" pitchFamily="34" charset="0"/>
+            </a:endParaRPr>
+          </a:p>
+        </p:txBody>
+      </p:sp>
+      <p:sp>
+        <p:nvSpPr>
+          <p:cNvPr id="7" name="Content Placeholder 1"/>
+          <p:cNvSpPr txBox="1">
+            <a:spLocks/>
+          </p:cNvSpPr>
+          <p:nvPr/>
+        </p:nvSpPr>
+        <p:spPr>
+          <a:xfrm>
+            <a:off x="251520" y="1131590"/>
+            <a:ext cx="8496944" cy="504056"/>
+          </a:xfrm>
+          <a:prstGeom prst="rect">
+            <a:avLst/>
+          </a:prstGeom>
+        </p:spPr>
+        <p:txBody>
+          <a:bodyPr anchor="ctr"/>
+          <a:lstStyle/>
+          <a:p>
+            <a:pPr marL="0" marR="0" lvl="0" indent="0" algn="l" defTabSz="914400" rtl="0" eaLnBrk="1" fontAlgn="auto" latinLnBrk="1" hangingPunct="1">
+              <a:lnSpc>
+                <a:spcPct val="100000"/>
+              </a:lnSpc>
+              <a:spcBef>
+                <a:spcPct val="20000"/>
+              </a:spcBef>
+              <a:spcAft>
+                <a:spcPts val="0"/>
+              </a:spcAft>
+              <a:buClrTx/>
+              <a:buSzTx/>
+              <a:buFont typeface="Arial" pitchFamily="34" charset="0"/>
+              <a:buNone/>
+              <a:tabLst/>
+              <a:defRPr/>
+            </a:pPr>
+            <a:endParaRPr kumimoji="0" lang="en-US" sz="2000" b="1" i="0" u="none" strike="noStrike" kern="1200" cap="none" spc="0" normalizeH="0" baseline="0" noProof="0" dirty="0">
+              <a:ln>
+                <a:noFill/>
+              </a:ln>
+              <a:solidFill>
+                <a:schemeClr val="tx1">
+                  <a:lumMod val="75000"/>
+                  <a:lumOff val="25000"/>
+                </a:schemeClr>
+              </a:solidFill>
+              <a:effectLst/>
+              <a:uLnTx/>
+              <a:uFillTx/>
+              <a:latin typeface="Corbel" pitchFamily="34" charset="0"/>
+              <a:ea typeface="+mn-ea"/>
+              <a:cs typeface="Arial" pitchFamily="34" charset="0"/>
+            </a:endParaRPr>
+          </a:p>
+        </p:txBody>
+      </p:sp>
+      <p:pic>
+        <p:nvPicPr>
+          <p:cNvPr id="8" name="Picture 2"/>
+          <p:cNvPicPr>
+            <a:picLocks noChangeAspect="1" noChangeArrowheads="1"/>
+          </p:cNvPicPr>
+          <p:nvPr/>
+        </p:nvPicPr>
+        <p:blipFill>
+          <a:blip r:embed="rId2" cstate="print"/>
+          <a:srcRect/>
+          <a:stretch>
+            <a:fillRect/>
+          </a:stretch>
+        </p:blipFill>
+        <p:spPr bwMode="auto">
+          <a:xfrm>
+            <a:off x="2123728" y="699542"/>
+            <a:ext cx="5232869" cy="4443958"/>
+          </a:xfrm>
+          <a:prstGeom prst="rect">
+            <a:avLst/>
+          </a:prstGeom>
+          <a:noFill/>
+          <a:ln w="9525">
+            <a:noFill/>
+            <a:miter lim="800000"/>
+            <a:headEnd/>
+            <a:tailEnd/>
+          </a:ln>
+        </p:spPr>
+      </p:pic>
+    </p:spTree>
+    <p:extLst>
+      <p:ext uri="{BB962C8B-B14F-4D97-AF65-F5344CB8AC3E}">
+        <p14:creationId xmlns:p14="http://schemas.microsoft.com/office/powerpoint/2010/main" xmlns="" val="2090594489"/>
+      </p:ext>
+    </p:extLst>
+  </p:cSld>
+  <p:clrMapOvr>
+    <a:masterClrMapping/>
+  </p:clrMapOvr>
+  <p:timing>
+    <p:tnLst>
+      <p:par>
+        <p:cTn id="1" dur="indefinite" restart="never" nodeType="tmRoot"/>
+      </p:par>
+    </p:tnLst>
+  </p:timing>
+</p:sld>
+</file>
+
+<file path=ppt/slides/slide6.xml><?xml version="1.0" encoding="utf-8"?>
 <p:sld xmlns:a="http://schemas.openxmlformats.org/drawingml/2006/main" xmlns:r="http://schemas.openxmlformats.org/officeDocument/2006/relationships" xmlns:p="http://schemas.openxmlformats.org/presentationml/2006/main">
   <p:cSld>
     <p:spTree>
@@ -8809,103 +8998,7 @@
     </p:spTree>
     <p:extLst>
       <p:ext uri="{BB962C8B-B14F-4D97-AF65-F5344CB8AC3E}">
-        <p14:creationId xmlns="" xmlns:p14="http://schemas.microsoft.com/office/powerpoint/2010/main" val="979107610"/>
-      </p:ext>
-    </p:extLst>
-  </p:cSld>
-  <p:clrMapOvr>
-    <a:masterClrMapping/>
-  </p:clrMapOvr>
-  <p:timing>
-    <p:tnLst>
-      <p:par>
-        <p:cTn id="1" dur="indefinite" restart="never" nodeType="tmRoot"/>
-      </p:par>
-    </p:tnLst>
-  </p:timing>
-</p:sld>
-</file>
-
-<file path=ppt/slides/slide6.xml><?xml version="1.0" encoding="utf-8"?>
-<p:sld xmlns:a="http://schemas.openxmlformats.org/drawingml/2006/main" xmlns:r="http://schemas.openxmlformats.org/officeDocument/2006/relationships" xmlns:p="http://schemas.openxmlformats.org/presentationml/2006/main">
-  <p:cSld>
-    <p:spTree>
-      <p:nvGrpSpPr>
-        <p:cNvPr id="1" name=""/>
-        <p:cNvGrpSpPr/>
-        <p:nvPr/>
-      </p:nvGrpSpPr>
-      <p:grpSpPr>
-        <a:xfrm>
-          <a:off x="0" y="0"/>
-          <a:ext cx="0" cy="0"/>
-          <a:chOff x="0" y="0"/>
-          <a:chExt cx="0" cy="0"/>
-        </a:xfrm>
-      </p:grpSpPr>
-      <p:sp>
-        <p:nvSpPr>
-          <p:cNvPr id="3" name="Title 2"/>
-          <p:cNvSpPr>
-            <a:spLocks noGrp="1"/>
-          </p:cNvSpPr>
-          <p:nvPr>
-            <p:ph type="title"/>
-          </p:nvPr>
-        </p:nvSpPr>
-        <p:spPr/>
-        <p:txBody>
-          <a:bodyPr/>
-          <a:lstStyle/>
-          <a:p>
-            <a:r>
-              <a:rPr lang="en-US" dirty="0" smtClean="0">
-                <a:latin typeface="Corbel" pitchFamily="34" charset="0"/>
-              </a:rPr>
-              <a:t> </a:t>
-            </a:r>
-            <a:r>
-              <a:rPr lang="en-US" altLang="ko-KR" dirty="0" smtClean="0">
-                <a:latin typeface="Corbel" pitchFamily="34" charset="0"/>
-              </a:rPr>
-              <a:t>Entity Relationship Diagram</a:t>
-            </a:r>
-            <a:endParaRPr lang="en-US" dirty="0">
-              <a:latin typeface="Corbel" pitchFamily="34" charset="0"/>
-            </a:endParaRPr>
-          </a:p>
-        </p:txBody>
-      </p:sp>
-      <p:pic>
-        <p:nvPicPr>
-          <p:cNvPr id="8" name="Picture 2" descr="C:\Users\BRIONSE\Desktop\Kanen Online ERD.png"/>
-          <p:cNvPicPr>
-            <a:picLocks noChangeAspect="1" noChangeArrowheads="1"/>
-          </p:cNvPicPr>
-          <p:nvPr/>
-        </p:nvPicPr>
-        <p:blipFill>
-          <a:blip r:embed="rId2" cstate="print"/>
-          <a:srcRect/>
-          <a:stretch>
-            <a:fillRect/>
-          </a:stretch>
-        </p:blipFill>
-        <p:spPr bwMode="auto">
-          <a:xfrm>
-            <a:off x="1259632" y="706165"/>
-            <a:ext cx="6767308" cy="4437335"/>
-          </a:xfrm>
-          <a:prstGeom prst="rect">
-            <a:avLst/>
-          </a:prstGeom>
-          <a:noFill/>
-        </p:spPr>
-      </p:pic>
-    </p:spTree>
-    <p:extLst>
-      <p:ext uri="{BB962C8B-B14F-4D97-AF65-F5344CB8AC3E}">
-        <p14:creationId xmlns="" xmlns:p14="http://schemas.microsoft.com/office/powerpoint/2010/main" val="2090594489"/>
+        <p14:creationId xmlns:p14="http://schemas.microsoft.com/office/powerpoint/2010/main" xmlns="" val="979107610"/>
       </p:ext>
     </p:extLst>
   </p:cSld>
@@ -8964,7 +9057,7 @@
               <a:rPr lang="en-US" altLang="ko-KR" dirty="0" smtClean="0">
                 <a:latin typeface="Corbel" pitchFamily="34" charset="0"/>
               </a:rPr>
-              <a:t>Sequence Diagram</a:t>
+              <a:t>Entity Relationship Diagram</a:t>
             </a:r>
             <a:endParaRPr lang="en-US" dirty="0">
               <a:latin typeface="Corbel" pitchFamily="34" charset="0"/>
@@ -8974,7 +9067,7 @@
       </p:sp>
       <p:pic>
         <p:nvPicPr>
-          <p:cNvPr id="2050" name="Picture 2" descr="D:\My Documents\Group3Projects\W6 Project\uml\W6_Project_Sequence.jpg"/>
+          <p:cNvPr id="8" name="Picture 2" descr="C:\Users\BRIONSE\Desktop\Kanen Online ERD.png"/>
           <p:cNvPicPr>
             <a:picLocks noChangeAspect="1" noChangeArrowheads="1"/>
           </p:cNvPicPr>
@@ -8989,8 +9082,8 @@
         </p:blipFill>
         <p:spPr bwMode="auto">
           <a:xfrm>
-            <a:off x="1660087" y="771550"/>
-            <a:ext cx="4950222" cy="4371949"/>
+            <a:off x="1259632" y="706165"/>
+            <a:ext cx="6767308" cy="4437335"/>
           </a:xfrm>
           <a:prstGeom prst="rect">
             <a:avLst/>
@@ -9001,7 +9094,7 @@
     </p:spTree>
     <p:extLst>
       <p:ext uri="{BB962C8B-B14F-4D97-AF65-F5344CB8AC3E}">
-        <p14:creationId xmlns="" xmlns:p14="http://schemas.microsoft.com/office/powerpoint/2010/main" val="2090594489"/>
+        <p14:creationId xmlns:p14="http://schemas.microsoft.com/office/powerpoint/2010/main" xmlns="" val="2090594489"/>
       </p:ext>
     </p:extLst>
   </p:cSld>
@@ -9045,6 +9138,102 @@
             <p:ph type="title"/>
           </p:nvPr>
         </p:nvSpPr>
+        <p:spPr/>
+        <p:txBody>
+          <a:bodyPr/>
+          <a:lstStyle/>
+          <a:p>
+            <a:r>
+              <a:rPr lang="en-US" dirty="0" smtClean="0">
+                <a:latin typeface="Corbel" pitchFamily="34" charset="0"/>
+              </a:rPr>
+              <a:t> </a:t>
+            </a:r>
+            <a:r>
+              <a:rPr lang="en-US" altLang="ko-KR" dirty="0" smtClean="0">
+                <a:latin typeface="Corbel" pitchFamily="34" charset="0"/>
+              </a:rPr>
+              <a:t>Sequence Diagram</a:t>
+            </a:r>
+            <a:endParaRPr lang="en-US" dirty="0">
+              <a:latin typeface="Corbel" pitchFamily="34" charset="0"/>
+            </a:endParaRPr>
+          </a:p>
+        </p:txBody>
+      </p:sp>
+      <p:pic>
+        <p:nvPicPr>
+          <p:cNvPr id="2050" name="Picture 2" descr="D:\My Documents\Group3Projects\W6 Project\uml\W6_Project_Sequence.jpg"/>
+          <p:cNvPicPr>
+            <a:picLocks noChangeAspect="1" noChangeArrowheads="1"/>
+          </p:cNvPicPr>
+          <p:nvPr/>
+        </p:nvPicPr>
+        <p:blipFill>
+          <a:blip r:embed="rId2" cstate="print"/>
+          <a:srcRect/>
+          <a:stretch>
+            <a:fillRect/>
+          </a:stretch>
+        </p:blipFill>
+        <p:spPr bwMode="auto">
+          <a:xfrm>
+            <a:off x="1660087" y="771550"/>
+            <a:ext cx="4950222" cy="4371949"/>
+          </a:xfrm>
+          <a:prstGeom prst="rect">
+            <a:avLst/>
+          </a:prstGeom>
+          <a:noFill/>
+        </p:spPr>
+      </p:pic>
+    </p:spTree>
+    <p:extLst>
+      <p:ext uri="{BB962C8B-B14F-4D97-AF65-F5344CB8AC3E}">
+        <p14:creationId xmlns:p14="http://schemas.microsoft.com/office/powerpoint/2010/main" xmlns="" val="2090594489"/>
+      </p:ext>
+    </p:extLst>
+  </p:cSld>
+  <p:clrMapOvr>
+    <a:masterClrMapping/>
+  </p:clrMapOvr>
+  <p:timing>
+    <p:tnLst>
+      <p:par>
+        <p:cTn id="1" dur="indefinite" restart="never" nodeType="tmRoot"/>
+      </p:par>
+    </p:tnLst>
+  </p:timing>
+</p:sld>
+</file>
+
+<file path=ppt/slides/slide9.xml><?xml version="1.0" encoding="utf-8"?>
+<p:sld xmlns:a="http://schemas.openxmlformats.org/drawingml/2006/main" xmlns:r="http://schemas.openxmlformats.org/officeDocument/2006/relationships" xmlns:p="http://schemas.openxmlformats.org/presentationml/2006/main">
+  <p:cSld>
+    <p:spTree>
+      <p:nvGrpSpPr>
+        <p:cNvPr id="1" name=""/>
+        <p:cNvGrpSpPr/>
+        <p:nvPr/>
+      </p:nvGrpSpPr>
+      <p:grpSpPr>
+        <a:xfrm>
+          <a:off x="0" y="0"/>
+          <a:ext cx="0" cy="0"/>
+          <a:chOff x="0" y="0"/>
+          <a:chExt cx="0" cy="0"/>
+        </a:xfrm>
+      </p:grpSpPr>
+      <p:sp>
+        <p:nvSpPr>
+          <p:cNvPr id="3" name="Title 2"/>
+          <p:cNvSpPr>
+            <a:spLocks noGrp="1"/>
+          </p:cNvSpPr>
+          <p:nvPr>
+            <p:ph type="title"/>
+          </p:nvPr>
+        </p:nvSpPr>
         <p:spPr>
           <a:xfrm>
             <a:off x="1619672" y="0"/>
@@ -9096,101 +9285,7 @@
     </p:spTree>
     <p:extLst>
       <p:ext uri="{BB962C8B-B14F-4D97-AF65-F5344CB8AC3E}">
-        <p14:creationId xmlns="" xmlns:p14="http://schemas.microsoft.com/office/powerpoint/2010/main" val="979107610"/>
-      </p:ext>
-    </p:extLst>
-  </p:cSld>
-  <p:clrMapOvr>
-    <a:masterClrMapping/>
-  </p:clrMapOvr>
-</p:sld>
-</file>
-
-<file path=ppt/slides/slide9.xml><?xml version="1.0" encoding="utf-8"?>
-<p:sld xmlns:a="http://schemas.openxmlformats.org/drawingml/2006/main" xmlns:r="http://schemas.openxmlformats.org/officeDocument/2006/relationships" xmlns:p="http://schemas.openxmlformats.org/presentationml/2006/main">
-  <p:cSld>
-    <p:spTree>
-      <p:nvGrpSpPr>
-        <p:cNvPr id="1" name=""/>
-        <p:cNvGrpSpPr/>
-        <p:nvPr/>
-      </p:nvGrpSpPr>
-      <p:grpSpPr>
-        <a:xfrm>
-          <a:off x="0" y="0"/>
-          <a:ext cx="0" cy="0"/>
-          <a:chOff x="0" y="0"/>
-          <a:chExt cx="0" cy="0"/>
-        </a:xfrm>
-      </p:grpSpPr>
-      <p:sp>
-        <p:nvSpPr>
-          <p:cNvPr id="3" name="Title 2"/>
-          <p:cNvSpPr>
-            <a:spLocks noGrp="1"/>
-          </p:cNvSpPr>
-          <p:nvPr>
-            <p:ph type="title"/>
-          </p:nvPr>
-        </p:nvSpPr>
-        <p:spPr>
-          <a:xfrm>
-            <a:off x="1619672" y="0"/>
-            <a:ext cx="6840760" cy="524426"/>
-          </a:xfrm>
-        </p:spPr>
-        <p:txBody>
-          <a:bodyPr/>
-          <a:lstStyle/>
-          <a:p>
-            <a:r>
-              <a:rPr lang="en-US" altLang="ko-KR" dirty="0" smtClean="0">
-                <a:latin typeface="Corbel" pitchFamily="34" charset="0"/>
-              </a:rPr>
-              <a:t>Class Diagram - DAOs</a:t>
-            </a:r>
-            <a:endParaRPr lang="ko-KR" altLang="en-US" dirty="0">
-              <a:latin typeface="Corbel" pitchFamily="34" charset="0"/>
-            </a:endParaRPr>
-          </a:p>
-        </p:txBody>
-      </p:sp>
-      <p:pic>
-        <p:nvPicPr>
-          <p:cNvPr id="3074" name="Picture 2"/>
-          <p:cNvPicPr>
-            <a:picLocks noChangeAspect="1" noChangeArrowheads="1"/>
-          </p:cNvPicPr>
-          <p:nvPr/>
-        </p:nvPicPr>
-        <p:blipFill>
-          <a:blip r:embed="rId2" cstate="print"/>
-          <a:srcRect/>
-          <a:stretch>
-            <a:fillRect/>
-          </a:stretch>
-        </p:blipFill>
-        <p:spPr bwMode="auto">
-          <a:xfrm>
-            <a:off x="1835696" y="627534"/>
-            <a:ext cx="5832648" cy="4329756"/>
-          </a:xfrm>
-          <a:prstGeom prst="rect">
-            <a:avLst/>
-          </a:prstGeom>
-          <a:noFill/>
-          <a:ln w="9525">
-            <a:noFill/>
-            <a:miter lim="800000"/>
-            <a:headEnd/>
-            <a:tailEnd/>
-          </a:ln>
-        </p:spPr>
-      </p:pic>
-    </p:spTree>
-    <p:extLst>
-      <p:ext uri="{BB962C8B-B14F-4D97-AF65-F5344CB8AC3E}">
-        <p14:creationId xmlns="" xmlns:p14="http://schemas.microsoft.com/office/powerpoint/2010/main" val="979107610"/>
+        <p14:creationId xmlns:p14="http://schemas.microsoft.com/office/powerpoint/2010/main" xmlns="" val="979107610"/>
       </p:ext>
     </p:extLst>
   </p:cSld>
